--- a/poster/poster.pptx
+++ b/poster/poster.pptx
@@ -112,518 +112,6 @@
 </p:presentation>
 </file>
 
-<file path=ppt/charts/chart1.xml><?xml version="1.0" encoding="utf-8"?>
-<c:chartSpace xmlns:c="http://schemas.openxmlformats.org/drawingml/2006/chart" xmlns:a="http://schemas.openxmlformats.org/drawingml/2006/main" xmlns:r="http://schemas.openxmlformats.org/officeDocument/2006/relationships" xmlns:c16r2="http://schemas.microsoft.com/office/drawing/2015/06/chart">
-  <c:date1904 val="0"/>
-  <c:lang val="en-US"/>
-  <c:roundedCorners val="0"/>
-  <mc:AlternateContent xmlns:mc="http://schemas.openxmlformats.org/markup-compatibility/2006">
-    <mc:Choice xmlns:c14="http://schemas.microsoft.com/office/drawing/2007/8/2/chart" Requires="c14">
-      <c14:style val="102"/>
-    </mc:Choice>
-    <mc:Fallback>
-      <c:style val="2"/>
-    </mc:Fallback>
-  </mc:AlternateContent>
-  <c:chart>
-    <c:title>
-      <c:tx>
-        <c:rich>
-          <a:bodyPr rot="0" spcFirstLastPara="1" vertOverflow="ellipsis" vert="horz" wrap="square" anchor="ctr" anchorCtr="1"/>
-          <a:lstStyle/>
-          <a:p>
-            <a:pPr>
-              <a:defRPr sz="4400" b="1" i="0" u="none" strike="noStrike" kern="1200" spc="0" baseline="0">
-                <a:solidFill>
-                  <a:schemeClr val="tx1"/>
-                </a:solidFill>
-                <a:latin typeface="Arial" charset="0"/>
-                <a:ea typeface="Arial" charset="0"/>
-                <a:cs typeface="Arial" charset="0"/>
-              </a:defRPr>
-            </a:pPr>
-            <a:r>
-              <a:rPr lang="en-US" sz="4400" b="1" dirty="0">
-                <a:solidFill>
-                  <a:schemeClr val="tx1"/>
-                </a:solidFill>
-                <a:latin typeface="Arial" charset="0"/>
-                <a:ea typeface="Arial" charset="0"/>
-                <a:cs typeface="Arial" charset="0"/>
-              </a:rPr>
-              <a:t>Chart </a:t>
-            </a:r>
-            <a:r>
-              <a:rPr lang="en-US" sz="4400" b="1">
-                <a:solidFill>
-                  <a:schemeClr val="tx1"/>
-                </a:solidFill>
-                <a:latin typeface="Arial" charset="0"/>
-                <a:ea typeface="Arial" charset="0"/>
-                <a:cs typeface="Arial" charset="0"/>
-              </a:rPr>
-              <a:t>D - Title</a:t>
-            </a:r>
-            <a:endParaRPr lang="en-US" sz="4400" b="1" dirty="0">
-              <a:solidFill>
-                <a:schemeClr val="tx1"/>
-              </a:solidFill>
-              <a:latin typeface="Arial" charset="0"/>
-              <a:ea typeface="Arial" charset="0"/>
-              <a:cs typeface="Arial" charset="0"/>
-            </a:endParaRPr>
-          </a:p>
-        </c:rich>
-      </c:tx>
-      <c:layout>
-        <c:manualLayout>
-          <c:xMode val="edge"/>
-          <c:yMode val="edge"/>
-          <c:x val="0.27746920050135165"/>
-          <c:y val="1.0944200232830312E-2"/>
-        </c:manualLayout>
-      </c:layout>
-      <c:overlay val="0"/>
-      <c:spPr>
-        <a:noFill/>
-        <a:ln w="37084">
-          <a:noFill/>
-        </a:ln>
-      </c:spPr>
-    </c:title>
-    <c:autoTitleDeleted val="0"/>
-    <c:plotArea>
-      <c:layout>
-        <c:manualLayout>
-          <c:layoutTarget val="inner"/>
-          <c:xMode val="edge"/>
-          <c:yMode val="edge"/>
-          <c:x val="7.1945587198555094E-2"/>
-          <c:y val="0.18243447742298799"/>
-          <c:w val="0.89237340955380096"/>
-          <c:h val="0.57213083665156228"/>
-        </c:manualLayout>
-      </c:layout>
-      <c:barChart>
-        <c:barDir val="col"/>
-        <c:grouping val="clustered"/>
-        <c:varyColors val="0"/>
-        <c:ser>
-          <c:idx val="0"/>
-          <c:order val="0"/>
-          <c:tx>
-            <c:strRef>
-              <c:f>Sheet1!$B$1</c:f>
-              <c:strCache>
-                <c:ptCount val="1"/>
-                <c:pt idx="0">
-                  <c:v>Series 1</c:v>
-                </c:pt>
-              </c:strCache>
-            </c:strRef>
-          </c:tx>
-          <c:spPr>
-            <a:solidFill>
-              <a:srgbClr val="00008F"/>
-            </a:solidFill>
-            <a:ln w="37084">
-              <a:noFill/>
-            </a:ln>
-          </c:spPr>
-          <c:invertIfNegative val="0"/>
-          <c:cat>
-            <c:strRef>
-              <c:f>Sheet1!$A$2:$A$5</c:f>
-              <c:strCache>
-                <c:ptCount val="4"/>
-                <c:pt idx="0">
-                  <c:v>category </c:v>
-                </c:pt>
-                <c:pt idx="1">
-                  <c:v>category </c:v>
-                </c:pt>
-                <c:pt idx="2">
-                  <c:v>category </c:v>
-                </c:pt>
-                <c:pt idx="3">
-                  <c:v>category </c:v>
-                </c:pt>
-              </c:strCache>
-            </c:strRef>
-          </c:cat>
-          <c:val>
-            <c:numRef>
-              <c:f>Sheet1!$B$2:$B$5</c:f>
-              <c:numCache>
-                <c:formatCode>General</c:formatCode>
-                <c:ptCount val="4"/>
-                <c:pt idx="0">
-                  <c:v>4.3</c:v>
-                </c:pt>
-                <c:pt idx="1">
-                  <c:v>2.5</c:v>
-                </c:pt>
-                <c:pt idx="2">
-                  <c:v>3.5</c:v>
-                </c:pt>
-                <c:pt idx="3">
-                  <c:v>4.5</c:v>
-                </c:pt>
-              </c:numCache>
-            </c:numRef>
-          </c:val>
-          <c:extLst>
-            <c:ext xmlns:c16="http://schemas.microsoft.com/office/drawing/2014/chart" uri="{C3380CC4-5D6E-409C-BE32-E72D297353CC}">
-              <c16:uniqueId val="{00000000-4F12-274B-9990-7686B85A2F69}"/>
-            </c:ext>
-          </c:extLst>
-        </c:ser>
-        <c:ser>
-          <c:idx val="1"/>
-          <c:order val="1"/>
-          <c:tx>
-            <c:strRef>
-              <c:f>Sheet1!$C$1</c:f>
-              <c:strCache>
-                <c:ptCount val="1"/>
-                <c:pt idx="0">
-                  <c:v>Series 2</c:v>
-                </c:pt>
-              </c:strCache>
-            </c:strRef>
-          </c:tx>
-          <c:spPr>
-            <a:solidFill>
-              <a:srgbClr val="41B6E6"/>
-            </a:solidFill>
-            <a:ln w="37084">
-              <a:noFill/>
-            </a:ln>
-          </c:spPr>
-          <c:invertIfNegative val="0"/>
-          <c:cat>
-            <c:strRef>
-              <c:f>Sheet1!$A$2:$A$5</c:f>
-              <c:strCache>
-                <c:ptCount val="4"/>
-                <c:pt idx="0">
-                  <c:v>category </c:v>
-                </c:pt>
-                <c:pt idx="1">
-                  <c:v>category </c:v>
-                </c:pt>
-                <c:pt idx="2">
-                  <c:v>category </c:v>
-                </c:pt>
-                <c:pt idx="3">
-                  <c:v>category </c:v>
-                </c:pt>
-              </c:strCache>
-            </c:strRef>
-          </c:cat>
-          <c:val>
-            <c:numRef>
-              <c:f>Sheet1!$C$2:$C$5</c:f>
-              <c:numCache>
-                <c:formatCode>General</c:formatCode>
-                <c:ptCount val="4"/>
-                <c:pt idx="0">
-                  <c:v>2.4</c:v>
-                </c:pt>
-                <c:pt idx="1">
-                  <c:v>4.4000000000000004</c:v>
-                </c:pt>
-                <c:pt idx="2">
-                  <c:v>1.8</c:v>
-                </c:pt>
-                <c:pt idx="3">
-                  <c:v>2.8</c:v>
-                </c:pt>
-              </c:numCache>
-            </c:numRef>
-          </c:val>
-          <c:extLst>
-            <c:ext xmlns:c16="http://schemas.microsoft.com/office/drawing/2014/chart" uri="{C3380CC4-5D6E-409C-BE32-E72D297353CC}">
-              <c16:uniqueId val="{00000001-4F12-274B-9990-7686B85A2F69}"/>
-            </c:ext>
-          </c:extLst>
-        </c:ser>
-        <c:ser>
-          <c:idx val="2"/>
-          <c:order val="2"/>
-          <c:tx>
-            <c:strRef>
-              <c:f>Sheet1!$D$1</c:f>
-              <c:strCache>
-                <c:ptCount val="1"/>
-                <c:pt idx="0">
-                  <c:v>Series 3</c:v>
-                </c:pt>
-              </c:strCache>
-            </c:strRef>
-          </c:tx>
-          <c:spPr>
-            <a:solidFill>
-              <a:schemeClr val="accent1">
-                <a:lumMod val="60000"/>
-                <a:lumOff val="40000"/>
-              </a:schemeClr>
-            </a:solidFill>
-            <a:ln w="37084">
-              <a:noFill/>
-            </a:ln>
-          </c:spPr>
-          <c:invertIfNegative val="0"/>
-          <c:cat>
-            <c:strRef>
-              <c:f>Sheet1!$A$2:$A$5</c:f>
-              <c:strCache>
-                <c:ptCount val="4"/>
-                <c:pt idx="0">
-                  <c:v>category </c:v>
-                </c:pt>
-                <c:pt idx="1">
-                  <c:v>category </c:v>
-                </c:pt>
-                <c:pt idx="2">
-                  <c:v>category </c:v>
-                </c:pt>
-                <c:pt idx="3">
-                  <c:v>category </c:v>
-                </c:pt>
-              </c:strCache>
-            </c:strRef>
-          </c:cat>
-          <c:val>
-            <c:numRef>
-              <c:f>Sheet1!$D$2:$D$5</c:f>
-              <c:numCache>
-                <c:formatCode>General</c:formatCode>
-                <c:ptCount val="4"/>
-                <c:pt idx="0">
-                  <c:v>2</c:v>
-                </c:pt>
-                <c:pt idx="1">
-                  <c:v>2</c:v>
-                </c:pt>
-                <c:pt idx="2">
-                  <c:v>3</c:v>
-                </c:pt>
-                <c:pt idx="3">
-                  <c:v>5</c:v>
-                </c:pt>
-              </c:numCache>
-            </c:numRef>
-          </c:val>
-          <c:extLst>
-            <c:ext xmlns:c16="http://schemas.microsoft.com/office/drawing/2014/chart" uri="{C3380CC4-5D6E-409C-BE32-E72D297353CC}">
-              <c16:uniqueId val="{00000002-4F12-274B-9990-7686B85A2F69}"/>
-            </c:ext>
-          </c:extLst>
-        </c:ser>
-        <c:dLbls>
-          <c:showLegendKey val="0"/>
-          <c:showVal val="0"/>
-          <c:showCatName val="0"/>
-          <c:showSerName val="0"/>
-          <c:showPercent val="0"/>
-          <c:showBubbleSize val="0"/>
-        </c:dLbls>
-        <c:gapWidth val="219"/>
-        <c:overlap val="-27"/>
-        <c:axId val="-2110909504"/>
-        <c:axId val="-2092766432"/>
-      </c:barChart>
-      <c:catAx>
-        <c:axId val="-2110909504"/>
-        <c:scaling>
-          <c:orientation val="minMax"/>
-        </c:scaling>
-        <c:delete val="0"/>
-        <c:axPos val="b"/>
-        <c:numFmt formatCode="General" sourceLinked="1"/>
-        <c:majorTickMark val="none"/>
-        <c:minorTickMark val="none"/>
-        <c:tickLblPos val="nextTo"/>
-        <c:spPr>
-          <a:noFill/>
-          <a:ln w="87983" cap="flat" cmpd="sng" algn="ctr">
-            <a:solidFill>
-              <a:schemeClr val="bg2">
-                <a:lumMod val="50000"/>
-              </a:schemeClr>
-            </a:solidFill>
-            <a:round/>
-          </a:ln>
-          <a:effectLst/>
-        </c:spPr>
-        <c:txPr>
-          <a:bodyPr rot="-60000000" spcFirstLastPara="1" vertOverflow="ellipsis" vert="horz" wrap="square" anchor="ctr" anchorCtr="1"/>
-          <a:lstStyle/>
-          <a:p>
-            <a:pPr>
-              <a:defRPr sz="3600" b="0" i="0" u="none" strike="noStrike" kern="1200" baseline="0">
-                <a:solidFill>
-                  <a:schemeClr val="tx1"/>
-                </a:solidFill>
-                <a:latin typeface="Arial" charset="0"/>
-                <a:ea typeface="Arial" charset="0"/>
-                <a:cs typeface="Arial" charset="0"/>
-              </a:defRPr>
-            </a:pPr>
-            <a:endParaRPr lang="en-US"/>
-          </a:p>
-        </c:txPr>
-        <c:crossAx val="-2092766432"/>
-        <c:crosses val="autoZero"/>
-        <c:auto val="1"/>
-        <c:lblAlgn val="ctr"/>
-        <c:lblOffset val="100"/>
-        <c:noMultiLvlLbl val="0"/>
-      </c:catAx>
-      <c:valAx>
-        <c:axId val="-2092766432"/>
-        <c:scaling>
-          <c:orientation val="minMax"/>
-        </c:scaling>
-        <c:delete val="0"/>
-        <c:axPos val="l"/>
-        <c:majorGridlines>
-          <c:spPr>
-            <a:ln w="20304" cap="flat" cmpd="sng" algn="ctr">
-              <a:solidFill>
-                <a:schemeClr val="tx1">
-                  <a:lumMod val="60000"/>
-                  <a:lumOff val="40000"/>
-                </a:schemeClr>
-              </a:solidFill>
-              <a:prstDash val="dash"/>
-              <a:round/>
-            </a:ln>
-            <a:effectLst/>
-          </c:spPr>
-        </c:majorGridlines>
-        <c:numFmt formatCode="General" sourceLinked="1"/>
-        <c:majorTickMark val="none"/>
-        <c:minorTickMark val="none"/>
-        <c:tickLblPos val="nextTo"/>
-        <c:spPr>
-          <a:ln w="9271">
-            <a:noFill/>
-          </a:ln>
-        </c:spPr>
-        <c:txPr>
-          <a:bodyPr rot="-60000000" spcFirstLastPara="1" vertOverflow="ellipsis" vert="horz" wrap="square" anchor="ctr" anchorCtr="1"/>
-          <a:lstStyle/>
-          <a:p>
-            <a:pPr>
-              <a:defRPr sz="2552" b="0" i="0" u="none" strike="noStrike" kern="1200" baseline="0">
-                <a:solidFill>
-                  <a:schemeClr val="tx1"/>
-                </a:solidFill>
-                <a:latin typeface="Arial" charset="0"/>
-                <a:ea typeface="Arial" charset="0"/>
-                <a:cs typeface="Arial" charset="0"/>
-              </a:defRPr>
-            </a:pPr>
-            <a:endParaRPr lang="en-US"/>
-          </a:p>
-        </c:txPr>
-        <c:crossAx val="-2110909504"/>
-        <c:crosses val="autoZero"/>
-        <c:crossBetween val="between"/>
-      </c:valAx>
-      <c:spPr>
-        <a:noFill/>
-        <a:ln w="37084">
-          <a:noFill/>
-        </a:ln>
-      </c:spPr>
-    </c:plotArea>
-    <c:legend>
-      <c:legendPos val="b"/>
-      <c:legendEntry>
-        <c:idx val="0"/>
-        <c:txPr>
-          <a:bodyPr rot="0" spcFirstLastPara="1" vertOverflow="ellipsis" vert="horz" wrap="square" anchor="ctr" anchorCtr="1"/>
-          <a:lstStyle/>
-          <a:p>
-            <a:pPr>
-              <a:defRPr sz="3600" b="0" i="0" u="none" strike="noStrike" kern="1200" baseline="0">
-                <a:solidFill>
-                  <a:schemeClr val="tx1"/>
-                </a:solidFill>
-                <a:latin typeface="Arial" charset="0"/>
-                <a:ea typeface="Arial" charset="0"/>
-                <a:cs typeface="Arial" charset="0"/>
-              </a:defRPr>
-            </a:pPr>
-            <a:endParaRPr lang="en-US"/>
-          </a:p>
-        </c:txPr>
-      </c:legendEntry>
-      <c:layout>
-        <c:manualLayout>
-          <c:xMode val="edge"/>
-          <c:yMode val="edge"/>
-          <c:x val="0.10118066564474783"/>
-          <c:y val="0.92629556332344076"/>
-          <c:w val="0.7702366135181522"/>
-          <c:h val="6.0968015008725798E-2"/>
-        </c:manualLayout>
-      </c:layout>
-      <c:overlay val="0"/>
-      <c:spPr>
-        <a:noFill/>
-        <a:ln w="37084">
-          <a:noFill/>
-        </a:ln>
-      </c:spPr>
-      <c:txPr>
-        <a:bodyPr rot="0" spcFirstLastPara="1" vertOverflow="ellipsis" vert="horz" wrap="square" anchor="ctr" anchorCtr="1"/>
-        <a:lstStyle/>
-        <a:p>
-          <a:pPr>
-            <a:defRPr sz="3600" b="0" i="0" u="none" strike="noStrike" kern="1200" baseline="0">
-              <a:solidFill>
-                <a:schemeClr val="tx1"/>
-              </a:solidFill>
-              <a:latin typeface="Arial" charset="0"/>
-              <a:ea typeface="Arial" charset="0"/>
-              <a:cs typeface="Arial" charset="0"/>
-            </a:defRPr>
-          </a:pPr>
-          <a:endParaRPr lang="en-US"/>
-        </a:p>
-      </c:txPr>
-    </c:legend>
-    <c:plotVisOnly val="1"/>
-    <c:dispBlanksAs val="gap"/>
-    <c:showDLblsOverMax val="0"/>
-  </c:chart>
-  <c:spPr>
-    <a:noFill/>
-    <a:ln>
-      <a:noFill/>
-    </a:ln>
-    <a:effectLst/>
-  </c:spPr>
-  <c:txPr>
-    <a:bodyPr/>
-    <a:lstStyle/>
-    <a:p>
-      <a:pPr>
-        <a:defRPr/>
-      </a:pPr>
-      <a:endParaRPr lang="en-US"/>
-    </a:p>
-  </c:txPr>
-  <c:externalData r:id="rId1">
-    <c:autoUpdate val="0"/>
-  </c:externalData>
-</c:chartSpace>
-</file>
-
 <file path=ppt/slideLayouts/slideLayout1.xml><?xml version="1.0" encoding="utf-8"?>
 <p:sldLayout xmlns:a="http://schemas.openxmlformats.org/drawingml/2006/main" xmlns:r="http://schemas.openxmlformats.org/officeDocument/2006/relationships" xmlns:p="http://schemas.openxmlformats.org/presentationml/2006/main" preserve="1" userDrawn="1">
   <p:cSld name="Title Slide">
@@ -755,7 +243,7 @@
           <a:p>
             <a:fld id="{AFE03F1E-456F-5D40-9A89-77D696A88D57}" type="datetimeFigureOut">
               <a:rPr lang="en-US" smtClean="0"/>
-              <a:t>5/11/2023</a:t>
+              <a:t>5/22/2023</a:t>
             </a:fld>
             <a:endParaRPr lang="en-US"/>
           </a:p>
@@ -991,7 +479,7 @@
           <a:p>
             <a:fld id="{AFE03F1E-456F-5D40-9A89-77D696A88D57}" type="datetimeFigureOut">
               <a:rPr lang="en-US" smtClean="0"/>
-              <a:t>5/11/2023</a:t>
+              <a:t>5/22/2023</a:t>
             </a:fld>
             <a:endParaRPr lang="en-US"/>
           </a:p>
@@ -1171,7 +659,7 @@
           <a:p>
             <a:fld id="{AFE03F1E-456F-5D40-9A89-77D696A88D57}" type="datetimeFigureOut">
               <a:rPr lang="en-US" smtClean="0"/>
-              <a:t>5/11/2023</a:t>
+              <a:t>5/22/2023</a:t>
             </a:fld>
             <a:endParaRPr lang="en-US"/>
           </a:p>
@@ -1341,7 +829,7 @@
           <a:p>
             <a:fld id="{AFE03F1E-456F-5D40-9A89-77D696A88D57}" type="datetimeFigureOut">
               <a:rPr lang="en-US" smtClean="0"/>
-              <a:t>5/11/2023</a:t>
+              <a:t>5/22/2023</a:t>
             </a:fld>
             <a:endParaRPr lang="en-US"/>
           </a:p>
@@ -1585,7 +1073,7 @@
           <a:p>
             <a:fld id="{AFE03F1E-456F-5D40-9A89-77D696A88D57}" type="datetimeFigureOut">
               <a:rPr lang="en-US" smtClean="0"/>
-              <a:t>5/11/2023</a:t>
+              <a:t>5/22/2023</a:t>
             </a:fld>
             <a:endParaRPr lang="en-US"/>
           </a:p>
@@ -1817,7 +1305,7 @@
           <a:p>
             <a:fld id="{AFE03F1E-456F-5D40-9A89-77D696A88D57}" type="datetimeFigureOut">
               <a:rPr lang="en-US" smtClean="0"/>
-              <a:t>5/11/2023</a:t>
+              <a:t>5/22/2023</a:t>
             </a:fld>
             <a:endParaRPr lang="en-US"/>
           </a:p>
@@ -2184,7 +1672,7 @@
           <a:p>
             <a:fld id="{AFE03F1E-456F-5D40-9A89-77D696A88D57}" type="datetimeFigureOut">
               <a:rPr lang="en-US" smtClean="0"/>
-              <a:t>5/11/2023</a:t>
+              <a:t>5/22/2023</a:t>
             </a:fld>
             <a:endParaRPr lang="en-US"/>
           </a:p>
@@ -2302,7 +1790,7 @@
           <a:p>
             <a:fld id="{AFE03F1E-456F-5D40-9A89-77D696A88D57}" type="datetimeFigureOut">
               <a:rPr lang="en-US" smtClean="0"/>
-              <a:t>5/11/2023</a:t>
+              <a:t>5/22/2023</a:t>
             </a:fld>
             <a:endParaRPr lang="en-US"/>
           </a:p>
@@ -2397,7 +1885,7 @@
           <a:p>
             <a:fld id="{AFE03F1E-456F-5D40-9A89-77D696A88D57}" type="datetimeFigureOut">
               <a:rPr lang="en-US" smtClean="0"/>
-              <a:t>5/11/2023</a:t>
+              <a:t>5/22/2023</a:t>
             </a:fld>
             <a:endParaRPr lang="en-US"/>
           </a:p>
@@ -2674,7 +2162,7 @@
           <a:p>
             <a:fld id="{AFE03F1E-456F-5D40-9A89-77D696A88D57}" type="datetimeFigureOut">
               <a:rPr lang="en-US" smtClean="0"/>
-              <a:t>5/11/2023</a:t>
+              <a:t>5/22/2023</a:t>
             </a:fld>
             <a:endParaRPr lang="en-US"/>
           </a:p>
@@ -2931,7 +2419,7 @@
           <a:p>
             <a:fld id="{AFE03F1E-456F-5D40-9A89-77D696A88D57}" type="datetimeFigureOut">
               <a:rPr lang="en-US" smtClean="0"/>
-              <a:t>5/11/2023</a:t>
+              <a:t>5/22/2023</a:t>
             </a:fld>
             <a:endParaRPr lang="en-US"/>
           </a:p>
@@ -3144,7 +2632,7 @@
           <a:p>
             <a:fld id="{AFE03F1E-456F-5D40-9A89-77D696A88D57}" type="datetimeFigureOut">
               <a:rPr lang="en-US" smtClean="0"/>
-              <a:t>5/11/2023</a:t>
+              <a:t>5/22/2023</a:t>
             </a:fld>
             <a:endParaRPr lang="en-US"/>
           </a:p>
@@ -3978,8 +3466,8 @@
         </p:nvSpPr>
         <p:spPr>
           <a:xfrm>
-            <a:off x="11646276" y="6725615"/>
-            <a:ext cx="9936170" cy="6288901"/>
+            <a:off x="22150161" y="6604795"/>
+            <a:ext cx="9769898" cy="2308324"/>
           </a:xfrm>
           <a:prstGeom prst="rect">
             <a:avLst/>
@@ -3998,18 +3486,6 @@
           <a:lstStyle/>
           <a:p>
             <a:r>
-              <a:rPr lang="en-US" sz="3600" dirty="0"/>
-              <a:t>drug-target binding affinity prediction is formulated </a:t>
-            </a:r>
-            <a:r>
-              <a:rPr lang="en-US" sz="3600" dirty="0" smtClean="0"/>
-              <a:t>as a </a:t>
-            </a:r>
-            <a:r>
-              <a:rPr lang="en-US" sz="3600" dirty="0"/>
-              <a:t>regression task, and </a:t>
-            </a:r>
-            <a:r>
               <a:rPr lang="en-US" sz="3600" dirty="0" smtClean="0"/>
               <a:t>two </a:t>
             </a:r>
@@ -4043,11 +3519,11 @@
             </a:r>
             <a:r>
               <a:rPr lang="en-US" sz="3600" dirty="0"/>
-              <a:t>including Davis </a:t>
+              <a:t>including </a:t>
             </a:r>
             <a:r>
               <a:rPr lang="en-US" sz="3600" dirty="0" smtClean="0"/>
-              <a:t>and KIBA:</a:t>
+              <a:t>Davis[9] and KIBA[10]:</a:t>
             </a:r>
           </a:p>
           <a:p>
@@ -4055,76 +3531,6 @@
               <a:ea typeface="Arial" charset="0"/>
               <a:cs typeface="Arial" charset="0"/>
             </a:endParaRPr>
-          </a:p>
-          <a:p>
-            <a:pPr marL="585246" lvl="1" indent="-292624">
-              <a:spcAft>
-                <a:spcPts val="800"/>
-              </a:spcAft>
-              <a:buClr>
-                <a:schemeClr val="tx2"/>
-              </a:buClr>
-              <a:buSzPct val="125000"/>
-              <a:buFont typeface="Arial" charset="0"/>
-              <a:buChar char="•"/>
-              <a:defRPr/>
-            </a:pPr>
-            <a:r>
-              <a:rPr lang="en-US" sz="3600" dirty="0">
-                <a:ea typeface="Arial" charset="0"/>
-                <a:cs typeface="Arial" charset="0"/>
-              </a:rPr>
-              <a:t>The </a:t>
-            </a:r>
-            <a:r>
-              <a:rPr lang="en-US" sz="3600" dirty="0" err="1">
-                <a:ea typeface="Arial" charset="0"/>
-                <a:cs typeface="Arial" charset="0"/>
-              </a:rPr>
-              <a:t>Kiba</a:t>
-            </a:r>
-            <a:r>
-              <a:rPr lang="en-US" sz="3600" dirty="0">
-                <a:ea typeface="Arial" charset="0"/>
-                <a:cs typeface="Arial" charset="0"/>
-              </a:rPr>
-              <a:t> dataset contains 52,498 drugs and 467 targets, with 246,088 observations of binding affinity values measured by the KIBA score </a:t>
-            </a:r>
-          </a:p>
-          <a:p>
-            <a:pPr marL="585246" lvl="1" indent="-292624">
-              <a:spcAft>
-                <a:spcPts val="1400"/>
-              </a:spcAft>
-              <a:buClr>
-                <a:schemeClr val="tx2"/>
-              </a:buClr>
-              <a:buSzPct val="125000"/>
-              <a:buFont typeface="Arial" charset="0"/>
-              <a:buChar char="•"/>
-              <a:defRPr/>
-            </a:pPr>
-            <a:r>
-              <a:rPr lang="en-US" sz="3600" dirty="0">
-                <a:ea typeface="Arial" charset="0"/>
-                <a:cs typeface="Arial" charset="0"/>
-              </a:rPr>
-              <a:t>The Davis dataset contains 68 drugs and 442 targets, with 30,056 observations of binding affinity values measured by the </a:t>
-            </a:r>
-            <a:r>
-              <a:rPr lang="en-US" sz="3600" dirty="0" err="1">
-                <a:ea typeface="Arial" charset="0"/>
-                <a:cs typeface="Arial" charset="0"/>
-              </a:rPr>
-              <a:t>pKd</a:t>
-            </a:r>
-            <a:r>
-              <a:rPr lang="en-US" sz="3600" dirty="0">
-                <a:ea typeface="Arial" charset="0"/>
-                <a:cs typeface="Arial" charset="0"/>
-              </a:rPr>
-              <a:t> value.</a:t>
-            </a:r>
           </a:p>
         </p:txBody>
       </p:sp>
@@ -4142,8 +3548,8 @@
         </p:nvSpPr>
         <p:spPr>
           <a:xfrm>
-            <a:off x="1372645" y="29702877"/>
-            <a:ext cx="9807200" cy="10469533"/>
+            <a:off x="11562783" y="6855753"/>
+            <a:ext cx="9954648" cy="35671304"/>
           </a:xfrm>
           <a:prstGeom prst="rect">
             <a:avLst/>
@@ -4161,270 +3567,481 @@
           </a:bodyPr>
           <a:lstStyle/>
           <a:p>
-            <a:pPr algn="just">
-              <a:spcAft>
-                <a:spcPts val="1400"/>
-              </a:spcAft>
-              <a:defRPr/>
-            </a:pPr>
-            <a:r>
-              <a:rPr lang="en-US" sz="3600" dirty="0" smtClean="0">
-                <a:ea typeface="Arial" charset="0"/>
-                <a:cs typeface="Arial" charset="0"/>
-              </a:rPr>
-              <a:t>We  can represent </a:t>
-            </a:r>
-            <a:r>
-              <a:rPr lang="en-US" sz="3600" dirty="0">
-                <a:ea typeface="Arial" charset="0"/>
-                <a:cs typeface="Arial" charset="0"/>
-              </a:rPr>
-              <a:t>drugs and targets as </a:t>
-            </a:r>
-            <a:r>
-              <a:rPr lang="en-US" sz="3600" dirty="0" smtClean="0">
-                <a:ea typeface="Arial" charset="0"/>
-                <a:cs typeface="Arial" charset="0"/>
-              </a:rPr>
-              <a:t>graphs. </a:t>
-            </a:r>
-            <a:r>
-              <a:rPr lang="en-US" sz="3600" dirty="0">
-                <a:ea typeface="Arial" charset="0"/>
-                <a:cs typeface="Arial" charset="0"/>
-              </a:rPr>
-              <a:t>We use GNNs to learn node and graph </a:t>
-            </a:r>
-            <a:r>
-              <a:rPr lang="en-US" sz="3600" dirty="0" err="1" smtClean="0">
-                <a:ea typeface="Arial" charset="0"/>
-                <a:cs typeface="Arial" charset="0"/>
-              </a:rPr>
-              <a:t>embeddings</a:t>
-            </a:r>
-            <a:r>
-              <a:rPr lang="en-US" sz="3600" dirty="0" smtClean="0">
-                <a:ea typeface="Arial" charset="0"/>
-                <a:cs typeface="Arial" charset="0"/>
-              </a:rPr>
+            <a:r>
+              <a:rPr lang="en-US" sz="3200" dirty="0"/>
+              <a:t>We propose </a:t>
+            </a:r>
+            <a:r>
+              <a:rPr lang="en-US" sz="3200" dirty="0" smtClean="0"/>
+              <a:t> a model  </a:t>
+            </a:r>
+            <a:r>
+              <a:rPr lang="en-US" sz="3200" dirty="0"/>
+              <a:t>for </a:t>
+            </a:r>
+            <a:r>
+              <a:rPr lang="en-US" sz="3200" dirty="0" smtClean="0"/>
+              <a:t>drug–target </a:t>
+            </a:r>
+            <a:r>
+              <a:rPr lang="en-US" sz="3200" dirty="0"/>
+              <a:t>affinity (DTA) prediction</a:t>
+            </a:r>
+            <a:r>
+              <a:rPr lang="en-US" sz="3200" dirty="0" smtClean="0"/>
+              <a:t>. We </a:t>
+            </a:r>
+            <a:r>
+              <a:rPr lang="en-US" sz="3200" dirty="0"/>
+              <a:t>frame the DTA prediction problem </a:t>
+            </a:r>
+            <a:r>
+              <a:rPr lang="en-US" sz="3200" dirty="0" smtClean="0"/>
+              <a:t>as a </a:t>
+            </a:r>
+            <a:r>
+              <a:rPr lang="en-US" sz="3200" dirty="0"/>
+              <a:t>regression </a:t>
+            </a:r>
+            <a:r>
+              <a:rPr lang="en-US" sz="3200" dirty="0" smtClean="0"/>
+              <a:t>task. </a:t>
+            </a:r>
+            <a:r>
+              <a:rPr lang="en-US" sz="3200" dirty="0"/>
+              <a:t>Existing </a:t>
+            </a:r>
+            <a:r>
+              <a:rPr lang="en-US" sz="3200" dirty="0" smtClean="0"/>
+              <a:t>methods like </a:t>
+            </a:r>
+            <a:r>
+              <a:rPr lang="en-US" sz="3200" dirty="0" err="1" smtClean="0"/>
+              <a:t>DeepDTA</a:t>
+            </a:r>
+            <a:r>
+              <a:rPr lang="en-US" sz="3200" dirty="0" smtClean="0"/>
+              <a:t> [5], </a:t>
+            </a:r>
+            <a:r>
+              <a:rPr lang="en-US" sz="3200" dirty="0" err="1" smtClean="0"/>
+              <a:t>WideDTA</a:t>
+            </a:r>
+            <a:r>
+              <a:rPr lang="en-US" sz="3200" dirty="0" smtClean="0"/>
+              <a:t> [6], </a:t>
+            </a:r>
+            <a:r>
+              <a:rPr lang="en-US" sz="3200" dirty="0" err="1" smtClean="0"/>
+              <a:t>AttentionDTA</a:t>
+            </a:r>
+            <a:r>
+              <a:rPr lang="en-US" sz="3200" dirty="0" smtClean="0"/>
+              <a:t> [7] represent </a:t>
+            </a:r>
+            <a:r>
+              <a:rPr lang="en-US" sz="3200" dirty="0"/>
+              <a:t>the input drugs </a:t>
+            </a:r>
+            <a:r>
+              <a:rPr lang="en-US" sz="3200" dirty="0" smtClean="0"/>
+              <a:t>as strings, </a:t>
+            </a:r>
+            <a:r>
+              <a:rPr lang="en-US" sz="3200" dirty="0"/>
+              <a:t>When </a:t>
+            </a:r>
+            <a:r>
+              <a:rPr lang="en-US" sz="3200" dirty="0" smtClean="0"/>
+              <a:t>using strings</a:t>
+            </a:r>
+            <a:r>
+              <a:rPr lang="en-US" sz="3200" dirty="0"/>
+              <a:t>, the structural information of the molecule is lost, which </a:t>
+            </a:r>
+            <a:r>
+              <a:rPr lang="en-US" sz="3200" dirty="0" smtClean="0"/>
+              <a:t>can reduce </a:t>
+            </a:r>
+            <a:r>
+              <a:rPr lang="en-US" sz="3200" dirty="0"/>
+              <a:t>the predictive power of a </a:t>
+            </a:r>
+            <a:r>
+              <a:rPr lang="en-US" sz="3200" dirty="0" err="1" smtClean="0"/>
+              <a:t>model.In</a:t>
+            </a:r>
+            <a:r>
+              <a:rPr lang="en-US" sz="3200" dirty="0" smtClean="0"/>
+              <a:t> Our method </a:t>
+            </a:r>
+            <a:r>
+              <a:rPr lang="en-US" sz="3200" dirty="0"/>
+              <a:t>we represent the drugs as molecular </a:t>
+            </a:r>
+            <a:r>
+              <a:rPr lang="en-US" sz="3200" dirty="0" smtClean="0"/>
+              <a:t>graphs  such as</a:t>
+            </a:r>
+            <a:r>
+              <a:rPr lang="en-US" sz="3200" dirty="0"/>
               <a:t> </a:t>
             </a:r>
             <a:r>
-              <a:rPr lang="en-US" sz="3600" dirty="0">
-                <a:ea typeface="Arial" charset="0"/>
-                <a:cs typeface="Arial" charset="0"/>
-              </a:rPr>
-              <a:t>that encode the structural and chemical features of drugs and </a:t>
-            </a:r>
-            <a:r>
-              <a:rPr lang="en-US" sz="3600" dirty="0" smtClean="0">
-                <a:ea typeface="Arial" charset="0"/>
-                <a:cs typeface="Arial" charset="0"/>
-              </a:rPr>
-              <a:t>targets.</a:t>
-            </a:r>
-          </a:p>
-          <a:p>
-            <a:pPr algn="just">
-              <a:spcAft>
-                <a:spcPts val="1400"/>
-              </a:spcAft>
-              <a:defRPr/>
-            </a:pPr>
-            <a:r>
-              <a:rPr lang="en-US" sz="3600" dirty="0" smtClean="0">
-                <a:ea typeface="Arial" charset="0"/>
-                <a:cs typeface="Arial" charset="0"/>
-              </a:rPr>
+              <a:rPr lang="en-US" sz="3200" dirty="0" err="1"/>
+              <a:t>GraphDTA</a:t>
+            </a:r>
+            <a:r>
+              <a:rPr lang="en-US" sz="3200" dirty="0"/>
+              <a:t>[8</a:t>
+            </a:r>
+            <a:r>
+              <a:rPr lang="en-US" sz="3200" dirty="0" smtClean="0"/>
+              <a:t>] and use </a:t>
+            </a:r>
+            <a:r>
+              <a:rPr lang="en-US" sz="3200" dirty="0"/>
+              <a:t>graph attention network(GAT</a:t>
+            </a:r>
+            <a:r>
+              <a:rPr lang="en-US" sz="3200" dirty="0" smtClean="0"/>
+              <a:t>) to  </a:t>
+            </a:r>
+            <a:r>
+              <a:rPr lang="en-US" sz="3200" dirty="0"/>
+              <a:t>predict DTA</a:t>
+            </a:r>
+            <a:r>
+              <a:rPr lang="en-US" sz="3200" dirty="0" smtClean="0"/>
+              <a:t>.</a:t>
+            </a:r>
+          </a:p>
+          <a:p>
+            <a:r>
+              <a:rPr lang="en-US" sz="3200" dirty="0"/>
+              <a:t>The benefits of using graph attention </a:t>
+            </a:r>
+            <a:r>
+              <a:rPr lang="en-US" sz="3200" dirty="0" smtClean="0"/>
+              <a:t>network </a:t>
+            </a:r>
+            <a:r>
+              <a:rPr lang="en-US" sz="3200" dirty="0"/>
+              <a:t>are </a:t>
+            </a:r>
+            <a:r>
+              <a:rPr lang="en-US" sz="3200" dirty="0" smtClean="0"/>
+              <a:t>that </a:t>
+            </a:r>
+            <a:r>
+              <a:rPr lang="en-US" sz="3200" dirty="0"/>
+              <a:t>allows the model to learn how to weigh the importance of each node's neighbors based on their features and the graph structure. the model can focus on the most relevant information for each node. Graph attention also enables the model to handle large and complex graphs with varying degrees and node attributes.</a:t>
+            </a:r>
+          </a:p>
+          <a:p>
+            <a:r>
+              <a:rPr lang="en-US" sz="3200" dirty="0" smtClean="0"/>
               <a:t>We </a:t>
             </a:r>
             <a:r>
-              <a:rPr lang="en-US" sz="3600" dirty="0">
-                <a:ea typeface="Arial" charset="0"/>
-                <a:cs typeface="Arial" charset="0"/>
-              </a:rPr>
-              <a:t>can try different architectures, such as using a different type of graph convolution layer </a:t>
-            </a:r>
-            <a:r>
-              <a:rPr lang="en-US" sz="3600" dirty="0" smtClean="0">
-                <a:ea typeface="Arial" charset="0"/>
-                <a:cs typeface="Arial" charset="0"/>
-              </a:rPr>
-              <a:t>(GCN ,GAT ),or </a:t>
-            </a:r>
-            <a:r>
-              <a:rPr lang="en-US" sz="3600" dirty="0">
-                <a:ea typeface="Arial" charset="0"/>
-                <a:cs typeface="Arial" charset="0"/>
-              </a:rPr>
-              <a:t>using a different type of sequence model </a:t>
-            </a:r>
-            <a:r>
-              <a:rPr lang="en-US" sz="3600" dirty="0" smtClean="0">
-                <a:ea typeface="Arial" charset="0"/>
-                <a:cs typeface="Arial" charset="0"/>
-              </a:rPr>
-              <a:t>( </a:t>
-            </a:r>
-            <a:r>
-              <a:rPr lang="en-US" sz="3600" dirty="0">
-                <a:ea typeface="Arial" charset="0"/>
-                <a:cs typeface="Arial" charset="0"/>
-              </a:rPr>
-              <a:t>LSTM, </a:t>
-            </a:r>
-            <a:r>
-              <a:rPr lang="en-US" sz="3600" dirty="0" smtClean="0">
-                <a:ea typeface="Arial" charset="0"/>
-                <a:cs typeface="Arial" charset="0"/>
-              </a:rPr>
-              <a:t>GRU).</a:t>
-            </a:r>
-          </a:p>
-          <a:p>
-            <a:pPr algn="just">
-              <a:spcAft>
-                <a:spcPts val="1400"/>
-              </a:spcAft>
-              <a:defRPr/>
-            </a:pPr>
-            <a:r>
-              <a:rPr lang="en-US" sz="3600" dirty="0" smtClean="0">
-                <a:ea typeface="Arial" charset="0"/>
-                <a:cs typeface="Arial" charset="0"/>
-              </a:rPr>
-              <a:t>We can combines </a:t>
-            </a:r>
-            <a:r>
-              <a:rPr lang="en-US" sz="3600" dirty="0">
-                <a:ea typeface="Arial" charset="0"/>
-                <a:cs typeface="Arial" charset="0"/>
-              </a:rPr>
-              <a:t>graph neural network (GNN) and transformer neural network (TNN) to predict </a:t>
-            </a:r>
-            <a:r>
-              <a:rPr lang="en-US" sz="3600" dirty="0" smtClean="0">
-                <a:ea typeface="Arial" charset="0"/>
-                <a:cs typeface="Arial" charset="0"/>
-              </a:rPr>
-              <a:t>DTA </a:t>
-            </a:r>
-            <a:r>
-              <a:rPr lang="en-US" sz="3600" dirty="0">
-                <a:ea typeface="Arial" charset="0"/>
-                <a:cs typeface="Arial" charset="0"/>
-              </a:rPr>
-              <a:t>based on both molecular graph and protein sequence </a:t>
-            </a:r>
-            <a:r>
-              <a:rPr lang="en-US" sz="3600" dirty="0" smtClean="0">
-                <a:ea typeface="Arial" charset="0"/>
-                <a:cs typeface="Arial" charset="0"/>
-              </a:rPr>
-              <a:t>representations.</a:t>
-            </a:r>
-          </a:p>
-          <a:p>
-            <a:pPr algn="just">
-              <a:spcAft>
-                <a:spcPts val="1400"/>
-              </a:spcAft>
-              <a:defRPr/>
-            </a:pPr>
-            <a:r>
-              <a:rPr lang="en-US" sz="3600" dirty="0" smtClean="0">
-                <a:ea typeface="Arial" charset="0"/>
-                <a:cs typeface="Arial" charset="0"/>
-              </a:rPr>
-              <a:t>A </a:t>
-            </a:r>
-            <a:r>
-              <a:rPr lang="en-US" sz="3600" dirty="0">
-                <a:ea typeface="Arial" charset="0"/>
-                <a:cs typeface="Arial" charset="0"/>
-              </a:rPr>
-              <a:t>GNN module that learns the </a:t>
-            </a:r>
-            <a:r>
-              <a:rPr lang="en-US" sz="3600" dirty="0" smtClean="0">
-                <a:ea typeface="Arial" charset="0"/>
-                <a:cs typeface="Arial" charset="0"/>
-              </a:rPr>
-              <a:t>representation </a:t>
-            </a:r>
-            <a:r>
-              <a:rPr lang="en-US" sz="3600" dirty="0">
-                <a:ea typeface="Arial" charset="0"/>
-                <a:cs typeface="Arial" charset="0"/>
-              </a:rPr>
-              <a:t>of the drug molecule from its molecular </a:t>
-            </a:r>
-            <a:r>
-              <a:rPr lang="en-US" sz="3600" dirty="0" smtClean="0">
-                <a:ea typeface="Arial" charset="0"/>
-                <a:cs typeface="Arial" charset="0"/>
-              </a:rPr>
-              <a:t>graph. </a:t>
-            </a:r>
-          </a:p>
-          <a:p>
-            <a:pPr algn="just">
-              <a:spcAft>
-                <a:spcPts val="1400"/>
-              </a:spcAft>
-              <a:defRPr/>
-            </a:pPr>
-            <a:r>
-              <a:rPr lang="en-US" sz="3600" dirty="0" smtClean="0">
-                <a:ea typeface="Arial" charset="0"/>
-                <a:cs typeface="Arial" charset="0"/>
-              </a:rPr>
-              <a:t>A </a:t>
-            </a:r>
-            <a:r>
-              <a:rPr lang="en-US" sz="3600" dirty="0">
-                <a:ea typeface="Arial" charset="0"/>
-                <a:cs typeface="Arial" charset="0"/>
-              </a:rPr>
-              <a:t>TNN module that learns </a:t>
-            </a:r>
-            <a:r>
-              <a:rPr lang="en-US" sz="3600" dirty="0" smtClean="0">
-                <a:ea typeface="Arial" charset="0"/>
-                <a:cs typeface="Arial" charset="0"/>
-              </a:rPr>
-              <a:t>the representation </a:t>
-            </a:r>
-            <a:r>
-              <a:rPr lang="en-US" sz="3600" dirty="0">
-                <a:ea typeface="Arial" charset="0"/>
-                <a:cs typeface="Arial" charset="0"/>
-              </a:rPr>
-              <a:t>of the target protein from its amino acid </a:t>
-            </a:r>
-            <a:r>
-              <a:rPr lang="en-US" sz="3600" dirty="0" smtClean="0">
-                <a:ea typeface="Arial" charset="0"/>
-                <a:cs typeface="Arial" charset="0"/>
-              </a:rPr>
-              <a:t>sequence.</a:t>
-            </a:r>
-            <a:endParaRPr lang="en-US" sz="3600" dirty="0">
-              <a:ea typeface="Arial" charset="0"/>
-              <a:cs typeface="Arial" charset="0"/>
-            </a:endParaRPr>
-          </a:p>
-          <a:p>
-            <a:pPr>
-              <a:spcAft>
-                <a:spcPts val="1400"/>
-              </a:spcAft>
-              <a:defRPr/>
-            </a:pPr>
-            <a:endParaRPr lang="en-US" sz="4000" dirty="0" smtClean="0">
-              <a:ea typeface="Arial" charset="0"/>
-              <a:cs typeface="Arial" charset="0"/>
-            </a:endParaRPr>
+              <a:rPr lang="en-US" sz="3200" dirty="0"/>
+              <a:t>implements a </a:t>
+            </a:r>
+            <a:r>
+              <a:rPr lang="en-US" sz="3200" dirty="0" smtClean="0"/>
+              <a:t>GNN model using </a:t>
+            </a:r>
+            <a:r>
+              <a:rPr lang="en-US" sz="3200" dirty="0" err="1"/>
+              <a:t>PyTorch</a:t>
+            </a:r>
+            <a:r>
+              <a:rPr lang="en-US" sz="3200" dirty="0"/>
+              <a:t> geometric (</a:t>
+            </a:r>
+            <a:r>
+              <a:rPr lang="en-US" sz="3200" dirty="0" err="1"/>
+              <a:t>PyG</a:t>
+            </a:r>
+            <a:r>
+              <a:rPr lang="en-US" sz="3200" dirty="0" smtClean="0"/>
+              <a:t>), we use GAT </a:t>
+            </a:r>
+            <a:r>
+              <a:rPr lang="en-US" sz="3200" dirty="0"/>
+              <a:t>layers to perform graph attention on node features. The </a:t>
+            </a:r>
+            <a:r>
+              <a:rPr lang="en-US" sz="3200" dirty="0" smtClean="0"/>
+              <a:t>GAT layer </a:t>
+            </a:r>
+            <a:r>
+              <a:rPr lang="en-US" sz="3200" dirty="0"/>
+              <a:t>is a graph attentional operator that computes a weighted sum of neighboring node features for each node. The weights are computed by a learnable attention mechanism. </a:t>
+            </a:r>
+            <a:r>
+              <a:rPr lang="en-US" sz="3200" dirty="0" smtClean="0"/>
+              <a:t>this </a:t>
+            </a:r>
+            <a:r>
+              <a:rPr lang="en-US" sz="3200" dirty="0"/>
+              <a:t>layer can have multiple attention heads that operate in parallel and can be concatenated.</a:t>
+            </a:r>
+          </a:p>
+          <a:p>
+            <a:r>
+              <a:rPr lang="en-US" sz="3200" dirty="0"/>
+              <a:t>We  added one more GAT layer to our code because it can potentially improve the representation learning of the node features. By adding one more GAT layer, we can </a:t>
+            </a:r>
+            <a:r>
+              <a:rPr lang="en-US" sz="3200" dirty="0" smtClean="0"/>
+              <a:t>capture </a:t>
+            </a:r>
+            <a:r>
+              <a:rPr lang="en-US" sz="3200" dirty="0"/>
+              <a:t>more information from the graph </a:t>
+            </a:r>
+            <a:r>
+              <a:rPr lang="en-US" sz="3200" dirty="0" err="1"/>
+              <a:t>structure.we</a:t>
+            </a:r>
+            <a:r>
+              <a:rPr lang="en-US" sz="3200" dirty="0"/>
+              <a:t> can also use different numbers of attention heads for each GAT layer to control the trade-off between expressiveness and complexity.</a:t>
+            </a:r>
+            <a:endParaRPr lang="en-US" sz="3200" dirty="0" smtClean="0"/>
+          </a:p>
+          <a:p>
+            <a:r>
+              <a:rPr lang="en-US" sz="3200" dirty="0" smtClean="0"/>
+              <a:t>In our model </a:t>
+            </a:r>
+            <a:r>
+              <a:rPr lang="en-US" sz="3200" dirty="0"/>
+              <a:t>protein sequence is first encoded and then an embedding layer is added to </a:t>
+            </a:r>
+            <a:r>
+              <a:rPr lang="en-US" sz="3200" dirty="0" smtClean="0"/>
+              <a:t>the </a:t>
+            </a:r>
+            <a:r>
+              <a:rPr lang="en-US" sz="3200" dirty="0" err="1" smtClean="0"/>
+              <a:t>sequence.Next,three</a:t>
+            </a:r>
+            <a:r>
+              <a:rPr lang="en-US" sz="3200" dirty="0" smtClean="0"/>
+              <a:t> </a:t>
+            </a:r>
+            <a:r>
+              <a:rPr lang="en-US" sz="3200" dirty="0"/>
+              <a:t>1D convolutional layers are used to learn different levels of </a:t>
+            </a:r>
+            <a:r>
+              <a:rPr lang="en-US" sz="3200" dirty="0" smtClean="0"/>
+              <a:t>features </a:t>
+            </a:r>
+            <a:r>
+              <a:rPr lang="en-US" sz="3200" dirty="0"/>
+              <a:t>from the </a:t>
+            </a:r>
+            <a:r>
+              <a:rPr lang="en-US" sz="3200" dirty="0" err="1"/>
+              <a:t>input,max</a:t>
+            </a:r>
+            <a:r>
+              <a:rPr lang="en-US" sz="3200" dirty="0"/>
+              <a:t> pooling layer is applied to get a representation vector. This approach is similar</a:t>
+            </a:r>
+          </a:p>
+          <a:p>
+            <a:r>
+              <a:rPr lang="en-US" sz="3200" dirty="0"/>
+              <a:t>to the existing baseline models like </a:t>
+            </a:r>
+            <a:r>
+              <a:rPr lang="en-US" sz="3200" dirty="0" err="1"/>
+              <a:t>DeepDTA</a:t>
+            </a:r>
+            <a:r>
+              <a:rPr lang="en-US" sz="3200" dirty="0"/>
+              <a:t> and </a:t>
+            </a:r>
+            <a:r>
+              <a:rPr lang="en-US" sz="3200" dirty="0" err="1"/>
+              <a:t>GraphDTA</a:t>
+            </a:r>
+            <a:r>
+              <a:rPr lang="en-US" sz="3200" dirty="0"/>
+              <a:t>.</a:t>
+            </a:r>
+          </a:p>
+          <a:p>
+            <a:r>
+              <a:rPr lang="en-US" sz="3200" dirty="0" smtClean="0"/>
+              <a:t>For drugs we use </a:t>
+            </a:r>
+            <a:r>
+              <a:rPr lang="en-US" sz="3200" dirty="0"/>
+              <a:t>three </a:t>
+            </a:r>
+            <a:r>
+              <a:rPr lang="en-US" sz="3200" dirty="0" smtClean="0"/>
+              <a:t>GAT </a:t>
+            </a:r>
+            <a:r>
+              <a:rPr lang="en-US" sz="3200" dirty="0"/>
+              <a:t>layers to perform graph attention on the input features</a:t>
+            </a:r>
+            <a:r>
+              <a:rPr lang="en-US" sz="3200" dirty="0" smtClean="0"/>
+              <a:t>, We concatenates the outputs of the first two GAT layers before passing them to the linear layer then use </a:t>
+            </a:r>
+            <a:r>
+              <a:rPr lang="en-US" sz="3200" dirty="0" err="1" smtClean="0"/>
+              <a:t>ReLU</a:t>
+            </a:r>
+            <a:r>
+              <a:rPr lang="en-US" sz="3200" dirty="0" smtClean="0"/>
+              <a:t> activation and dropout after the linear layer. The </a:t>
+            </a:r>
+            <a:r>
+              <a:rPr lang="en-US" sz="3200" dirty="0"/>
+              <a:t>linear layer takes the output of the second </a:t>
+            </a:r>
+            <a:r>
+              <a:rPr lang="en-US" sz="3200" dirty="0" smtClean="0"/>
+              <a:t>GAT </a:t>
+            </a:r>
+            <a:r>
+              <a:rPr lang="en-US" sz="3200" dirty="0"/>
+              <a:t>layer as input, and produces a scalar output that represents the predicted affinity score</a:t>
+            </a:r>
+            <a:r>
+              <a:rPr lang="en-US" sz="3200" dirty="0" smtClean="0"/>
+              <a:t>. </a:t>
+            </a:r>
+          </a:p>
+          <a:p>
+            <a:r>
+              <a:rPr lang="en-US" sz="3200" dirty="0" smtClean="0"/>
+              <a:t>We concatenates </a:t>
+            </a:r>
+            <a:r>
+              <a:rPr lang="en-US" sz="3200" dirty="0"/>
+              <a:t>the outputs of the first two GAT layers before passing them to the linear layer then use </a:t>
+            </a:r>
+            <a:r>
+              <a:rPr lang="en-US" sz="3200" dirty="0" err="1"/>
+              <a:t>ReLU</a:t>
+            </a:r>
+            <a:r>
+              <a:rPr lang="en-US" sz="3200" dirty="0"/>
+              <a:t> activation and dropout after the linear layer </a:t>
+            </a:r>
+            <a:r>
+              <a:rPr lang="en-US" sz="3200" dirty="0" smtClean="0"/>
+              <a:t>,then </a:t>
+            </a:r>
+            <a:r>
+              <a:rPr lang="en-US" sz="3200" dirty="0"/>
+              <a:t>combines the features of </a:t>
+            </a:r>
+            <a:r>
+              <a:rPr lang="en-US" sz="3200" dirty="0" smtClean="0"/>
+              <a:t>drug and </a:t>
+            </a:r>
+            <a:r>
+              <a:rPr lang="en-US" sz="3200" dirty="0"/>
+              <a:t>protein and passes them through </a:t>
+            </a:r>
+            <a:r>
+              <a:rPr lang="en-US" sz="3200" dirty="0" smtClean="0"/>
+              <a:t>2 </a:t>
+            </a:r>
+            <a:r>
+              <a:rPr lang="en-US" sz="3200" dirty="0"/>
+              <a:t>fully connected layers </a:t>
+            </a:r>
+            <a:r>
+              <a:rPr lang="en-US" sz="3200" dirty="0" smtClean="0"/>
+              <a:t>to get  </a:t>
+            </a:r>
+            <a:r>
+              <a:rPr lang="en-US" sz="3200" dirty="0"/>
+              <a:t>output </a:t>
+            </a:r>
+            <a:r>
+              <a:rPr lang="en-US" sz="3200" dirty="0" smtClean="0"/>
+              <a:t>for </a:t>
+            </a:r>
+            <a:r>
+              <a:rPr lang="en-US" sz="3200" dirty="0"/>
+              <a:t>each drug-target pair</a:t>
+            </a:r>
+            <a:r>
+              <a:rPr lang="en-US" sz="3200" dirty="0" smtClean="0"/>
+              <a:t>.</a:t>
+            </a:r>
+          </a:p>
+          <a:p>
+            <a:r>
+              <a:rPr lang="en-US" sz="3200" dirty="0"/>
+              <a:t>In general, more layers and dropout may help prevent overfitting, but also increase the complexity and computation time. Concatenating features may help capture more information, but also increase the dimensionality and sparsity. </a:t>
+            </a:r>
+            <a:r>
+              <a:rPr lang="en-US" sz="3200" dirty="0" err="1"/>
+              <a:t>ReLU</a:t>
+            </a:r>
+            <a:r>
+              <a:rPr lang="en-US" sz="3200" dirty="0"/>
+              <a:t> activation may introduce non-linearity and sparsity, but also cause vanishing </a:t>
+            </a:r>
+            <a:r>
+              <a:rPr lang="en-US" sz="3200" dirty="0" smtClean="0"/>
+              <a:t>gradients.</a:t>
+            </a:r>
+          </a:p>
+          <a:p>
+            <a:endParaRPr lang="en-US" sz="3200" dirty="0"/>
+          </a:p>
+          <a:p>
+            <a:endParaRPr lang="en-US" sz="3200" dirty="0" smtClean="0"/>
+          </a:p>
+          <a:p>
+            <a:endParaRPr lang="en-US" sz="3200" dirty="0"/>
+          </a:p>
+          <a:p>
+            <a:endParaRPr lang="en-US" sz="3200" dirty="0" smtClean="0"/>
+          </a:p>
+          <a:p>
+            <a:endParaRPr lang="en-US" sz="3200" dirty="0"/>
+          </a:p>
+          <a:p>
+            <a:endParaRPr lang="en-US" sz="3200" dirty="0" smtClean="0"/>
+          </a:p>
+          <a:p>
+            <a:endParaRPr lang="en-US" sz="3200" dirty="0"/>
+          </a:p>
+          <a:p>
+            <a:endParaRPr lang="en-US" sz="3200" dirty="0" smtClean="0"/>
+          </a:p>
+          <a:p>
+            <a:endParaRPr lang="en-US" sz="3200" dirty="0"/>
+          </a:p>
+          <a:p>
+            <a:endParaRPr lang="en-US" sz="3200" dirty="0" smtClean="0"/>
+          </a:p>
+          <a:p>
+            <a:endParaRPr lang="en-US" sz="3200" dirty="0"/>
+          </a:p>
+          <a:p>
+            <a:endParaRPr lang="en-US" sz="3200" dirty="0"/>
+          </a:p>
+          <a:p>
+            <a:endParaRPr lang="en-US" sz="3600" dirty="0"/>
+          </a:p>
+          <a:p>
+            <a:endParaRPr lang="en-US" sz="3600" dirty="0" smtClean="0"/>
           </a:p>
         </p:txBody>
       </p:sp>
@@ -4442,8 +4059,8 @@
         </p:nvSpPr>
         <p:spPr>
           <a:xfrm>
-            <a:off x="22060532" y="19938522"/>
-            <a:ext cx="10480082" cy="8812669"/>
+            <a:off x="22129258" y="24993320"/>
+            <a:ext cx="10480082" cy="2862322"/>
           </a:xfrm>
           <a:prstGeom prst="rect">
             <a:avLst/>
@@ -4476,33 +4093,8 @@
                 <a:ea typeface="Arial" charset="0"/>
                 <a:cs typeface="Arial" charset="0"/>
               </a:rPr>
-              <a:t>Graph neural networks have </a:t>
-            </a:r>
-            <a:r>
-              <a:rPr lang="en-US" sz="4000" dirty="0">
-                <a:ea typeface="Arial" charset="0"/>
-                <a:cs typeface="Arial" charset="0"/>
-              </a:rPr>
-              <a:t>several implications for drug </a:t>
-            </a:r>
-            <a:r>
-              <a:rPr lang="en-US" sz="4000" dirty="0" smtClean="0">
-                <a:ea typeface="Arial" charset="0"/>
-                <a:cs typeface="Arial" charset="0"/>
-              </a:rPr>
-              <a:t>discovery , combining GNNs with Transformers  can provide </a:t>
-            </a:r>
-            <a:r>
-              <a:rPr lang="en-US" sz="4000" dirty="0">
-                <a:ea typeface="Arial" charset="0"/>
-                <a:cs typeface="Arial" charset="0"/>
-              </a:rPr>
-              <a:t>a fast and accurate way to prioritize drug candidates and guide experimental design by predicting their binding affinity to target proteins. </a:t>
-            </a:r>
-            <a:endParaRPr lang="en-US" sz="4000" dirty="0" smtClean="0">
-              <a:ea typeface="Arial" charset="0"/>
-              <a:cs typeface="Arial" charset="0"/>
-            </a:endParaRPr>
+              <a:t>……….</a:t>
+            </a:r>
           </a:p>
           <a:p>
             <a:pPr marL="292622" lvl="1" algn="just">
@@ -4515,34 +4107,42 @@
               <a:buSzPct val="125000"/>
               <a:defRPr/>
             </a:pPr>
-            <a:r>
-              <a:rPr lang="en-US" sz="4000" dirty="0" smtClean="0">
-                <a:ea typeface="Arial" charset="0"/>
-                <a:cs typeface="Arial" charset="0"/>
-              </a:rPr>
-              <a:t>They can leverage </a:t>
-            </a:r>
-            <a:r>
-              <a:rPr lang="en-US" sz="4000" dirty="0">
-                <a:ea typeface="Arial" charset="0"/>
-                <a:cs typeface="Arial" charset="0"/>
-              </a:rPr>
-              <a:t>both structural and sequence information of the drug and target, which can capture more comprehensive and complementary features than using either type of information alone. </a:t>
-            </a:r>
-            <a:r>
-              <a:rPr lang="en-US" sz="4000" dirty="0" smtClean="0">
-                <a:ea typeface="Arial" charset="0"/>
-                <a:cs typeface="Arial" charset="0"/>
-              </a:rPr>
-              <a:t>they </a:t>
-            </a:r>
-            <a:r>
-              <a:rPr lang="en-US" sz="4000" dirty="0">
-                <a:ea typeface="Arial" charset="0"/>
-                <a:cs typeface="Arial" charset="0"/>
-              </a:rPr>
-              <a:t>can also handle various types of drug molecules and target proteins, without requiring any specific preprocessing or feature engineering.</a:t>
-            </a:r>
+            <a:endParaRPr lang="en-US" sz="4000" dirty="0">
+              <a:ea typeface="Arial" charset="0"/>
+              <a:cs typeface="Arial" charset="0"/>
+            </a:endParaRPr>
+          </a:p>
+          <a:p>
+            <a:pPr marL="292622" lvl="1" algn="just">
+              <a:spcAft>
+                <a:spcPts val="800"/>
+              </a:spcAft>
+              <a:buClr>
+                <a:schemeClr val="tx2"/>
+              </a:buClr>
+              <a:buSzPct val="125000"/>
+              <a:defRPr/>
+            </a:pPr>
+            <a:endParaRPr lang="en-US" sz="4000" dirty="0" smtClean="0">
+              <a:ea typeface="Arial" charset="0"/>
+              <a:cs typeface="Arial" charset="0"/>
+            </a:endParaRPr>
+          </a:p>
+          <a:p>
+            <a:pPr marL="292622" lvl="1" algn="just">
+              <a:spcAft>
+                <a:spcPts val="800"/>
+              </a:spcAft>
+              <a:buClr>
+                <a:schemeClr val="tx2"/>
+              </a:buClr>
+              <a:buSzPct val="125000"/>
+              <a:defRPr/>
+            </a:pPr>
+            <a:endParaRPr lang="en-US" sz="4000" dirty="0">
+              <a:ea typeface="Arial" charset="0"/>
+              <a:cs typeface="Arial" charset="0"/>
+            </a:endParaRPr>
           </a:p>
         </p:txBody>
       </p:sp>
@@ -4560,8 +4160,8 @@
         </p:nvSpPr>
         <p:spPr>
           <a:xfrm>
-            <a:off x="22126855" y="33273264"/>
-            <a:ext cx="10747670" cy="3888244"/>
+            <a:off x="22818503" y="29054763"/>
+            <a:ext cx="8715756" cy="13634502"/>
           </a:xfrm>
           <a:prstGeom prst="rect">
             <a:avLst/>
@@ -4580,99 +4180,410 @@
           <a:lstStyle/>
           <a:p>
             <a:pPr>
-              <a:spcAft>
-                <a:spcPts val="768"/>
-              </a:spcAft>
               <a:buClr>
                 <a:schemeClr val="tx2"/>
               </a:buClr>
               <a:defRPr/>
             </a:pPr>
-            <a:endParaRPr lang="en-US" sz="4000" dirty="0">
-              <a:ea typeface="Arial" charset="0"/>
-              <a:cs typeface="Arial" charset="0"/>
-            </a:endParaRPr>
+            <a:r>
+              <a:rPr lang="en-US" sz="2800" dirty="0" smtClean="0"/>
+              <a:t>[1]He</a:t>
+            </a:r>
+            <a:r>
+              <a:rPr lang="en-US" sz="2800" dirty="0"/>
+              <a:t>, Tong, et al. "</a:t>
+            </a:r>
+            <a:r>
+              <a:rPr lang="en-US" sz="2800" dirty="0" err="1"/>
+              <a:t>SimBoost</a:t>
+            </a:r>
+            <a:r>
+              <a:rPr lang="en-US" sz="2800" dirty="0"/>
+              <a:t>: a read-across approach for predicting drug–target binding affinities using gradient boosting machines." Journal of cheminformatics 9.1 (2017): </a:t>
+            </a:r>
+            <a:r>
+              <a:rPr lang="en-US" sz="2800" dirty="0" smtClean="0"/>
+              <a:t>1-14</a:t>
+            </a:r>
           </a:p>
           <a:p>
             <a:pPr>
               <a:buClr>
                 <a:schemeClr val="tx2"/>
               </a:buClr>
-              <a:buFont typeface="+mj-lt"/>
-              <a:buAutoNum type="arabicPeriod"/>
               <a:defRPr/>
             </a:pPr>
             <a:r>
-              <a:rPr lang="en-US" sz="4000" dirty="0">
+              <a:rPr lang="en-US" sz="2800" dirty="0" smtClean="0"/>
+              <a:t>[2]</a:t>
+            </a:r>
+            <a:r>
+              <a:rPr lang="en-US" sz="2800" dirty="0" err="1" smtClean="0"/>
+              <a:t>Nascimento</a:t>
+            </a:r>
+            <a:r>
+              <a:rPr lang="en-US" sz="2800" dirty="0"/>
+              <a:t>, André CA, Ricardo BC </a:t>
+            </a:r>
+            <a:r>
+              <a:rPr lang="en-US" sz="2800" dirty="0" err="1"/>
+              <a:t>Prudêncio</a:t>
+            </a:r>
+            <a:r>
+              <a:rPr lang="en-US" sz="2800" dirty="0"/>
+              <a:t>, and Ivan G. Costa. "A multiple kernel learning algorithm for drug-target interaction prediction." </a:t>
+            </a:r>
+            <a:r>
+              <a:rPr lang="en-US" sz="2800" i="1" dirty="0"/>
+              <a:t>BMC bioinformatics</a:t>
+            </a:r>
+            <a:r>
+              <a:rPr lang="en-US" sz="2800" dirty="0"/>
+              <a:t> 17 (2016): 1-16.</a:t>
+            </a:r>
+            <a:r>
+              <a:rPr lang="en-US" sz="2800" dirty="0" smtClean="0">
                 <a:ea typeface="Arial" charset="0"/>
                 <a:cs typeface="Arial" charset="0"/>
               </a:rPr>
-              <a:t>  </a:t>
-            </a:r>
-            <a:endParaRPr lang="en-US" sz="4000" dirty="0" smtClean="0">
-              <a:ea typeface="Arial" charset="0"/>
-              <a:cs typeface="Arial" charset="0"/>
-            </a:endParaRPr>
+              <a:t> </a:t>
+            </a:r>
           </a:p>
           <a:p>
             <a:pPr>
               <a:buClr>
                 <a:schemeClr val="tx2"/>
               </a:buClr>
-              <a:buFont typeface="+mj-lt"/>
-              <a:buAutoNum type="arabicPeriod"/>
               <a:defRPr/>
             </a:pPr>
-            <a:endParaRPr lang="en-US" sz="4000" dirty="0">
+            <a:r>
+              <a:rPr lang="en-US" sz="2800" dirty="0" smtClean="0">
+                <a:ea typeface="Arial" charset="0"/>
+                <a:cs typeface="Arial" charset="0"/>
+              </a:rPr>
+              <a:t>[3]</a:t>
+            </a:r>
+            <a:r>
+              <a:rPr lang="en-US" sz="2800" dirty="0"/>
+              <a:t> Wang, </a:t>
+            </a:r>
+            <a:r>
+              <a:rPr lang="en-US" sz="2800" dirty="0" err="1"/>
+              <a:t>Kelin</a:t>
+            </a:r>
+            <a:r>
+              <a:rPr lang="en-US" sz="2800" dirty="0"/>
+              <a:t>, et al. "DNNGP, a deep neural network-based method for genomic prediction using multi-omics data in plants." </a:t>
+            </a:r>
+            <a:r>
+              <a:rPr lang="en-US" sz="2800" i="1" dirty="0"/>
+              <a:t>Molecular Plant</a:t>
+            </a:r>
+            <a:r>
+              <a:rPr lang="en-US" sz="2800" dirty="0"/>
+              <a:t> 16.1 (2023): 279-293</a:t>
+            </a:r>
+            <a:r>
+              <a:rPr lang="en-US" sz="2800" dirty="0" smtClean="0"/>
+              <a:t>.</a:t>
+            </a:r>
+          </a:p>
+          <a:p>
+            <a:pPr algn="just">
+              <a:buClr>
+                <a:schemeClr val="tx2"/>
+              </a:buClr>
+              <a:defRPr/>
+            </a:pPr>
+            <a:r>
+              <a:rPr lang="en-US" sz="2800" dirty="0" smtClean="0">
+                <a:ea typeface="Arial" charset="0"/>
+                <a:cs typeface="Arial" charset="0"/>
+              </a:rPr>
+              <a:t>[4]</a:t>
+            </a:r>
+            <a:r>
+              <a:rPr lang="en-US" sz="2800" dirty="0"/>
+              <a:t> Lin, </a:t>
+            </a:r>
+            <a:r>
+              <a:rPr lang="en-US" sz="2800" dirty="0" err="1"/>
+              <a:t>Shaofu</a:t>
+            </a:r>
+            <a:r>
+              <a:rPr lang="en-US" sz="2800" dirty="0"/>
+              <a:t>, </a:t>
+            </a:r>
+            <a:r>
+              <a:rPr lang="en-US" sz="2800" dirty="0" err="1"/>
+              <a:t>Chengyu</a:t>
+            </a:r>
+            <a:r>
+              <a:rPr lang="en-US" sz="2800" dirty="0"/>
+              <a:t> Shi, and </a:t>
+            </a:r>
+            <a:r>
+              <a:rPr lang="en-US" sz="2800" dirty="0" err="1"/>
+              <a:t>Jianhui</a:t>
+            </a:r>
+            <a:r>
+              <a:rPr lang="en-US" sz="2800" dirty="0"/>
+              <a:t> Chen. "</a:t>
+            </a:r>
+            <a:r>
+              <a:rPr lang="en-US" sz="2800" dirty="0" err="1"/>
+              <a:t>GeneralizedDTA</a:t>
+            </a:r>
+            <a:r>
+              <a:rPr lang="en-US" sz="2800" dirty="0"/>
+              <a:t>: combining pre-training and multi-task learning to predict drug-target binding affinity for unknown drug discovery." </a:t>
+            </a:r>
+            <a:r>
+              <a:rPr lang="en-US" sz="2800" i="1" dirty="0"/>
+              <a:t>BMC bioinformatics</a:t>
+            </a:r>
+            <a:r>
+              <a:rPr lang="en-US" sz="2800" dirty="0"/>
+              <a:t> 23.1 (2022): 1-17</a:t>
+            </a:r>
+            <a:r>
+              <a:rPr lang="en-US" sz="2800" dirty="0" smtClean="0"/>
+              <a:t>.</a:t>
+            </a:r>
+            <a:endParaRPr lang="en-US" sz="2800" dirty="0">
               <a:ea typeface="Arial" charset="0"/>
               <a:cs typeface="Arial" charset="0"/>
             </a:endParaRPr>
+          </a:p>
+          <a:p>
+            <a:pPr rtl="1"/>
+            <a:r>
+              <a:rPr lang="en-US" sz="2800" dirty="0" smtClean="0"/>
+              <a:t>[5] </a:t>
+            </a:r>
+            <a:r>
+              <a:rPr lang="en-US" sz="2800" dirty="0" err="1"/>
+              <a:t>Öztürk</a:t>
+            </a:r>
+            <a:r>
+              <a:rPr lang="en-US" sz="2800" dirty="0"/>
+              <a:t>, </a:t>
+            </a:r>
+            <a:r>
+              <a:rPr lang="en-US" sz="2800" dirty="0" err="1"/>
+              <a:t>Hakime</a:t>
+            </a:r>
+            <a:r>
+              <a:rPr lang="en-US" sz="2800" dirty="0"/>
+              <a:t>, </a:t>
+            </a:r>
+            <a:r>
+              <a:rPr lang="en-US" sz="2800" dirty="0" err="1"/>
+              <a:t>Arzucan</a:t>
+            </a:r>
+            <a:r>
+              <a:rPr lang="en-US" sz="2800" dirty="0"/>
+              <a:t> </a:t>
+            </a:r>
+            <a:r>
+              <a:rPr lang="en-US" sz="2800" dirty="0" err="1"/>
+              <a:t>Özgür</a:t>
+            </a:r>
+            <a:r>
+              <a:rPr lang="en-US" sz="2800" dirty="0"/>
+              <a:t>, and </a:t>
+            </a:r>
+            <a:r>
+              <a:rPr lang="en-US" sz="2800" dirty="0" err="1"/>
+              <a:t>Elif</a:t>
+            </a:r>
+            <a:r>
+              <a:rPr lang="en-US" sz="2800" dirty="0"/>
+              <a:t> </a:t>
+            </a:r>
+            <a:r>
+              <a:rPr lang="en-US" sz="2800" dirty="0" err="1"/>
+              <a:t>Ozkirimli</a:t>
+            </a:r>
+            <a:r>
+              <a:rPr lang="en-US" sz="2800" dirty="0"/>
+              <a:t>. "</a:t>
+            </a:r>
+            <a:r>
+              <a:rPr lang="en-US" sz="2800" dirty="0" err="1"/>
+              <a:t>DeepDTA</a:t>
+            </a:r>
+            <a:r>
+              <a:rPr lang="en-US" sz="2800" dirty="0"/>
+              <a:t>: deep drug–target binding affinity prediction." Bioinformatics 34.17 (2018): i821-i829.</a:t>
+            </a:r>
+          </a:p>
+          <a:p>
+            <a:pPr rtl="1"/>
+            <a:r>
+              <a:rPr lang="en-US" sz="2800" dirty="0" smtClean="0"/>
+              <a:t>[6] </a:t>
+            </a:r>
+            <a:r>
+              <a:rPr lang="en-US" sz="2800" dirty="0" err="1"/>
+              <a:t>Öztürk</a:t>
+            </a:r>
+            <a:r>
+              <a:rPr lang="en-US" sz="2800" dirty="0"/>
+              <a:t>, </a:t>
+            </a:r>
+            <a:r>
+              <a:rPr lang="en-US" sz="2800" dirty="0" err="1"/>
+              <a:t>Hakime</a:t>
+            </a:r>
+            <a:r>
+              <a:rPr lang="en-US" sz="2800" dirty="0"/>
+              <a:t>, </a:t>
+            </a:r>
+            <a:r>
+              <a:rPr lang="en-US" sz="2800" dirty="0" err="1"/>
+              <a:t>Elif</a:t>
+            </a:r>
+            <a:r>
+              <a:rPr lang="en-US" sz="2800" dirty="0"/>
+              <a:t> </a:t>
+            </a:r>
+            <a:r>
+              <a:rPr lang="en-US" sz="2800" dirty="0" err="1"/>
+              <a:t>Ozkirimli</a:t>
+            </a:r>
+            <a:r>
+              <a:rPr lang="en-US" sz="2800" dirty="0"/>
+              <a:t>, and </a:t>
+            </a:r>
+            <a:r>
+              <a:rPr lang="en-US" sz="2800" dirty="0" err="1"/>
+              <a:t>Arzucan</a:t>
+            </a:r>
+            <a:r>
+              <a:rPr lang="en-US" sz="2800" dirty="0"/>
+              <a:t> </a:t>
+            </a:r>
+            <a:r>
+              <a:rPr lang="en-US" sz="2800" dirty="0" err="1"/>
+              <a:t>Özgür</a:t>
+            </a:r>
+            <a:r>
+              <a:rPr lang="en-US" sz="2800" dirty="0"/>
+              <a:t>. "</a:t>
+            </a:r>
+            <a:r>
+              <a:rPr lang="en-US" sz="2800" dirty="0" err="1"/>
+              <a:t>WideDTA</a:t>
+            </a:r>
+            <a:r>
+              <a:rPr lang="en-US" sz="2800" dirty="0"/>
+              <a:t>: prediction of drug-target binding affinity." </a:t>
+            </a:r>
+            <a:r>
+              <a:rPr lang="en-US" sz="2800" dirty="0" err="1"/>
+              <a:t>arXiv</a:t>
+            </a:r>
+            <a:r>
+              <a:rPr lang="en-US" sz="2800" dirty="0"/>
+              <a:t> preprint arXiv:1902.04166 (2019).</a:t>
+            </a:r>
           </a:p>
           <a:p>
             <a:pPr>
               <a:buClr>
                 <a:schemeClr val="tx2"/>
               </a:buClr>
-              <a:buFont typeface="+mj-lt"/>
-              <a:buAutoNum type="arabicPeriod"/>
               <a:defRPr/>
             </a:pPr>
             <a:r>
-              <a:rPr lang="en-US" sz="4000" dirty="0" smtClean="0">
-                <a:ea typeface="Arial" charset="0"/>
-                <a:cs typeface="Arial" charset="0"/>
-              </a:rPr>
-              <a:t> </a:t>
-            </a:r>
+              <a:rPr lang="en-US" sz="2800" dirty="0" smtClean="0"/>
+              <a:t>[7]Zhao</a:t>
+            </a:r>
+            <a:r>
+              <a:rPr lang="en-US" sz="2800" dirty="0"/>
+              <a:t>, </a:t>
+            </a:r>
+            <a:r>
+              <a:rPr lang="en-US" sz="2800" dirty="0" err="1"/>
+              <a:t>Qichang</a:t>
+            </a:r>
+            <a:r>
+              <a:rPr lang="en-US" sz="2800" dirty="0"/>
+              <a:t>, et al. "</a:t>
+            </a:r>
+            <a:r>
+              <a:rPr lang="en-US" sz="2800" dirty="0" err="1"/>
+              <a:t>AttentionDTA</a:t>
+            </a:r>
+            <a:r>
+              <a:rPr lang="en-US" sz="2800" dirty="0"/>
+              <a:t>: prediction of drug–target binding affinity using attention model." </a:t>
+            </a:r>
+            <a:r>
+              <a:rPr lang="en-US" sz="2800" i="1" dirty="0"/>
+              <a:t>2019 IEEE international conference on bioinformatics and biomedicine (BIBM)</a:t>
+            </a:r>
+            <a:r>
+              <a:rPr lang="en-US" sz="2800" dirty="0"/>
+              <a:t>. IEEE, 2019.</a:t>
+            </a:r>
+            <a:endParaRPr lang="en-US" sz="2800" dirty="0" smtClean="0">
+              <a:ea typeface="Arial" charset="0"/>
+              <a:cs typeface="Arial" charset="0"/>
+            </a:endParaRPr>
           </a:p>
           <a:p>
             <a:pPr>
               <a:buClr>
                 <a:schemeClr val="tx2"/>
               </a:buClr>
-              <a:buFont typeface="+mj-lt"/>
-              <a:buAutoNum type="arabicPeriod"/>
               <a:defRPr/>
             </a:pPr>
             <a:r>
-              <a:rPr lang="en-US" sz="4000" dirty="0">
+              <a:rPr lang="en-US" sz="2800" dirty="0" smtClean="0">
                 <a:ea typeface="Arial" charset="0"/>
                 <a:cs typeface="Arial" charset="0"/>
               </a:rPr>
-              <a:t> </a:t>
-            </a:r>
-            <a:endParaRPr lang="en-US" sz="4000" dirty="0" smtClean="0">
-              <a:ea typeface="Arial" charset="0"/>
-              <a:cs typeface="Arial" charset="0"/>
-            </a:endParaRPr>
+              <a:t>[8]</a:t>
+            </a:r>
+            <a:r>
+              <a:rPr lang="en-US" sz="2800" dirty="0"/>
+              <a:t> Nguyen, Thin, et al. "</a:t>
+            </a:r>
+            <a:r>
+              <a:rPr lang="en-US" sz="2800" dirty="0" err="1"/>
+              <a:t>GraphDTA</a:t>
+            </a:r>
+            <a:r>
+              <a:rPr lang="en-US" sz="2800" dirty="0"/>
+              <a:t>: predicting drug–target binding affinity with graph neural networks." Bioinformatics 37.8 (2021): 1140-1147</a:t>
+            </a:r>
+            <a:r>
+              <a:rPr lang="en-US" sz="2800" dirty="0" smtClean="0"/>
+              <a:t>.</a:t>
+            </a:r>
           </a:p>
           <a:p>
             <a:pPr>
               <a:buClr>
                 <a:schemeClr val="tx2"/>
               </a:buClr>
-              <a:buFont typeface="+mj-lt"/>
-              <a:buAutoNum type="arabicPeriod"/>
+              <a:defRPr/>
+            </a:pPr>
+            <a:r>
+              <a:rPr lang="en-US" sz="2800" dirty="0" smtClean="0">
+                <a:ea typeface="Arial" charset="0"/>
+                <a:cs typeface="Arial" charset="0"/>
+              </a:rPr>
+              <a:t> </a:t>
+            </a:r>
+          </a:p>
+          <a:p>
+            <a:pPr>
+              <a:buClr>
+                <a:schemeClr val="tx2"/>
+              </a:buClr>
               <a:defRPr/>
             </a:pPr>
             <a:r>
@@ -4753,8 +4664,8 @@
         </p:nvSpPr>
         <p:spPr>
           <a:xfrm>
-            <a:off x="22482100" y="7328021"/>
-            <a:ext cx="9923082" cy="8094524"/>
+            <a:off x="22073569" y="11673283"/>
+            <a:ext cx="9923082" cy="7109639"/>
           </a:xfrm>
           <a:prstGeom prst="rect">
             <a:avLst/>
@@ -4767,46 +4678,164 @@
           <a:lstStyle/>
           <a:p>
             <a:r>
-              <a:rPr lang="en-US" sz="4000" dirty="0" err="1" smtClean="0"/>
-              <a:t>Rrrrrrrr</a:t>
-            </a:r>
-            <a:endParaRPr lang="en-US" sz="4000" dirty="0" smtClean="0"/>
-          </a:p>
-          <a:p>
-            <a:endParaRPr lang="en-US" sz="4000" dirty="0"/>
-          </a:p>
-          <a:p>
-            <a:endParaRPr lang="en-US" sz="4000" dirty="0" smtClean="0"/>
-          </a:p>
-          <a:p>
-            <a:endParaRPr lang="en-US" sz="4000" dirty="0"/>
-          </a:p>
-          <a:p>
-            <a:endParaRPr lang="en-US" sz="4000" dirty="0" smtClean="0"/>
-          </a:p>
-          <a:p>
-            <a:endParaRPr lang="en-US" sz="4000" dirty="0"/>
-          </a:p>
-          <a:p>
-            <a:endParaRPr lang="en-US" sz="4000" dirty="0" smtClean="0"/>
-          </a:p>
-          <a:p>
-            <a:endParaRPr lang="en-US" sz="4000" dirty="0"/>
-          </a:p>
-          <a:p>
-            <a:endParaRPr lang="en-US" sz="4000" dirty="0" smtClean="0"/>
-          </a:p>
-          <a:p>
-            <a:endParaRPr lang="en-US" sz="4000" dirty="0"/>
-          </a:p>
-          <a:p>
-            <a:endParaRPr lang="en-US" sz="4000" dirty="0" smtClean="0"/>
-          </a:p>
-          <a:p>
-            <a:endParaRPr lang="en-US" sz="4000"/>
-          </a:p>
-          <a:p>
-            <a:endParaRPr lang="en-US" sz="4000" dirty="0" smtClean="0"/>
+              <a:rPr lang="en-US" sz="3200" dirty="0"/>
+              <a:t>To compare our model with the </a:t>
+            </a:r>
+            <a:r>
+              <a:rPr lang="en-US" sz="3200" dirty="0" smtClean="0"/>
+              <a:t>state-of-the-art </a:t>
+            </a:r>
+            <a:r>
+              <a:rPr lang="en-US" sz="3200" dirty="0"/>
+              <a:t>models</a:t>
+            </a:r>
+            <a:r>
+              <a:rPr lang="en-US" sz="3200" dirty="0" smtClean="0"/>
+              <a:t> </a:t>
+            </a:r>
+            <a:r>
+              <a:rPr lang="en-US" sz="3200" dirty="0" err="1" smtClean="0"/>
+              <a:t>KronRLS</a:t>
+            </a:r>
+            <a:r>
+              <a:rPr lang="en-US" sz="3200" dirty="0" smtClean="0"/>
+              <a:t>,</a:t>
+            </a:r>
+            <a:r>
+              <a:rPr lang="en-US" sz="3200" dirty="0"/>
+              <a:t> </a:t>
+            </a:r>
+            <a:r>
+              <a:rPr lang="en-US" sz="3200" dirty="0" err="1" smtClean="0"/>
+              <a:t>SimBoost,DeepDTA</a:t>
+            </a:r>
+            <a:r>
+              <a:rPr lang="en-US" sz="3200" dirty="0" smtClean="0"/>
+              <a:t>  </a:t>
+            </a:r>
+            <a:r>
+              <a:rPr lang="en-US" sz="3200" dirty="0"/>
+              <a:t>and </a:t>
+            </a:r>
+            <a:r>
+              <a:rPr lang="en-US" sz="3200" dirty="0" err="1" smtClean="0"/>
+              <a:t>WideDTA</a:t>
+            </a:r>
+            <a:r>
+              <a:rPr lang="en-US" sz="3200" dirty="0" smtClean="0"/>
+              <a:t>, </a:t>
+            </a:r>
+            <a:r>
+              <a:rPr lang="en-US" sz="3200" dirty="0"/>
+              <a:t>we use the </a:t>
+            </a:r>
+            <a:r>
+              <a:rPr lang="en-US" sz="3200" dirty="0" smtClean="0"/>
+              <a:t>same Dataset </a:t>
+            </a:r>
+            <a:r>
+              <a:rPr lang="en-US" sz="3200" dirty="0"/>
+              <a:t>and same metrics.</a:t>
+            </a:r>
+            <a:endParaRPr lang="en-US" sz="3200" dirty="0">
+              <a:cs typeface="Arial" charset="0"/>
+            </a:endParaRPr>
+          </a:p>
+          <a:p>
+            <a:r>
+              <a:rPr lang="en-US" sz="3200" dirty="0" smtClean="0"/>
+              <a:t>To </a:t>
+            </a:r>
+            <a:r>
+              <a:rPr lang="en-US" sz="3200" dirty="0"/>
+              <a:t>evaluate the performance </a:t>
+            </a:r>
+            <a:r>
+              <a:rPr lang="en-US" sz="3200" dirty="0" smtClean="0"/>
+              <a:t>of model calculates </a:t>
+            </a:r>
+            <a:r>
+              <a:rPr lang="en-US" sz="3200" dirty="0"/>
+              <a:t>the concordance index (</a:t>
+            </a:r>
+            <a:r>
+              <a:rPr lang="en-US" sz="3200" dirty="0" smtClean="0"/>
+              <a:t>CI) </a:t>
+            </a:r>
+            <a:r>
+              <a:rPr lang="en-US" sz="3200" dirty="0"/>
+              <a:t>and mean squared </a:t>
+            </a:r>
+            <a:r>
+              <a:rPr lang="en-US" sz="3200" dirty="0" smtClean="0"/>
+              <a:t>error(MSE).</a:t>
+            </a:r>
+            <a:r>
+              <a:rPr lang="en-US" sz="3200" dirty="0">
+                <a:ea typeface="Arial" charset="0"/>
+                <a:cs typeface="Arial" charset="0"/>
+              </a:rPr>
+              <a:t> A higher CI </a:t>
+            </a:r>
+            <a:r>
+              <a:rPr lang="en-US" sz="3200" dirty="0" smtClean="0"/>
+              <a:t>and</a:t>
+            </a:r>
+            <a:r>
+              <a:rPr lang="en-US" sz="3200" dirty="0" smtClean="0">
+                <a:ea typeface="Arial" charset="0"/>
+                <a:cs typeface="Arial" charset="0"/>
+              </a:rPr>
+              <a:t> </a:t>
+            </a:r>
+            <a:r>
+              <a:rPr lang="en-US" sz="3200" dirty="0">
+                <a:ea typeface="Arial" charset="0"/>
+                <a:cs typeface="Arial" charset="0"/>
+              </a:rPr>
+              <a:t>lower MSE means a better performance of the prediction model</a:t>
+            </a:r>
+            <a:r>
+              <a:rPr lang="en-US" sz="3200" dirty="0" smtClean="0">
+                <a:ea typeface="Arial" charset="0"/>
+                <a:cs typeface="Arial" charset="0"/>
+              </a:rPr>
+              <a:t>.</a:t>
+            </a:r>
+            <a:endParaRPr lang="en-US" sz="3200" dirty="0" smtClean="0">
+              <a:cs typeface="Arial" charset="0"/>
+            </a:endParaRPr>
+          </a:p>
+          <a:p>
+            <a:endParaRPr lang="en-US" sz="3200" dirty="0"/>
+          </a:p>
+          <a:p>
+            <a:r>
+              <a:rPr lang="en-US" sz="3200" b="1" dirty="0"/>
+              <a:t>Performances of various methods on Davis </a:t>
+            </a:r>
+            <a:r>
+              <a:rPr lang="en-US" sz="3200" b="1" dirty="0" smtClean="0"/>
+              <a:t>dataset:</a:t>
+            </a:r>
+          </a:p>
+          <a:p>
+            <a:endParaRPr lang="en-US" sz="2800" b="1" dirty="0"/>
+          </a:p>
+          <a:p>
+            <a:endParaRPr lang="en-US" sz="2800" b="1" dirty="0" smtClean="0"/>
+          </a:p>
+          <a:p>
+            <a:endParaRPr lang="en-US" sz="2800" b="1" dirty="0"/>
+          </a:p>
+          <a:p>
+            <a:endParaRPr lang="en-US" sz="2800" b="1" dirty="0" smtClean="0"/>
+          </a:p>
+          <a:p>
+            <a:endParaRPr lang="en-US" sz="2800" b="1" dirty="0" smtClean="0"/>
+          </a:p>
+          <a:p>
+            <a:endParaRPr lang="en-US" sz="2800" dirty="0" smtClean="0"/>
           </a:p>
         </p:txBody>
       </p:sp>
@@ -4824,8 +4853,8 @@
         </p:nvSpPr>
         <p:spPr>
           <a:xfrm>
-            <a:off x="1218389" y="28712487"/>
-            <a:ext cx="3124573" cy="536878"/>
+            <a:off x="11562783" y="6112935"/>
+            <a:ext cx="2162772" cy="532390"/>
           </a:xfrm>
           <a:prstGeom prst="rect">
             <a:avLst/>
@@ -4847,14 +4876,20 @@
               <a:defRPr/>
             </a:pPr>
             <a:r>
-              <a:rPr lang="en-US" sz="5400" b="1" dirty="0">
+              <a:rPr lang="en-US" sz="5400" b="1" dirty="0" smtClean="0">
                 <a:solidFill>
                   <a:srgbClr val="00008F"/>
                 </a:solidFill>
                 <a:latin typeface="Raleway ExtraBold" panose="020B0003030101060003" pitchFamily="34" charset="0"/>
               </a:rPr>
-              <a:t>Methods</a:t>
-            </a:r>
+              <a:t>Method</a:t>
+            </a:r>
+            <a:endParaRPr lang="en-US" sz="5400" b="1" dirty="0">
+              <a:solidFill>
+                <a:srgbClr val="00008F"/>
+              </a:solidFill>
+              <a:latin typeface="Raleway ExtraBold" panose="020B0003030101060003" pitchFamily="34" charset="0"/>
+            </a:endParaRPr>
           </a:p>
         </p:txBody>
       </p:sp>
@@ -4872,7 +4907,7 @@
         </p:nvSpPr>
         <p:spPr>
           <a:xfrm>
-            <a:off x="12264644" y="6212506"/>
+            <a:off x="22083638" y="6170564"/>
             <a:ext cx="2899155" cy="550279"/>
           </a:xfrm>
           <a:prstGeom prst="rect">
@@ -4926,7 +4961,7 @@
         </p:nvSpPr>
         <p:spPr>
           <a:xfrm>
-            <a:off x="22129258" y="6709698"/>
+            <a:off x="22220643" y="11039089"/>
             <a:ext cx="2704587" cy="536878"/>
           </a:xfrm>
           <a:prstGeom prst="rect">
@@ -4974,7 +5009,7 @@
         </p:nvSpPr>
         <p:spPr>
           <a:xfrm>
-            <a:off x="22375418" y="32928562"/>
+            <a:off x="23105846" y="28336179"/>
             <a:ext cx="4028667" cy="536878"/>
           </a:xfrm>
           <a:prstGeom prst="rect">
@@ -5022,7 +5057,7 @@
         </p:nvSpPr>
         <p:spPr>
           <a:xfrm>
-            <a:off x="22455568" y="19101447"/>
+            <a:off x="23008535" y="24626154"/>
             <a:ext cx="3948517" cy="536878"/>
           </a:xfrm>
           <a:prstGeom prst="rect">
@@ -5072,8 +5107,8 @@
         </p:nvSpPr>
         <p:spPr bwMode="auto">
           <a:xfrm>
-            <a:off x="1298499" y="13932541"/>
-            <a:ext cx="9807200" cy="14570014"/>
+            <a:off x="1069305" y="13932541"/>
+            <a:ext cx="10036394" cy="27792224"/>
           </a:xfrm>
           <a:prstGeom prst="rect">
             <a:avLst/>
@@ -5202,45 +5237,544 @@
               </a:lnSpc>
             </a:pPr>
             <a:r>
-              <a:rPr lang="en-US" altLang="en-US" sz="3600" dirty="0">
+              <a:rPr lang="en-US" altLang="en-US" sz="3200" dirty="0">
                 <a:latin typeface="+mn-lt"/>
                 <a:ea typeface="Arial" charset="0"/>
               </a:rPr>
-              <a:t>Most existing methods for DTA prediction rely on either structural or sequence information of the drug and target. Structural-based methods use the three-dimensional (3D) structures of the drug and target to model their binding interactions, such as docking, molecular dynamics, and free energy calculations. However, these methods are computationally expensive and require high-quality 3D structures, which are not available for many drug-target pairs. Sequence-based methods use the one-dimensional (1D) sequences of the drug and target to infer their binding affinity, such as similarity-based methods, machine learning methods, and deep learning methods. However, these methods may not capture the complex and nonlinear relationships between the drug and target features and their binding affinity</a:t>
-            </a:r>
-            <a:r>
-              <a:rPr lang="en-US" altLang="en-US" sz="3600" dirty="0" smtClean="0">
+              <a:t>Drug target </a:t>
+            </a:r>
+            <a:r>
+              <a:rPr lang="en-US" altLang="en-US" sz="3200" dirty="0" smtClean="0">
                 <a:latin typeface="+mn-lt"/>
                 <a:ea typeface="Arial" charset="0"/>
               </a:rPr>
+              <a:t>affinity(DTA) </a:t>
+            </a:r>
+            <a:r>
+              <a:rPr lang="en-US" altLang="en-US" sz="3200" dirty="0">
+                <a:latin typeface="+mn-lt"/>
+                <a:ea typeface="Arial" charset="0"/>
+              </a:rPr>
+              <a:t>prediction is a computational task that aims to estimate the binding strength of a drug molecule to a target </a:t>
+            </a:r>
+            <a:r>
+              <a:rPr lang="en-US" altLang="en-US" sz="3200" dirty="0" smtClean="0">
+                <a:latin typeface="+mn-lt"/>
+                <a:ea typeface="Arial" charset="0"/>
+              </a:rPr>
+              <a:t>protein. </a:t>
+            </a:r>
+            <a:r>
+              <a:rPr lang="en-US" altLang="en-US" sz="3200" dirty="0">
+                <a:latin typeface="+mn-lt"/>
+                <a:ea typeface="Arial" charset="0"/>
+              </a:rPr>
+              <a:t>This task is important for drug discovery and development, as it can help to identify potential drug </a:t>
+            </a:r>
+            <a:r>
+              <a:rPr lang="en-US" altLang="en-US" sz="3200" dirty="0" smtClean="0">
+                <a:latin typeface="+mn-lt"/>
+                <a:ea typeface="Arial" charset="0"/>
+              </a:rPr>
+              <a:t>candidates and optimize </a:t>
+            </a:r>
+            <a:r>
+              <a:rPr lang="en-US" altLang="en-US" sz="3200" dirty="0">
+                <a:latin typeface="+mn-lt"/>
+                <a:ea typeface="Arial" charset="0"/>
+              </a:rPr>
+              <a:t>their </a:t>
+            </a:r>
+            <a:r>
+              <a:rPr lang="en-US" altLang="en-US" sz="3200" dirty="0" err="1" smtClean="0">
+                <a:latin typeface="+mn-lt"/>
+                <a:ea typeface="Arial" charset="0"/>
+              </a:rPr>
+              <a:t>properties.DTA</a:t>
+            </a:r>
+            <a:r>
+              <a:rPr lang="en-US" altLang="en-US" sz="3200" dirty="0" smtClean="0">
+                <a:latin typeface="+mn-lt"/>
+                <a:ea typeface="Arial" charset="0"/>
+              </a:rPr>
+              <a:t> prediction </a:t>
+            </a:r>
+            <a:r>
+              <a:rPr lang="en-US" altLang="en-US" sz="3200" dirty="0">
+                <a:latin typeface="+mn-lt"/>
+                <a:ea typeface="Arial" charset="0"/>
+              </a:rPr>
+              <a:t>can also facilitate drug repurposing, which is the process of finding new therapeutic uses for existing drugs</a:t>
+            </a:r>
+            <a:r>
+              <a:rPr lang="en-US" altLang="en-US" sz="3200" dirty="0" smtClean="0">
+                <a:latin typeface="+mn-lt"/>
+                <a:ea typeface="Arial" charset="0"/>
+              </a:rPr>
               <a:t>.</a:t>
             </a:r>
-            <a:r>
-              <a:rPr lang="en-US" sz="3600" dirty="0">
-                <a:latin typeface="+mn-lt"/>
-              </a:rPr>
-              <a:t> construct protein and molecule graphs based on their sequences, can capture their structural and functional information.</a:t>
-            </a:r>
-          </a:p>
-          <a:p>
-            <a:pPr>
+          </a:p>
+          <a:p>
+            <a:pPr algn="just">
               <a:lnSpc>
                 <a:spcPts val="5400"/>
               </a:lnSpc>
             </a:pPr>
-            <a:endParaRPr lang="en-US" altLang="en-US" sz="3200" dirty="0">
+            <a:r>
+              <a:rPr lang="en-US" sz="3200" dirty="0" smtClean="0"/>
+              <a:t>DTA </a:t>
+            </a:r>
+            <a:r>
+              <a:rPr lang="en-US" sz="3200" dirty="0"/>
+              <a:t>prediction </a:t>
+            </a:r>
+            <a:r>
+              <a:rPr lang="en-US" sz="3200" dirty="0" smtClean="0"/>
+              <a:t>problem formulate </a:t>
+            </a:r>
+            <a:r>
+              <a:rPr lang="en-US" sz="3200" dirty="0"/>
+              <a:t>as a regression task</a:t>
+            </a:r>
+            <a:r>
+              <a:rPr lang="en-US" altLang="en-US" sz="3200" dirty="0" smtClean="0">
+                <a:latin typeface="+mn-lt"/>
+                <a:ea typeface="Arial" charset="0"/>
+              </a:rPr>
+              <a:t>, </a:t>
+            </a:r>
+            <a:r>
+              <a:rPr lang="en-US" altLang="en-US" sz="3200" dirty="0">
+                <a:latin typeface="+mn-lt"/>
+                <a:ea typeface="Arial" charset="0"/>
+              </a:rPr>
+              <a:t>where the goal is to predict a continuous value that reflects the binding affinity</a:t>
+            </a:r>
+            <a:r>
+              <a:rPr lang="en-US" altLang="en-US" sz="3200" dirty="0" smtClean="0">
+                <a:latin typeface="+mn-lt"/>
+                <a:ea typeface="Arial" charset="0"/>
+              </a:rPr>
+              <a:t>.</a:t>
+            </a:r>
+          </a:p>
+          <a:p>
+            <a:pPr algn="just">
+              <a:lnSpc>
+                <a:spcPts val="5400"/>
+              </a:lnSpc>
+            </a:pPr>
+            <a:r>
+              <a:rPr lang="en-US" altLang="en-US" sz="3200" dirty="0">
+                <a:latin typeface="+mn-lt"/>
+                <a:ea typeface="Arial" charset="0"/>
+              </a:rPr>
+              <a:t>There are different methods</a:t>
+            </a:r>
+            <a:r>
+              <a:rPr lang="en-US" altLang="en-US" sz="3200" dirty="0" smtClean="0">
+                <a:latin typeface="+mn-lt"/>
+                <a:ea typeface="Arial" charset="0"/>
+              </a:rPr>
+              <a:t> </a:t>
+            </a:r>
+            <a:r>
+              <a:rPr lang="en-US" altLang="en-US" sz="3200" dirty="0">
+                <a:latin typeface="+mn-lt"/>
+                <a:ea typeface="Arial" charset="0"/>
+              </a:rPr>
+              <a:t>for drug target affinity </a:t>
+            </a:r>
+            <a:r>
+              <a:rPr lang="en-US" altLang="en-US" sz="3200" dirty="0" smtClean="0">
+                <a:latin typeface="+mn-lt"/>
+                <a:ea typeface="Arial" charset="0"/>
+              </a:rPr>
+              <a:t>prediction</a:t>
+            </a:r>
+            <a:r>
+              <a:rPr lang="en-US" altLang="en-US" sz="3200" dirty="0">
+                <a:latin typeface="+mn-lt"/>
+                <a:ea typeface="Arial" charset="0"/>
+              </a:rPr>
+              <a:t> </a:t>
+            </a:r>
+            <a:r>
+              <a:rPr lang="en-US" altLang="en-US" sz="3200" dirty="0" smtClean="0">
+                <a:latin typeface="+mn-lt"/>
+                <a:ea typeface="Arial" charset="0"/>
+              </a:rPr>
+              <a:t>methods </a:t>
+            </a:r>
+            <a:r>
+              <a:rPr lang="en-US" altLang="en-US" sz="3200" dirty="0">
+                <a:latin typeface="+mn-lt"/>
+                <a:ea typeface="Arial" charset="0"/>
+              </a:rPr>
+              <a:t>can </a:t>
+            </a:r>
+            <a:r>
+              <a:rPr lang="en-US" altLang="en-US" sz="3200" dirty="0" smtClean="0">
+                <a:latin typeface="+mn-lt"/>
+                <a:ea typeface="Arial" charset="0"/>
+              </a:rPr>
+              <a:t>be classified </a:t>
+            </a:r>
+            <a:r>
+              <a:rPr lang="en-US" altLang="en-US" sz="3200" dirty="0">
+                <a:latin typeface="+mn-lt"/>
+                <a:ea typeface="Arial" charset="0"/>
+              </a:rPr>
+              <a:t>into two categories: structure-based and sequence-based methods</a:t>
+            </a:r>
+            <a:r>
+              <a:rPr lang="en-US" altLang="en-US" sz="3200" dirty="0" smtClean="0">
+                <a:latin typeface="+mn-lt"/>
+                <a:ea typeface="Arial" charset="0"/>
+              </a:rPr>
+              <a:t>.</a:t>
+            </a:r>
+          </a:p>
+          <a:p>
+            <a:pPr algn="just">
+              <a:lnSpc>
+                <a:spcPts val="5400"/>
+              </a:lnSpc>
+            </a:pPr>
+            <a:r>
+              <a:rPr lang="en-US" altLang="en-US" sz="3200" dirty="0">
+                <a:latin typeface="+mn-lt"/>
+                <a:ea typeface="Arial" charset="0"/>
+              </a:rPr>
+              <a:t>Structure-based methods use the three-dimensional (3D) structures of drugs and targets to model their interactions and calculate their binding affinities but 3D structures are not widely available for most </a:t>
+            </a:r>
+            <a:r>
+              <a:rPr lang="en-US" altLang="en-US" sz="3200" dirty="0" smtClean="0">
+                <a:latin typeface="+mn-lt"/>
+                <a:ea typeface="Arial" charset="0"/>
+              </a:rPr>
+              <a:t>targets and other </a:t>
+            </a:r>
+            <a:r>
+              <a:rPr lang="en-US" altLang="en-US" sz="3200" dirty="0">
+                <a:latin typeface="+mn-lt"/>
+                <a:ea typeface="Arial" charset="0"/>
+              </a:rPr>
+              <a:t>methods use non-structure-based approaches that only require the </a:t>
+            </a:r>
+            <a:r>
+              <a:rPr lang="en-US" altLang="en-US" sz="3200" dirty="0" smtClean="0">
+                <a:latin typeface="+mn-lt"/>
+                <a:ea typeface="Arial" charset="0"/>
+              </a:rPr>
+              <a:t>sequence </a:t>
+            </a:r>
+            <a:r>
+              <a:rPr lang="en-US" altLang="en-US" sz="3200" dirty="0">
+                <a:latin typeface="+mn-lt"/>
+                <a:ea typeface="Arial" charset="0"/>
+              </a:rPr>
+              <a:t>of the drug and the </a:t>
+            </a:r>
+            <a:r>
+              <a:rPr lang="en-US" altLang="en-US" sz="3200" dirty="0" err="1" smtClean="0">
+                <a:latin typeface="+mn-lt"/>
+                <a:ea typeface="Arial" charset="0"/>
+              </a:rPr>
+              <a:t>target.These</a:t>
+            </a:r>
+            <a:r>
+              <a:rPr lang="en-US" altLang="en-US" sz="3200" dirty="0" smtClean="0">
+                <a:latin typeface="+mn-lt"/>
+                <a:ea typeface="Arial" charset="0"/>
+              </a:rPr>
+              <a:t> </a:t>
+            </a:r>
+            <a:r>
+              <a:rPr lang="en-US" altLang="en-US" sz="3200" dirty="0">
+                <a:latin typeface="+mn-lt"/>
+                <a:ea typeface="Arial" charset="0"/>
+              </a:rPr>
+              <a:t>approaches can overcome the limitations of structure-based </a:t>
+            </a:r>
+            <a:r>
+              <a:rPr lang="en-US" altLang="en-US" sz="3200" dirty="0" smtClean="0">
+                <a:latin typeface="+mn-lt"/>
+                <a:ea typeface="Arial" charset="0"/>
+              </a:rPr>
+              <a:t>methods.</a:t>
+            </a:r>
+          </a:p>
+          <a:p>
+            <a:pPr algn="just">
+              <a:lnSpc>
+                <a:spcPts val="5400"/>
+              </a:lnSpc>
+            </a:pPr>
+            <a:r>
+              <a:rPr lang="en-US" altLang="en-US" sz="3200" dirty="0">
+                <a:latin typeface="+mn-lt"/>
+                <a:ea typeface="Arial" charset="0"/>
+              </a:rPr>
+              <a:t>Sequence-based </a:t>
+            </a:r>
+            <a:r>
+              <a:rPr lang="en-US" altLang="en-US" sz="3200" dirty="0" smtClean="0">
+                <a:latin typeface="+mn-lt"/>
+                <a:ea typeface="Arial" charset="0"/>
+              </a:rPr>
+              <a:t>methods </a:t>
+            </a:r>
+            <a:r>
+              <a:rPr lang="en-US" altLang="en-US" sz="3200" dirty="0">
+                <a:latin typeface="+mn-lt"/>
+                <a:ea typeface="Arial" charset="0"/>
+              </a:rPr>
+              <a:t>use the one-dimensional (1D) sequences and do not rely on 3D structures of drugs and targets as inputs. These methods include similarity-based </a:t>
+            </a:r>
+            <a:r>
+              <a:rPr lang="en-US" altLang="en-US" sz="3200" dirty="0" smtClean="0">
+                <a:latin typeface="+mn-lt"/>
+                <a:ea typeface="Arial" charset="0"/>
+              </a:rPr>
+              <a:t>methods such as </a:t>
+            </a:r>
+            <a:r>
+              <a:rPr lang="en-US" sz="3200" dirty="0" err="1" smtClean="0">
+                <a:latin typeface="+mn-lt"/>
+              </a:rPr>
+              <a:t>SimBoost</a:t>
+            </a:r>
+            <a:r>
+              <a:rPr lang="en-US" sz="3200" dirty="0" smtClean="0">
+                <a:latin typeface="+mn-lt"/>
+              </a:rPr>
+              <a:t>[1] </a:t>
+            </a:r>
+            <a:r>
+              <a:rPr lang="en-US" altLang="en-US" sz="3200" dirty="0" smtClean="0">
+                <a:latin typeface="+mn-lt"/>
+                <a:ea typeface="Arial" charset="0"/>
+              </a:rPr>
+              <a:t>and </a:t>
+            </a:r>
+            <a:r>
+              <a:rPr lang="en-US" sz="3200" dirty="0" err="1" smtClean="0">
+                <a:latin typeface="+mn-lt"/>
+              </a:rPr>
+              <a:t>KronRLS</a:t>
+            </a:r>
+            <a:r>
+              <a:rPr lang="en-US" sz="3200" dirty="0" smtClean="0">
+                <a:latin typeface="+mn-lt"/>
+              </a:rPr>
+              <a:t>[2], </a:t>
+            </a:r>
+            <a:r>
+              <a:rPr lang="en-US" altLang="en-US" sz="3200" dirty="0" smtClean="0">
+                <a:latin typeface="+mn-lt"/>
+                <a:ea typeface="Arial" charset="0"/>
+              </a:rPr>
+              <a:t>network-based </a:t>
+            </a:r>
+            <a:r>
+              <a:rPr lang="en-US" altLang="en-US" sz="3200" dirty="0">
+                <a:latin typeface="+mn-lt"/>
+                <a:ea typeface="Arial" charset="0"/>
+              </a:rPr>
+              <a:t>methods such as </a:t>
+            </a:r>
+            <a:r>
+              <a:rPr lang="en-US" altLang="en-US" sz="3200" dirty="0" smtClean="0">
+                <a:latin typeface="+mn-lt"/>
+                <a:ea typeface="Arial" charset="0"/>
+              </a:rPr>
+              <a:t>DNNGP[3],</a:t>
+            </a:r>
+            <a:r>
+              <a:rPr lang="en-US" altLang="en-US" sz="3200" dirty="0" err="1" smtClean="0">
+                <a:latin typeface="+mn-lt"/>
+                <a:ea typeface="Arial" charset="0"/>
+              </a:rPr>
+              <a:t>GeneralizedDTA</a:t>
+            </a:r>
+            <a:r>
+              <a:rPr lang="en-US" altLang="en-US" sz="3200" dirty="0" smtClean="0">
+                <a:latin typeface="+mn-lt"/>
+                <a:ea typeface="Arial" charset="0"/>
+              </a:rPr>
+              <a:t>[4] and </a:t>
+            </a:r>
+            <a:r>
+              <a:rPr lang="en-US" altLang="en-US" sz="3200" dirty="0">
+                <a:latin typeface="+mn-lt"/>
+                <a:ea typeface="Arial" charset="0"/>
+              </a:rPr>
+              <a:t>deep learning </a:t>
+            </a:r>
+            <a:r>
+              <a:rPr lang="en-US" altLang="en-US" sz="3200" dirty="0" smtClean="0">
+                <a:latin typeface="+mn-lt"/>
+                <a:ea typeface="Arial" charset="0"/>
+              </a:rPr>
+              <a:t>methods. Some </a:t>
+            </a:r>
+            <a:r>
+              <a:rPr lang="en-US" altLang="en-US" sz="3200" dirty="0">
+                <a:latin typeface="+mn-lt"/>
+                <a:ea typeface="Arial" charset="0"/>
+              </a:rPr>
+              <a:t>examples of </a:t>
+            </a:r>
+            <a:r>
+              <a:rPr lang="en-US" altLang="en-US" sz="3200" dirty="0" smtClean="0">
+                <a:latin typeface="+mn-lt"/>
+                <a:ea typeface="Arial" charset="0"/>
+              </a:rPr>
+              <a:t>these  models are: </a:t>
+            </a:r>
+            <a:r>
+              <a:rPr lang="en-US" sz="3200" dirty="0" err="1" smtClean="0">
+                <a:latin typeface="+mn-lt"/>
+              </a:rPr>
+              <a:t>DeepDTA</a:t>
+            </a:r>
+            <a:r>
+              <a:rPr lang="en-US" sz="3200" dirty="0" smtClean="0">
+                <a:latin typeface="+mn-lt"/>
+              </a:rPr>
+              <a:t>[5],</a:t>
+            </a:r>
+            <a:r>
+              <a:rPr lang="en-US" sz="3200" dirty="0" err="1" smtClean="0">
+                <a:latin typeface="+mn-lt"/>
+              </a:rPr>
+              <a:t>WideDTA</a:t>
+            </a:r>
+            <a:r>
+              <a:rPr lang="en-US" sz="3200" dirty="0" smtClean="0">
+                <a:latin typeface="+mn-lt"/>
+              </a:rPr>
+              <a:t>[6],</a:t>
+            </a:r>
+            <a:r>
+              <a:rPr lang="en-US" sz="3200" dirty="0" err="1" smtClean="0">
+                <a:latin typeface="+mn-lt"/>
+              </a:rPr>
+              <a:t>AttentionDTA</a:t>
+            </a:r>
+            <a:r>
+              <a:rPr lang="en-US" sz="3200" dirty="0" smtClean="0">
+                <a:latin typeface="+mn-lt"/>
+              </a:rPr>
+              <a:t>[7],</a:t>
+            </a:r>
+            <a:r>
+              <a:rPr lang="en-US" sz="3200" dirty="0" err="1" smtClean="0">
+                <a:latin typeface="+mn-lt"/>
+              </a:rPr>
+              <a:t>GraphDTA</a:t>
+            </a:r>
+            <a:r>
+              <a:rPr lang="en-US" sz="3200" dirty="0" smtClean="0">
+                <a:latin typeface="+mn-lt"/>
+              </a:rPr>
+              <a:t>[8].</a:t>
+            </a:r>
+          </a:p>
+          <a:p>
+            <a:pPr algn="just">
+              <a:lnSpc>
+                <a:spcPts val="5400"/>
+              </a:lnSpc>
+            </a:pPr>
+            <a:r>
+              <a:rPr lang="en-US" sz="3200" dirty="0">
+                <a:latin typeface="+mn-lt"/>
+              </a:rPr>
+              <a:t>in recent years Graph Neural Networks</a:t>
+            </a:r>
+            <a:r>
+              <a:rPr lang="en-US" sz="3200" dirty="0" smtClean="0">
+                <a:latin typeface="+mn-lt"/>
+              </a:rPr>
+              <a:t> (GNNs) </a:t>
+            </a:r>
+            <a:r>
+              <a:rPr lang="en-US" sz="3200" dirty="0">
+                <a:latin typeface="+mn-lt"/>
+              </a:rPr>
+              <a:t>have been used for drug target affinity </a:t>
+            </a:r>
+            <a:r>
+              <a:rPr lang="en-US" sz="3200" dirty="0" err="1" smtClean="0">
+                <a:latin typeface="+mn-lt"/>
+              </a:rPr>
+              <a:t>prediction.GNNs</a:t>
+            </a:r>
+            <a:r>
+              <a:rPr lang="en-US" sz="3200" dirty="0" smtClean="0">
+                <a:latin typeface="+mn-lt"/>
+              </a:rPr>
+              <a:t> can </a:t>
+            </a:r>
+            <a:r>
+              <a:rPr lang="en-US" sz="3200" dirty="0">
+                <a:latin typeface="+mn-lt"/>
+              </a:rPr>
+              <a:t>effectively model molecular structures as graphs. Molecular structures can be represented as graphs, where atoms are nodes and chemical bonds are edges. GNNs can analyze these graphs and learn the structural features that are important for predicting the affinity of a drug to a target.</a:t>
+            </a:r>
+          </a:p>
+          <a:p>
+            <a:pPr algn="just">
+              <a:lnSpc>
+                <a:spcPts val="5400"/>
+              </a:lnSpc>
+            </a:pPr>
+            <a:endParaRPr lang="en-US" sz="3600" dirty="0" smtClean="0">
+              <a:latin typeface="+mn-lt"/>
+            </a:endParaRPr>
+          </a:p>
+          <a:p>
+            <a:pPr algn="just">
+              <a:lnSpc>
+                <a:spcPts val="5400"/>
+              </a:lnSpc>
+            </a:pPr>
+            <a:endParaRPr lang="en-US" sz="3600" dirty="0" smtClean="0">
+              <a:latin typeface="+mn-lt"/>
+            </a:endParaRPr>
+          </a:p>
+          <a:p>
+            <a:pPr algn="just">
+              <a:lnSpc>
+                <a:spcPts val="5400"/>
+              </a:lnSpc>
+            </a:pPr>
+            <a:endParaRPr lang="en-US" altLang="en-US" sz="3600" dirty="0">
               <a:latin typeface="+mn-lt"/>
               <a:ea typeface="Arial" charset="0"/>
             </a:endParaRPr>
           </a:p>
+          <a:p>
+            <a:pPr algn="just">
+              <a:lnSpc>
+                <a:spcPts val="5400"/>
+              </a:lnSpc>
+            </a:pPr>
+            <a:endParaRPr lang="en-US" altLang="en-US" sz="3600" dirty="0" smtClean="0">
+              <a:latin typeface="+mn-lt"/>
+              <a:ea typeface="Arial" charset="0"/>
+            </a:endParaRPr>
+          </a:p>
         </p:txBody>
       </p:sp>
       <p:cxnSp>
         <p:nvCxnSpPr>
-          <p:cNvPr id="93" name="Horizontal Section Divider" descr="Horizontal Divider">
+          <p:cNvPr id="114" name="Horizontal Section Divider" descr="Horizontal Divider">
             <a:extLst>
               <a:ext uri="{FF2B5EF4-FFF2-40B4-BE49-F238E27FC236}">
-                <a16:creationId xmlns:a16="http://schemas.microsoft.com/office/drawing/2014/main" id="{D798106E-1D89-E34B-9CEB-A226A01C1DD2}"/>
+                <a16:creationId xmlns:a16="http://schemas.microsoft.com/office/drawing/2014/main" id="{70E360F6-FA4E-8442-9128-E562CE3AF2FF}"/>
               </a:ext>
             </a:extLst>
           </p:cNvPr>
@@ -5251,86 +5785,7 @@
         </p:nvCxnSpPr>
         <p:spPr bwMode="auto">
           <a:xfrm>
-            <a:off x="1428011" y="12552241"/>
-            <a:ext cx="9144000" cy="0"/>
-          </a:xfrm>
-          <a:prstGeom prst="line">
-            <a:avLst/>
-          </a:prstGeom>
-          <a:noFill/>
-          <a:ln w="25400" cap="flat" cmpd="sng" algn="ctr">
-            <a:solidFill>
-              <a:schemeClr val="tx1"/>
-            </a:solidFill>
-            <a:prstDash val="dash"/>
-            <a:round/>
-            <a:headEnd type="none" w="med" len="med"/>
-            <a:tailEnd type="none" w="med" len="med"/>
-          </a:ln>
-          <a:effectLst/>
-        </p:spPr>
-      </p:cxnSp>
-      <p:sp>
-        <p:nvSpPr>
-          <p:cNvPr id="95" name="Picture Placeholder 1 Caption">
-            <a:extLst>
-              <a:ext uri="{FF2B5EF4-FFF2-40B4-BE49-F238E27FC236}">
-                <a16:creationId xmlns:a16="http://schemas.microsoft.com/office/drawing/2014/main" id="{9E6ECC0D-1F04-9F45-BC27-AD4C4DFFAD2A}"/>
-              </a:ext>
-            </a:extLst>
-          </p:cNvPr>
-          <p:cNvSpPr txBox="1"/>
-          <p:nvPr/>
-        </p:nvSpPr>
-        <p:spPr>
-          <a:xfrm>
-            <a:off x="1215290" y="30442522"/>
-            <a:ext cx="8251439" cy="646331"/>
-          </a:xfrm>
-          <a:prstGeom prst="rect">
-            <a:avLst/>
-          </a:prstGeom>
-          <a:noFill/>
-        </p:spPr>
-        <p:txBody>
-          <a:bodyPr wrap="square">
-            <a:spAutoFit/>
-          </a:bodyPr>
-          <a:lstStyle/>
-          <a:p>
-            <a:pPr>
-              <a:spcBef>
-                <a:spcPts val="528"/>
-              </a:spcBef>
-              <a:buClr>
-                <a:schemeClr val="tx2"/>
-              </a:buClr>
-              <a:defRPr/>
-            </a:pPr>
-            <a:endParaRPr lang="en-US" sz="3600" i="1" dirty="0">
-              <a:ea typeface="Arial" charset="0"/>
-              <a:cs typeface="Arial" charset="0"/>
-            </a:endParaRPr>
-          </a:p>
-        </p:txBody>
-      </p:sp>
-      <p:cxnSp>
-        <p:nvCxnSpPr>
-          <p:cNvPr id="109" name="Horizontal Section Divider" descr="Horizontal Divider">
-            <a:extLst>
-              <a:ext uri="{FF2B5EF4-FFF2-40B4-BE49-F238E27FC236}">
-                <a16:creationId xmlns:a16="http://schemas.microsoft.com/office/drawing/2014/main" id="{37E01957-D5C2-ED4B-934B-3961AEA3E635}"/>
-              </a:ext>
-            </a:extLst>
-          </p:cNvPr>
-          <p:cNvCxnSpPr>
-            <a:cxnSpLocks/>
-          </p:cNvCxnSpPr>
-          <p:nvPr/>
-        </p:nvCxnSpPr>
-        <p:spPr bwMode="auto">
-          <a:xfrm>
-            <a:off x="11934264" y="24916637"/>
+            <a:off x="12373431" y="41882765"/>
             <a:ext cx="9144000" cy="0"/>
           </a:xfrm>
           <a:prstGeom prst="line">
@@ -5351,1804 +5806,6 @@
       </p:cxnSp>
       <p:cxnSp>
         <p:nvCxnSpPr>
-          <p:cNvPr id="111" name="Horizontal Section Divider" descr="Horizontal Divider">
-            <a:extLst>
-              <a:ext uri="{FF2B5EF4-FFF2-40B4-BE49-F238E27FC236}">
-                <a16:creationId xmlns:a16="http://schemas.microsoft.com/office/drawing/2014/main" id="{CB21EB41-F580-144C-88B7-2A230BC5D795}"/>
-              </a:ext>
-            </a:extLst>
-          </p:cNvPr>
-          <p:cNvCxnSpPr>
-            <a:cxnSpLocks/>
-          </p:cNvCxnSpPr>
-          <p:nvPr/>
-        </p:nvCxnSpPr>
-        <p:spPr bwMode="auto">
-          <a:xfrm>
-            <a:off x="11934264" y="26013368"/>
-            <a:ext cx="9144000" cy="0"/>
-          </a:xfrm>
-          <a:prstGeom prst="line">
-            <a:avLst/>
-          </a:prstGeom>
-          <a:noFill/>
-          <a:ln w="25400" cap="flat" cmpd="sng" algn="ctr">
-            <a:solidFill>
-              <a:schemeClr val="tx1"/>
-            </a:solidFill>
-            <a:prstDash val="dash"/>
-            <a:round/>
-            <a:headEnd type="none" w="med" len="med"/>
-            <a:tailEnd type="none" w="med" len="med"/>
-          </a:ln>
-          <a:effectLst/>
-        </p:spPr>
-      </p:cxnSp>
-      <p:pic>
-        <p:nvPicPr>
-          <p:cNvPr id="112" name="Bullet D" descr="D">
-            <a:extLst>
-              <a:ext uri="{FF2B5EF4-FFF2-40B4-BE49-F238E27FC236}">
-                <a16:creationId xmlns:a16="http://schemas.microsoft.com/office/drawing/2014/main" id="{36DEED0C-B9BE-764F-B522-12DB1927B54A}"/>
-              </a:ext>
-            </a:extLst>
-          </p:cNvPr>
-          <p:cNvPicPr>
-            <a:picLocks noChangeAspect="1"/>
-          </p:cNvPicPr>
-          <p:nvPr/>
-        </p:nvPicPr>
-        <p:blipFill>
-          <a:blip r:embed="rId2">
-            <a:extLst>
-              <a:ext uri="{28A0092B-C50C-407E-A947-70E740481C1C}">
-                <a14:useLocalDpi xmlns:a14="http://schemas.microsoft.com/office/drawing/2010/main" val="0"/>
-              </a:ext>
-            </a:extLst>
-          </a:blip>
-          <a:stretch>
-            <a:fillRect/>
-          </a:stretch>
-        </p:blipFill>
-        <p:spPr>
-          <a:xfrm>
-            <a:off x="12087967" y="28442970"/>
-            <a:ext cx="621227" cy="621227"/>
-          </a:xfrm>
-          <a:prstGeom prst="rect">
-            <a:avLst/>
-          </a:prstGeom>
-        </p:spPr>
-      </p:pic>
-      <p:graphicFrame>
-        <p:nvGraphicFramePr>
-          <p:cNvPr id="113" name="Chart D" descr="Chart D">
-            <a:extLst>
-              <a:ext uri="{FF2B5EF4-FFF2-40B4-BE49-F238E27FC236}">
-                <a16:creationId xmlns:a16="http://schemas.microsoft.com/office/drawing/2014/main" id="{48618844-9C19-424F-BED5-12D3EBA2FD7A}"/>
-              </a:ext>
-            </a:extLst>
-          </p:cNvPr>
-          <p:cNvGraphicFramePr>
-            <a:graphicFrameLocks/>
-          </p:cNvGraphicFramePr>
-          <p:nvPr>
-            <p:extLst>
-              <p:ext uri="{D42A27DB-BD31-4B8C-83A1-F6EECF244321}">
-                <p14:modId xmlns:p14="http://schemas.microsoft.com/office/powerpoint/2010/main" val="2973023966"/>
-              </p:ext>
-            </p:extLst>
-          </p:nvPr>
-        </p:nvGraphicFramePr>
-        <p:xfrm>
-          <a:off x="11997466" y="28524452"/>
-          <a:ext cx="9159240" cy="6464794"/>
-        </p:xfrm>
-        <a:graphic>
-          <a:graphicData uri="http://schemas.openxmlformats.org/drawingml/2006/chart">
-            <c:chart xmlns:c="http://schemas.openxmlformats.org/drawingml/2006/chart" xmlns:r="http://schemas.openxmlformats.org/officeDocument/2006/relationships" r:id="rId3"/>
-          </a:graphicData>
-        </a:graphic>
-      </p:graphicFrame>
-      <p:cxnSp>
-        <p:nvCxnSpPr>
-          <p:cNvPr id="114" name="Horizontal Section Divider" descr="Horizontal Divider">
-            <a:extLst>
-              <a:ext uri="{FF2B5EF4-FFF2-40B4-BE49-F238E27FC236}">
-                <a16:creationId xmlns:a16="http://schemas.microsoft.com/office/drawing/2014/main" id="{70E360F6-FA4E-8442-9128-E562CE3AF2FF}"/>
-              </a:ext>
-            </a:extLst>
-          </p:cNvPr>
-          <p:cNvCxnSpPr>
-            <a:cxnSpLocks/>
-          </p:cNvCxnSpPr>
-          <p:nvPr/>
-        </p:nvCxnSpPr>
-        <p:spPr bwMode="auto">
-          <a:xfrm>
-            <a:off x="11934264" y="35539115"/>
-            <a:ext cx="9144000" cy="0"/>
-          </a:xfrm>
-          <a:prstGeom prst="line">
-            <a:avLst/>
-          </a:prstGeom>
-          <a:noFill/>
-          <a:ln w="25400" cap="flat" cmpd="sng" algn="ctr">
-            <a:solidFill>
-              <a:schemeClr val="tx1"/>
-            </a:solidFill>
-            <a:prstDash val="dash"/>
-            <a:round/>
-            <a:headEnd type="none" w="med" len="med"/>
-            <a:tailEnd type="none" w="med" len="med"/>
-          </a:ln>
-          <a:effectLst/>
-        </p:spPr>
-      </p:cxnSp>
-      <p:graphicFrame>
-        <p:nvGraphicFramePr>
-          <p:cNvPr id="115" name="Data Table " descr="Table 1">
-            <a:extLst>
-              <a:ext uri="{FF2B5EF4-FFF2-40B4-BE49-F238E27FC236}">
-                <a16:creationId xmlns:a16="http://schemas.microsoft.com/office/drawing/2014/main" id="{9CD94D2B-A27E-6648-B947-ABFF965DB416}"/>
-              </a:ext>
-            </a:extLst>
-          </p:cNvPr>
-          <p:cNvGraphicFramePr>
-            <a:graphicFrameLocks noGrp="1"/>
-          </p:cNvGraphicFramePr>
-          <p:nvPr>
-            <p:extLst>
-              <p:ext uri="{D42A27DB-BD31-4B8C-83A1-F6EECF244321}">
-                <p14:modId xmlns:p14="http://schemas.microsoft.com/office/powerpoint/2010/main" val="1004122279"/>
-              </p:ext>
-            </p:extLst>
-          </p:nvPr>
-        </p:nvGraphicFramePr>
-        <p:xfrm>
-          <a:off x="12149994" y="35912179"/>
-          <a:ext cx="9154160" cy="3914516"/>
-        </p:xfrm>
-        <a:graphic>
-          <a:graphicData uri="http://schemas.openxmlformats.org/drawingml/2006/table">
-            <a:tbl>
-              <a:tblPr firstRow="1" bandRow="1">
-                <a:tableStyleId>{6E25E649-3F16-4E02-A733-19D2CDBF48F0}</a:tableStyleId>
-              </a:tblPr>
-              <a:tblGrid>
-                <a:gridCol w="2137092">
-                  <a:extLst>
-                    <a:ext uri="{9D8B030D-6E8A-4147-A177-3AD203B41FA5}">
-                      <a16:colId xmlns:a16="http://schemas.microsoft.com/office/drawing/2014/main" val="20000"/>
-                    </a:ext>
-                  </a:extLst>
-                </a:gridCol>
-                <a:gridCol w="2389504">
-                  <a:extLst>
-                    <a:ext uri="{9D8B030D-6E8A-4147-A177-3AD203B41FA5}">
-                      <a16:colId xmlns:a16="http://schemas.microsoft.com/office/drawing/2014/main" val="20001"/>
-                    </a:ext>
-                  </a:extLst>
-                </a:gridCol>
-                <a:gridCol w="2120267">
-                  <a:extLst>
-                    <a:ext uri="{9D8B030D-6E8A-4147-A177-3AD203B41FA5}">
-                      <a16:colId xmlns:a16="http://schemas.microsoft.com/office/drawing/2014/main" val="20002"/>
-                    </a:ext>
-                  </a:extLst>
-                </a:gridCol>
-                <a:gridCol w="2507297">
-                  <a:extLst>
-                    <a:ext uri="{9D8B030D-6E8A-4147-A177-3AD203B41FA5}">
-                      <a16:colId xmlns:a16="http://schemas.microsoft.com/office/drawing/2014/main" val="20003"/>
-                    </a:ext>
-                  </a:extLst>
-                </a:gridCol>
-              </a:tblGrid>
-              <a:tr h="769866">
-                <a:tc gridSpan="4">
-                  <a:txBody>
-                    <a:bodyPr/>
-                    <a:lstStyle/>
-                    <a:p>
-                      <a:pPr algn="ctr"/>
-                      <a:r>
-                        <a:rPr lang="en-US" sz="3600" dirty="0">
-                          <a:ln>
-                            <a:noFill/>
-                            <a:prstDash val="dash"/>
-                          </a:ln>
-                        </a:rPr>
-                        <a:t>Table 1 - Title</a:t>
-                      </a:r>
-                      <a:endParaRPr lang="en-US" sz="3600" b="1" dirty="0">
-                        <a:ln>
-                          <a:noFill/>
-                          <a:prstDash val="dash"/>
-                        </a:ln>
-                        <a:solidFill>
-                          <a:schemeClr val="tx1"/>
-                        </a:solidFill>
-                      </a:endParaRPr>
-                    </a:p>
-                  </a:txBody>
-                  <a:tcPr marL="0" marR="0" marT="0" marB="0" anchor="ctr">
-                    <a:lnL w="12700" cap="flat" cmpd="sng" algn="ctr">
-                      <a:noFill/>
-                      <a:prstDash val="solid"/>
-                      <a:round/>
-                      <a:headEnd type="none" w="med" len="med"/>
-                      <a:tailEnd type="none" w="med" len="med"/>
-                    </a:lnL>
-                    <a:lnR w="12700" cap="flat" cmpd="sng" algn="ctr">
-                      <a:noFill/>
-                      <a:prstDash val="solid"/>
-                      <a:round/>
-                      <a:headEnd type="none" w="med" len="med"/>
-                      <a:tailEnd type="none" w="med" len="med"/>
-                    </a:lnR>
-                    <a:lnT w="12700" cap="flat" cmpd="sng" algn="ctr">
-                      <a:noFill/>
-                      <a:prstDash val="solid"/>
-                      <a:round/>
-                      <a:headEnd type="none" w="med" len="med"/>
-                      <a:tailEnd type="none" w="med" len="med"/>
-                    </a:lnT>
-                    <a:lnB w="76200" cap="flat" cmpd="sng" algn="ctr">
-                      <a:solidFill>
-                        <a:schemeClr val="bg1"/>
-                      </a:solidFill>
-                      <a:prstDash val="solid"/>
-                      <a:round/>
-                      <a:headEnd type="none" w="med" len="med"/>
-                      <a:tailEnd type="none" w="med" len="med"/>
-                    </a:lnB>
-                    <a:lnTlToBr w="12700" cmpd="sng">
-                      <a:noFill/>
-                      <a:prstDash val="solid"/>
-                    </a:lnTlToBr>
-                    <a:lnBlToTr w="12700" cmpd="sng">
-                      <a:noFill/>
-                      <a:prstDash val="solid"/>
-                    </a:lnBlToTr>
-                  </a:tcPr>
-                </a:tc>
-                <a:tc hMerge="1">
-                  <a:txBody>
-                    <a:bodyPr/>
-                    <a:lstStyle/>
-                    <a:p>
-                      <a:endParaRPr lang="en-US" dirty="0"/>
-                    </a:p>
-                  </a:txBody>
-                  <a:tcPr>
-                    <a:lnL w="12700" cap="flat" cmpd="sng" algn="ctr">
-                      <a:noFill/>
-                      <a:prstDash val="solid"/>
-                      <a:round/>
-                      <a:headEnd type="none" w="med" len="med"/>
-                      <a:tailEnd type="none" w="med" len="med"/>
-                    </a:lnL>
-                    <a:lnR w="12700" cap="flat" cmpd="sng" algn="ctr">
-                      <a:noFill/>
-                      <a:prstDash val="solid"/>
-                      <a:round/>
-                      <a:headEnd type="none" w="med" len="med"/>
-                      <a:tailEnd type="none" w="med" len="med"/>
-                    </a:lnR>
-                    <a:lnT w="12700" cap="flat" cmpd="sng" algn="ctr">
-                      <a:noFill/>
-                      <a:prstDash val="solid"/>
-                      <a:round/>
-                      <a:headEnd type="none" w="med" len="med"/>
-                      <a:tailEnd type="none" w="med" len="med"/>
-                    </a:lnT>
-                    <a:lnB w="12700" cap="flat" cmpd="sng" algn="ctr">
-                      <a:noFill/>
-                      <a:prstDash val="solid"/>
-                      <a:round/>
-                      <a:headEnd type="none" w="med" len="med"/>
-                      <a:tailEnd type="none" w="med" len="med"/>
-                    </a:lnB>
-                    <a:lnTlToBr w="12700" cmpd="sng">
-                      <a:noFill/>
-                      <a:prstDash val="solid"/>
-                    </a:lnTlToBr>
-                    <a:lnBlToTr w="12700" cmpd="sng">
-                      <a:noFill/>
-                      <a:prstDash val="solid"/>
-                    </a:lnBlToTr>
-                    <a:solidFill>
-                      <a:schemeClr val="tx2"/>
-                    </a:solidFill>
-                  </a:tcPr>
-                </a:tc>
-                <a:tc hMerge="1">
-                  <a:txBody>
-                    <a:bodyPr/>
-                    <a:lstStyle/>
-                    <a:p>
-                      <a:endParaRPr lang="en-US"/>
-                    </a:p>
-                  </a:txBody>
-                  <a:tcPr>
-                    <a:lnL w="12700" cap="flat" cmpd="sng" algn="ctr">
-                      <a:noFill/>
-                      <a:prstDash val="solid"/>
-                      <a:round/>
-                      <a:headEnd type="none" w="med" len="med"/>
-                      <a:tailEnd type="none" w="med" len="med"/>
-                    </a:lnL>
-                    <a:lnR w="12700" cap="flat" cmpd="sng" algn="ctr">
-                      <a:noFill/>
-                      <a:prstDash val="solid"/>
-                      <a:round/>
-                      <a:headEnd type="none" w="med" len="med"/>
-                      <a:tailEnd type="none" w="med" len="med"/>
-                    </a:lnR>
-                    <a:lnT w="12700" cap="flat" cmpd="sng" algn="ctr">
-                      <a:noFill/>
-                      <a:prstDash val="solid"/>
-                      <a:round/>
-                      <a:headEnd type="none" w="med" len="med"/>
-                      <a:tailEnd type="none" w="med" len="med"/>
-                    </a:lnT>
-                    <a:lnB w="12700" cap="flat" cmpd="sng" algn="ctr">
-                      <a:noFill/>
-                      <a:prstDash val="solid"/>
-                      <a:round/>
-                      <a:headEnd type="none" w="med" len="med"/>
-                      <a:tailEnd type="none" w="med" len="med"/>
-                    </a:lnB>
-                    <a:lnTlToBr w="12700" cmpd="sng">
-                      <a:noFill/>
-                      <a:prstDash val="solid"/>
-                    </a:lnTlToBr>
-                    <a:lnBlToTr w="12700" cmpd="sng">
-                      <a:noFill/>
-                      <a:prstDash val="solid"/>
-                    </a:lnBlToTr>
-                    <a:solidFill>
-                      <a:schemeClr val="tx2"/>
-                    </a:solidFill>
-                  </a:tcPr>
-                </a:tc>
-                <a:tc hMerge="1">
-                  <a:txBody>
-                    <a:bodyPr/>
-                    <a:lstStyle/>
-                    <a:p>
-                      <a:endParaRPr lang="en-US" dirty="0">
-                        <a:ln>
-                          <a:solidFill>
-                            <a:schemeClr val="tx1"/>
-                          </a:solidFill>
-                          <a:prstDash val="dash"/>
-                        </a:ln>
-                      </a:endParaRPr>
-                    </a:p>
-                  </a:txBody>
-                  <a:tcPr>
-                    <a:lnL w="12700" cap="flat" cmpd="sng" algn="ctr">
-                      <a:noFill/>
-                      <a:prstDash val="sysDash"/>
-                      <a:round/>
-                      <a:headEnd type="none" w="med" len="med"/>
-                      <a:tailEnd type="none" w="med" len="med"/>
-                    </a:lnL>
-                    <a:lnR w="3175" cap="flat" cmpd="sng" algn="ctr">
-                      <a:solidFill>
-                        <a:schemeClr val="bg2">
-                          <a:lumMod val="75000"/>
-                        </a:schemeClr>
-                      </a:solidFill>
-                      <a:prstDash val="sysDash"/>
-                      <a:round/>
-                      <a:headEnd type="none" w="med" len="med"/>
-                      <a:tailEnd type="none" w="med" len="med"/>
-                    </a:lnR>
-                    <a:lnT w="3175" cap="flat" cmpd="sng" algn="ctr">
-                      <a:solidFill>
-                        <a:schemeClr val="bg2">
-                          <a:lumMod val="75000"/>
-                        </a:schemeClr>
-                      </a:solidFill>
-                      <a:prstDash val="sysDash"/>
-                      <a:round/>
-                      <a:headEnd type="none" w="med" len="med"/>
-                      <a:tailEnd type="none" w="med" len="med"/>
-                    </a:lnT>
-                    <a:lnB w="12700" cap="flat" cmpd="sng" algn="ctr">
-                      <a:noFill/>
-                      <a:prstDash val="solid"/>
-                      <a:round/>
-                      <a:headEnd type="none" w="med" len="med"/>
-                      <a:tailEnd type="none" w="med" len="med"/>
-                    </a:lnB>
-                    <a:lnTlToBr w="12700" cmpd="sng">
-                      <a:noFill/>
-                      <a:prstDash val="solid"/>
-                    </a:lnTlToBr>
-                    <a:lnBlToTr w="12700" cmpd="sng">
-                      <a:noFill/>
-                      <a:prstDash val="solid"/>
-                    </a:lnBlToTr>
-                    <a:solidFill>
-                      <a:schemeClr val="tx2"/>
-                    </a:solidFill>
-                  </a:tcPr>
-                </a:tc>
-                <a:extLst>
-                  <a:ext uri="{0D108BD9-81ED-4DB2-BD59-A6C34878D82A}">
-                    <a16:rowId xmlns:a16="http://schemas.microsoft.com/office/drawing/2014/main" val="10000"/>
-                  </a:ext>
-                </a:extLst>
-              </a:tr>
-              <a:tr h="604732">
-                <a:tc>
-                  <a:txBody>
-                    <a:bodyPr/>
-                    <a:lstStyle/>
-                    <a:p>
-                      <a:pPr algn="ctr"/>
-                      <a:r>
-                        <a:rPr lang="en-US" sz="3600" cap="none" spc="0" dirty="0">
-                          <a:ln>
-                            <a:noFill/>
-                          </a:ln>
-                          <a:effectLst/>
-                        </a:rPr>
-                        <a:t>8.01</a:t>
-                      </a:r>
-                      <a:endParaRPr lang="en-US" sz="3600" b="0" cap="none" spc="0" dirty="0">
-                        <a:ln>
-                          <a:noFill/>
-                        </a:ln>
-                        <a:solidFill>
-                          <a:schemeClr val="tx1"/>
-                        </a:solidFill>
-                        <a:effectLst/>
-                      </a:endParaRPr>
-                    </a:p>
-                  </a:txBody>
-                  <a:tcPr marL="80289" marR="80289" marT="40145" marB="40145" anchor="ctr">
-                    <a:lnL w="12700" cap="flat" cmpd="sng" algn="ctr">
-                      <a:noFill/>
-                      <a:prstDash val="solid"/>
-                      <a:round/>
-                      <a:headEnd type="none" w="med" len="med"/>
-                      <a:tailEnd type="none" w="med" len="med"/>
-                    </a:lnL>
-                    <a:lnR>
-                      <a:noFill/>
-                    </a:lnR>
-                    <a:lnT w="76200" cap="flat" cmpd="sng" algn="ctr">
-                      <a:solidFill>
-                        <a:schemeClr val="bg1"/>
-                      </a:solidFill>
-                      <a:prstDash val="solid"/>
-                      <a:round/>
-                      <a:headEnd type="none" w="med" len="med"/>
-                      <a:tailEnd type="none" w="med" len="med"/>
-                    </a:lnT>
-                    <a:lnB>
-                      <a:noFill/>
-                    </a:lnB>
-                    <a:lnTlToBr w="12700" cmpd="sng">
-                      <a:noFill/>
-                      <a:prstDash val="solid"/>
-                    </a:lnTlToBr>
-                    <a:lnBlToTr w="12700" cmpd="sng">
-                      <a:noFill/>
-                      <a:prstDash val="solid"/>
-                    </a:lnBlToTr>
-                  </a:tcPr>
-                </a:tc>
-                <a:tc>
-                  <a:txBody>
-                    <a:bodyPr/>
-                    <a:lstStyle/>
-                    <a:p>
-                      <a:pPr algn="ctr"/>
-                      <a:r>
-                        <a:rPr lang="en-US" sz="3600" cap="none" spc="0" dirty="0">
-                          <a:ln>
-                            <a:noFill/>
-                          </a:ln>
-                          <a:effectLst/>
-                        </a:rPr>
-                        <a:t>7.99</a:t>
-                      </a:r>
-                      <a:endParaRPr lang="en-US" sz="3600" b="0" cap="none" spc="0" dirty="0">
-                        <a:ln>
-                          <a:noFill/>
-                        </a:ln>
-                        <a:solidFill>
-                          <a:schemeClr val="tx1"/>
-                        </a:solidFill>
-                        <a:effectLst/>
-                      </a:endParaRPr>
-                    </a:p>
-                  </a:txBody>
-                  <a:tcPr marL="80289" marR="80289" marT="40145" marB="40145" anchor="ctr">
-                    <a:lnL>
-                      <a:noFill/>
-                    </a:lnL>
-                    <a:lnR>
-                      <a:noFill/>
-                    </a:lnR>
-                    <a:lnT w="76200" cap="flat" cmpd="sng" algn="ctr">
-                      <a:solidFill>
-                        <a:schemeClr val="bg1"/>
-                      </a:solidFill>
-                      <a:prstDash val="solid"/>
-                      <a:round/>
-                      <a:headEnd type="none" w="med" len="med"/>
-                      <a:tailEnd type="none" w="med" len="med"/>
-                    </a:lnT>
-                    <a:lnB>
-                      <a:noFill/>
-                    </a:lnB>
-                    <a:lnTlToBr w="12700" cmpd="sng">
-                      <a:noFill/>
-                      <a:prstDash val="solid"/>
-                    </a:lnTlToBr>
-                    <a:lnBlToTr w="12700" cmpd="sng">
-                      <a:noFill/>
-                      <a:prstDash val="solid"/>
-                    </a:lnBlToTr>
-                  </a:tcPr>
-                </a:tc>
-                <a:tc>
-                  <a:txBody>
-                    <a:bodyPr/>
-                    <a:lstStyle/>
-                    <a:p>
-                      <a:pPr marL="0" marR="0" indent="0" algn="ctr" defTabSz="457200" rtl="0" eaLnBrk="1" fontAlgn="auto" latinLnBrk="0" hangingPunct="1">
-                        <a:lnSpc>
-                          <a:spcPct val="100000"/>
-                        </a:lnSpc>
-                        <a:spcBef>
-                          <a:spcPts val="0"/>
-                        </a:spcBef>
-                        <a:spcAft>
-                          <a:spcPts val="0"/>
-                        </a:spcAft>
-                        <a:buClrTx/>
-                        <a:buSzTx/>
-                        <a:buFontTx/>
-                        <a:buNone/>
-                        <a:tabLst/>
-                        <a:defRPr/>
-                      </a:pPr>
-                      <a:r>
-                        <a:rPr lang="en-US" sz="3600" cap="none" spc="0" dirty="0">
-                          <a:ln>
-                            <a:noFill/>
-                          </a:ln>
-                          <a:effectLst/>
-                        </a:rPr>
-                        <a:t>5.77</a:t>
-                      </a:r>
-                      <a:endParaRPr lang="en-US" sz="3600" b="0" cap="none" spc="0" dirty="0">
-                        <a:ln>
-                          <a:noFill/>
-                        </a:ln>
-                        <a:solidFill>
-                          <a:schemeClr val="tx1"/>
-                        </a:solidFill>
-                        <a:effectLst/>
-                      </a:endParaRPr>
-                    </a:p>
-                  </a:txBody>
-                  <a:tcPr marL="80289" marR="80289" marT="40145" marB="40145" anchor="ctr">
-                    <a:lnL>
-                      <a:noFill/>
-                    </a:lnL>
-                    <a:lnR>
-                      <a:noFill/>
-                    </a:lnR>
-                    <a:lnT w="76200" cap="flat" cmpd="sng" algn="ctr">
-                      <a:solidFill>
-                        <a:schemeClr val="bg1"/>
-                      </a:solidFill>
-                      <a:prstDash val="solid"/>
-                      <a:round/>
-                      <a:headEnd type="none" w="med" len="med"/>
-                      <a:tailEnd type="none" w="med" len="med"/>
-                    </a:lnT>
-                    <a:lnB>
-                      <a:noFill/>
-                    </a:lnB>
-                    <a:lnTlToBr w="12700" cmpd="sng">
-                      <a:noFill/>
-                      <a:prstDash val="solid"/>
-                    </a:lnTlToBr>
-                    <a:lnBlToTr w="12700" cmpd="sng">
-                      <a:noFill/>
-                      <a:prstDash val="solid"/>
-                    </a:lnBlToTr>
-                  </a:tcPr>
-                </a:tc>
-                <a:tc>
-                  <a:txBody>
-                    <a:bodyPr/>
-                    <a:lstStyle/>
-                    <a:p>
-                      <a:pPr marL="0" marR="0" indent="0" algn="ctr" defTabSz="457200" rtl="0" eaLnBrk="1" fontAlgn="auto" latinLnBrk="0" hangingPunct="1">
-                        <a:lnSpc>
-                          <a:spcPct val="100000"/>
-                        </a:lnSpc>
-                        <a:spcBef>
-                          <a:spcPts val="0"/>
-                        </a:spcBef>
-                        <a:spcAft>
-                          <a:spcPts val="0"/>
-                        </a:spcAft>
-                        <a:buClrTx/>
-                        <a:buSzTx/>
-                        <a:buFontTx/>
-                        <a:buNone/>
-                        <a:tabLst/>
-                        <a:defRPr/>
-                      </a:pPr>
-                      <a:r>
-                        <a:rPr lang="en-US" sz="3600" cap="none" spc="0" dirty="0">
-                          <a:ln>
-                            <a:noFill/>
-                          </a:ln>
-                          <a:effectLst/>
-                        </a:rPr>
-                        <a:t>6.44</a:t>
-                      </a:r>
-                      <a:endParaRPr lang="en-US" sz="3600" b="0" cap="none" spc="0" dirty="0">
-                        <a:ln>
-                          <a:noFill/>
-                        </a:ln>
-                        <a:solidFill>
-                          <a:schemeClr val="tx1"/>
-                        </a:solidFill>
-                        <a:effectLst/>
-                      </a:endParaRPr>
-                    </a:p>
-                  </a:txBody>
-                  <a:tcPr marL="80289" marR="80289" marT="40145" marB="40145" anchor="ctr">
-                    <a:lnL>
-                      <a:noFill/>
-                    </a:lnL>
-                    <a:lnR w="12700" cap="flat" cmpd="sng" algn="ctr">
-                      <a:noFill/>
-                      <a:prstDash val="solid"/>
-                      <a:round/>
-                      <a:headEnd type="none" w="med" len="med"/>
-                      <a:tailEnd type="none" w="med" len="med"/>
-                    </a:lnR>
-                    <a:lnT w="76200" cap="flat" cmpd="sng" algn="ctr">
-                      <a:solidFill>
-                        <a:schemeClr val="bg1"/>
-                      </a:solidFill>
-                      <a:prstDash val="solid"/>
-                      <a:round/>
-                      <a:headEnd type="none" w="med" len="med"/>
-                      <a:tailEnd type="none" w="med" len="med"/>
-                    </a:lnT>
-                    <a:lnB>
-                      <a:noFill/>
-                    </a:lnB>
-                    <a:lnTlToBr w="12700" cmpd="sng">
-                      <a:noFill/>
-                      <a:prstDash val="solid"/>
-                    </a:lnTlToBr>
-                    <a:lnBlToTr w="12700" cmpd="sng">
-                      <a:noFill/>
-                      <a:prstDash val="solid"/>
-                    </a:lnBlToTr>
-                  </a:tcPr>
-                </a:tc>
-                <a:extLst>
-                  <a:ext uri="{0D108BD9-81ED-4DB2-BD59-A6C34878D82A}">
-                    <a16:rowId xmlns:a16="http://schemas.microsoft.com/office/drawing/2014/main" val="10001"/>
-                  </a:ext>
-                </a:extLst>
-              </a:tr>
-              <a:tr h="612544">
-                <a:tc>
-                  <a:txBody>
-                    <a:bodyPr/>
-                    <a:lstStyle/>
-                    <a:p>
-                      <a:pPr marL="0" marR="0" indent="0" algn="ctr" defTabSz="457200" rtl="0" eaLnBrk="1" fontAlgn="auto" latinLnBrk="0" hangingPunct="1">
-                        <a:lnSpc>
-                          <a:spcPct val="100000"/>
-                        </a:lnSpc>
-                        <a:spcBef>
-                          <a:spcPts val="0"/>
-                        </a:spcBef>
-                        <a:spcAft>
-                          <a:spcPts val="0"/>
-                        </a:spcAft>
-                        <a:buClrTx/>
-                        <a:buSzTx/>
-                        <a:buFontTx/>
-                        <a:buNone/>
-                        <a:tabLst/>
-                        <a:defRPr/>
-                      </a:pPr>
-                      <a:r>
-                        <a:rPr lang="en-US" sz="3600" cap="none" spc="0" dirty="0">
-                          <a:ln>
-                            <a:noFill/>
-                          </a:ln>
-                          <a:effectLst/>
-                        </a:rPr>
-                        <a:t>4.50</a:t>
-                      </a:r>
-                      <a:endParaRPr lang="en-US" sz="3600" b="0" cap="none" spc="0" dirty="0">
-                        <a:ln>
-                          <a:noFill/>
-                        </a:ln>
-                        <a:solidFill>
-                          <a:schemeClr val="tx1"/>
-                        </a:solidFill>
-                        <a:effectLst/>
-                      </a:endParaRPr>
-                    </a:p>
-                  </a:txBody>
-                  <a:tcPr marL="80289" marR="80289" marT="40145" marB="40145" anchor="ctr">
-                    <a:lnL w="12700" cap="flat" cmpd="sng" algn="ctr">
-                      <a:noFill/>
-                      <a:prstDash val="solid"/>
-                      <a:round/>
-                      <a:headEnd type="none" w="med" len="med"/>
-                      <a:tailEnd type="none" w="med" len="med"/>
-                    </a:lnL>
-                    <a:lnR>
-                      <a:noFill/>
-                    </a:lnR>
-                    <a:lnT>
-                      <a:noFill/>
-                    </a:lnT>
-                    <a:lnB>
-                      <a:noFill/>
-                    </a:lnB>
-                    <a:lnTlToBr w="12700" cmpd="sng">
-                      <a:noFill/>
-                      <a:prstDash val="solid"/>
-                    </a:lnTlToBr>
-                    <a:lnBlToTr w="12700" cmpd="sng">
-                      <a:noFill/>
-                      <a:prstDash val="solid"/>
-                    </a:lnBlToTr>
-                  </a:tcPr>
-                </a:tc>
-                <a:tc>
-                  <a:txBody>
-                    <a:bodyPr/>
-                    <a:lstStyle/>
-                    <a:p>
-                      <a:pPr marL="0" marR="0" indent="0" algn="ctr" defTabSz="457200" rtl="0" eaLnBrk="1" fontAlgn="auto" latinLnBrk="0" hangingPunct="1">
-                        <a:lnSpc>
-                          <a:spcPct val="100000"/>
-                        </a:lnSpc>
-                        <a:spcBef>
-                          <a:spcPts val="0"/>
-                        </a:spcBef>
-                        <a:spcAft>
-                          <a:spcPts val="0"/>
-                        </a:spcAft>
-                        <a:buClrTx/>
-                        <a:buSzTx/>
-                        <a:buFontTx/>
-                        <a:buNone/>
-                        <a:tabLst/>
-                        <a:defRPr/>
-                      </a:pPr>
-                      <a:r>
-                        <a:rPr lang="en-US" sz="3600" cap="none" spc="0" dirty="0">
-                          <a:ln>
-                            <a:noFill/>
-                          </a:ln>
-                          <a:effectLst/>
-                        </a:rPr>
-                        <a:t>3.11</a:t>
-                      </a:r>
-                      <a:endParaRPr lang="en-US" sz="3600" b="0" cap="none" spc="0" dirty="0">
-                        <a:ln>
-                          <a:noFill/>
-                        </a:ln>
-                        <a:solidFill>
-                          <a:schemeClr val="tx1"/>
-                        </a:solidFill>
-                        <a:effectLst/>
-                      </a:endParaRPr>
-                    </a:p>
-                  </a:txBody>
-                  <a:tcPr marL="80289" marR="80289" marT="40145" marB="40145" anchor="ctr">
-                    <a:lnL>
-                      <a:noFill/>
-                    </a:lnL>
-                    <a:lnR>
-                      <a:noFill/>
-                    </a:lnR>
-                    <a:lnT>
-                      <a:noFill/>
-                    </a:lnT>
-                    <a:lnB>
-                      <a:noFill/>
-                    </a:lnB>
-                    <a:lnTlToBr w="12700" cmpd="sng">
-                      <a:noFill/>
-                      <a:prstDash val="solid"/>
-                    </a:lnTlToBr>
-                    <a:lnBlToTr w="12700" cmpd="sng">
-                      <a:noFill/>
-                      <a:prstDash val="solid"/>
-                    </a:lnBlToTr>
-                  </a:tcPr>
-                </a:tc>
-                <a:tc>
-                  <a:txBody>
-                    <a:bodyPr/>
-                    <a:lstStyle/>
-                    <a:p>
-                      <a:pPr marL="0" marR="0" indent="0" algn="ctr" defTabSz="457200" rtl="0" eaLnBrk="1" fontAlgn="auto" latinLnBrk="0" hangingPunct="1">
-                        <a:lnSpc>
-                          <a:spcPct val="100000"/>
-                        </a:lnSpc>
-                        <a:spcBef>
-                          <a:spcPts val="0"/>
-                        </a:spcBef>
-                        <a:spcAft>
-                          <a:spcPts val="0"/>
-                        </a:spcAft>
-                        <a:buClrTx/>
-                        <a:buSzTx/>
-                        <a:buFontTx/>
-                        <a:buNone/>
-                        <a:tabLst/>
-                        <a:defRPr/>
-                      </a:pPr>
-                      <a:r>
-                        <a:rPr lang="en-US" sz="3600" cap="none" spc="0" dirty="0">
-                          <a:ln>
-                            <a:noFill/>
-                          </a:ln>
-                          <a:effectLst/>
-                        </a:rPr>
-                        <a:t>9.55</a:t>
-                      </a:r>
-                      <a:endParaRPr lang="en-US" sz="3600" b="0" cap="none" spc="0" dirty="0">
-                        <a:ln>
-                          <a:noFill/>
-                        </a:ln>
-                        <a:solidFill>
-                          <a:schemeClr val="tx1"/>
-                        </a:solidFill>
-                        <a:effectLst/>
-                      </a:endParaRPr>
-                    </a:p>
-                  </a:txBody>
-                  <a:tcPr marL="80289" marR="80289" marT="40145" marB="40145" anchor="ctr">
-                    <a:lnL>
-                      <a:noFill/>
-                    </a:lnL>
-                    <a:lnR>
-                      <a:noFill/>
-                    </a:lnR>
-                    <a:lnT>
-                      <a:noFill/>
-                    </a:lnT>
-                    <a:lnB>
-                      <a:noFill/>
-                    </a:lnB>
-                    <a:lnTlToBr w="12700" cmpd="sng">
-                      <a:noFill/>
-                      <a:prstDash val="solid"/>
-                    </a:lnTlToBr>
-                    <a:lnBlToTr w="12700" cmpd="sng">
-                      <a:noFill/>
-                      <a:prstDash val="solid"/>
-                    </a:lnBlToTr>
-                  </a:tcPr>
-                </a:tc>
-                <a:tc>
-                  <a:txBody>
-                    <a:bodyPr/>
-                    <a:lstStyle/>
-                    <a:p>
-                      <a:pPr marL="0" marR="0" indent="0" algn="ctr" defTabSz="457200" rtl="0" eaLnBrk="1" fontAlgn="auto" latinLnBrk="0" hangingPunct="1">
-                        <a:lnSpc>
-                          <a:spcPct val="100000"/>
-                        </a:lnSpc>
-                        <a:spcBef>
-                          <a:spcPts val="0"/>
-                        </a:spcBef>
-                        <a:spcAft>
-                          <a:spcPts val="0"/>
-                        </a:spcAft>
-                        <a:buClrTx/>
-                        <a:buSzTx/>
-                        <a:buFontTx/>
-                        <a:buNone/>
-                        <a:tabLst/>
-                        <a:defRPr/>
-                      </a:pPr>
-                      <a:r>
-                        <a:rPr lang="en-US" sz="3600" cap="none" spc="0" dirty="0">
-                          <a:ln>
-                            <a:noFill/>
-                          </a:ln>
-                          <a:effectLst/>
-                        </a:rPr>
-                        <a:t>1.12</a:t>
-                      </a:r>
-                      <a:endParaRPr lang="en-US" sz="3600" b="0" cap="none" spc="0" dirty="0">
-                        <a:ln>
-                          <a:noFill/>
-                        </a:ln>
-                        <a:solidFill>
-                          <a:schemeClr val="tx1"/>
-                        </a:solidFill>
-                        <a:effectLst/>
-                      </a:endParaRPr>
-                    </a:p>
-                  </a:txBody>
-                  <a:tcPr marL="80289" marR="80289" marT="40145" marB="40145" anchor="ctr">
-                    <a:lnL>
-                      <a:noFill/>
-                    </a:lnL>
-                    <a:lnR w="12700" cap="flat" cmpd="sng" algn="ctr">
-                      <a:noFill/>
-                      <a:prstDash val="solid"/>
-                      <a:round/>
-                      <a:headEnd type="none" w="med" len="med"/>
-                      <a:tailEnd type="none" w="med" len="med"/>
-                    </a:lnR>
-                    <a:lnT>
-                      <a:noFill/>
-                    </a:lnT>
-                    <a:lnB>
-                      <a:noFill/>
-                    </a:lnB>
-                    <a:lnTlToBr w="12700" cmpd="sng">
-                      <a:noFill/>
-                      <a:prstDash val="solid"/>
-                    </a:lnTlToBr>
-                    <a:lnBlToTr w="12700" cmpd="sng">
-                      <a:noFill/>
-                      <a:prstDash val="solid"/>
-                    </a:lnBlToTr>
-                  </a:tcPr>
-                </a:tc>
-                <a:extLst>
-                  <a:ext uri="{0D108BD9-81ED-4DB2-BD59-A6C34878D82A}">
-                    <a16:rowId xmlns:a16="http://schemas.microsoft.com/office/drawing/2014/main" val="10002"/>
-                  </a:ext>
-                </a:extLst>
-              </a:tr>
-              <a:tr h="608636">
-                <a:tc>
-                  <a:txBody>
-                    <a:bodyPr/>
-                    <a:lstStyle/>
-                    <a:p>
-                      <a:pPr marL="0" marR="0" indent="0" algn="ctr" defTabSz="457200" rtl="0" eaLnBrk="1" fontAlgn="auto" latinLnBrk="0" hangingPunct="1">
-                        <a:lnSpc>
-                          <a:spcPct val="100000"/>
-                        </a:lnSpc>
-                        <a:spcBef>
-                          <a:spcPts val="0"/>
-                        </a:spcBef>
-                        <a:spcAft>
-                          <a:spcPts val="0"/>
-                        </a:spcAft>
-                        <a:buClrTx/>
-                        <a:buSzTx/>
-                        <a:buFontTx/>
-                        <a:buNone/>
-                        <a:tabLst/>
-                        <a:defRPr/>
-                      </a:pPr>
-                      <a:r>
-                        <a:rPr lang="en-US" sz="3600" cap="none" spc="0" dirty="0">
-                          <a:ln>
-                            <a:noFill/>
-                          </a:ln>
-                          <a:effectLst/>
-                        </a:rPr>
-                        <a:t>6.15</a:t>
-                      </a:r>
-                      <a:endParaRPr lang="en-US" sz="3600" b="0" cap="none" spc="0" dirty="0">
-                        <a:ln>
-                          <a:noFill/>
-                        </a:ln>
-                        <a:solidFill>
-                          <a:schemeClr val="tx1"/>
-                        </a:solidFill>
-                        <a:effectLst/>
-                      </a:endParaRPr>
-                    </a:p>
-                  </a:txBody>
-                  <a:tcPr marL="80289" marR="80289" marT="40145" marB="40145" anchor="ctr">
-                    <a:lnL w="12700" cap="flat" cmpd="sng" algn="ctr">
-                      <a:noFill/>
-                      <a:prstDash val="solid"/>
-                      <a:round/>
-                      <a:headEnd type="none" w="med" len="med"/>
-                      <a:tailEnd type="none" w="med" len="med"/>
-                    </a:lnL>
-                    <a:lnR>
-                      <a:noFill/>
-                    </a:lnR>
-                    <a:lnT>
-                      <a:noFill/>
-                    </a:lnT>
-                    <a:lnB>
-                      <a:noFill/>
-                    </a:lnB>
-                    <a:lnTlToBr w="12700" cmpd="sng">
-                      <a:noFill/>
-                      <a:prstDash val="solid"/>
-                    </a:lnTlToBr>
-                    <a:lnBlToTr w="12700" cmpd="sng">
-                      <a:noFill/>
-                      <a:prstDash val="solid"/>
-                    </a:lnBlToTr>
-                  </a:tcPr>
-                </a:tc>
-                <a:tc>
-                  <a:txBody>
-                    <a:bodyPr/>
-                    <a:lstStyle/>
-                    <a:p>
-                      <a:pPr marL="0" marR="0" indent="0" algn="ctr" defTabSz="457200" rtl="0" eaLnBrk="1" fontAlgn="auto" latinLnBrk="0" hangingPunct="1">
-                        <a:lnSpc>
-                          <a:spcPct val="100000"/>
-                        </a:lnSpc>
-                        <a:spcBef>
-                          <a:spcPts val="0"/>
-                        </a:spcBef>
-                        <a:spcAft>
-                          <a:spcPts val="0"/>
-                        </a:spcAft>
-                        <a:buClrTx/>
-                        <a:buSzTx/>
-                        <a:buFontTx/>
-                        <a:buNone/>
-                        <a:tabLst/>
-                        <a:defRPr/>
-                      </a:pPr>
-                      <a:r>
-                        <a:rPr lang="en-US" sz="3600" cap="none" spc="0" dirty="0">
-                          <a:ln>
-                            <a:noFill/>
-                          </a:ln>
-                          <a:effectLst/>
-                        </a:rPr>
-                        <a:t>8.00</a:t>
-                      </a:r>
-                      <a:endParaRPr lang="en-US" sz="3600" b="0" cap="none" spc="0" dirty="0">
-                        <a:ln>
-                          <a:noFill/>
-                        </a:ln>
-                        <a:solidFill>
-                          <a:schemeClr val="tx1"/>
-                        </a:solidFill>
-                        <a:effectLst/>
-                      </a:endParaRPr>
-                    </a:p>
-                  </a:txBody>
-                  <a:tcPr marL="80289" marR="80289" marT="40145" marB="40145" anchor="ctr">
-                    <a:lnL>
-                      <a:noFill/>
-                    </a:lnL>
-                    <a:lnR>
-                      <a:noFill/>
-                    </a:lnR>
-                    <a:lnT>
-                      <a:noFill/>
-                    </a:lnT>
-                    <a:lnB>
-                      <a:noFill/>
-                    </a:lnB>
-                    <a:lnTlToBr w="12700" cmpd="sng">
-                      <a:noFill/>
-                      <a:prstDash val="solid"/>
-                    </a:lnTlToBr>
-                    <a:lnBlToTr w="12700" cmpd="sng">
-                      <a:noFill/>
-                      <a:prstDash val="solid"/>
-                    </a:lnBlToTr>
-                  </a:tcPr>
-                </a:tc>
-                <a:tc>
-                  <a:txBody>
-                    <a:bodyPr/>
-                    <a:lstStyle/>
-                    <a:p>
-                      <a:pPr marL="0" marR="0" indent="0" algn="ctr" defTabSz="457200" rtl="0" eaLnBrk="1" fontAlgn="auto" latinLnBrk="0" hangingPunct="1">
-                        <a:lnSpc>
-                          <a:spcPct val="100000"/>
-                        </a:lnSpc>
-                        <a:spcBef>
-                          <a:spcPts val="0"/>
-                        </a:spcBef>
-                        <a:spcAft>
-                          <a:spcPts val="0"/>
-                        </a:spcAft>
-                        <a:buClrTx/>
-                        <a:buSzTx/>
-                        <a:buFontTx/>
-                        <a:buNone/>
-                        <a:tabLst/>
-                        <a:defRPr/>
-                      </a:pPr>
-                      <a:r>
-                        <a:rPr lang="en-US" sz="3600" cap="none" spc="0" dirty="0">
-                          <a:ln>
-                            <a:noFill/>
-                          </a:ln>
-                          <a:effectLst/>
-                        </a:rPr>
-                        <a:t>6.18</a:t>
-                      </a:r>
-                      <a:endParaRPr lang="en-US" sz="3600" b="0" cap="none" spc="0" dirty="0">
-                        <a:ln>
-                          <a:noFill/>
-                        </a:ln>
-                        <a:solidFill>
-                          <a:schemeClr val="tx1"/>
-                        </a:solidFill>
-                        <a:effectLst/>
-                      </a:endParaRPr>
-                    </a:p>
-                  </a:txBody>
-                  <a:tcPr marL="80289" marR="80289" marT="40145" marB="40145" anchor="ctr">
-                    <a:lnL>
-                      <a:noFill/>
-                    </a:lnL>
-                    <a:lnR>
-                      <a:noFill/>
-                    </a:lnR>
-                    <a:lnT>
-                      <a:noFill/>
-                    </a:lnT>
-                    <a:lnB>
-                      <a:noFill/>
-                    </a:lnB>
-                    <a:lnTlToBr w="12700" cmpd="sng">
-                      <a:noFill/>
-                      <a:prstDash val="solid"/>
-                    </a:lnTlToBr>
-                    <a:lnBlToTr w="12700" cmpd="sng">
-                      <a:noFill/>
-                      <a:prstDash val="solid"/>
-                    </a:lnBlToTr>
-                  </a:tcPr>
-                </a:tc>
-                <a:tc>
-                  <a:txBody>
-                    <a:bodyPr/>
-                    <a:lstStyle/>
-                    <a:p>
-                      <a:pPr marL="0" marR="0" indent="0" algn="ctr" defTabSz="457200" rtl="0" eaLnBrk="1" fontAlgn="auto" latinLnBrk="0" hangingPunct="1">
-                        <a:lnSpc>
-                          <a:spcPct val="100000"/>
-                        </a:lnSpc>
-                        <a:spcBef>
-                          <a:spcPts val="0"/>
-                        </a:spcBef>
-                        <a:spcAft>
-                          <a:spcPts val="0"/>
-                        </a:spcAft>
-                        <a:buClrTx/>
-                        <a:buSzTx/>
-                        <a:buFontTx/>
-                        <a:buNone/>
-                        <a:tabLst/>
-                        <a:defRPr/>
-                      </a:pPr>
-                      <a:r>
-                        <a:rPr lang="en-US" sz="3600" cap="none" spc="0" dirty="0">
-                          <a:ln>
-                            <a:noFill/>
-                          </a:ln>
-                          <a:effectLst/>
-                        </a:rPr>
-                        <a:t>5.65</a:t>
-                      </a:r>
-                      <a:endParaRPr lang="en-US" sz="3600" b="0" cap="none" spc="0" dirty="0">
-                        <a:ln>
-                          <a:noFill/>
-                        </a:ln>
-                        <a:solidFill>
-                          <a:schemeClr val="tx1"/>
-                        </a:solidFill>
-                        <a:effectLst/>
-                      </a:endParaRPr>
-                    </a:p>
-                  </a:txBody>
-                  <a:tcPr marL="80289" marR="80289" marT="40145" marB="40145" anchor="ctr">
-                    <a:lnL>
-                      <a:noFill/>
-                    </a:lnL>
-                    <a:lnR w="12700" cap="flat" cmpd="sng" algn="ctr">
-                      <a:noFill/>
-                      <a:prstDash val="solid"/>
-                      <a:round/>
-                      <a:headEnd type="none" w="med" len="med"/>
-                      <a:tailEnd type="none" w="med" len="med"/>
-                    </a:lnR>
-                    <a:lnT>
-                      <a:noFill/>
-                    </a:lnT>
-                    <a:lnB>
-                      <a:noFill/>
-                    </a:lnB>
-                    <a:lnTlToBr w="12700" cmpd="sng">
-                      <a:noFill/>
-                      <a:prstDash val="solid"/>
-                    </a:lnTlToBr>
-                    <a:lnBlToTr w="12700" cmpd="sng">
-                      <a:noFill/>
-                      <a:prstDash val="solid"/>
-                    </a:lnBlToTr>
-                  </a:tcPr>
-                </a:tc>
-                <a:extLst>
-                  <a:ext uri="{0D108BD9-81ED-4DB2-BD59-A6C34878D82A}">
-                    <a16:rowId xmlns:a16="http://schemas.microsoft.com/office/drawing/2014/main" val="10003"/>
-                  </a:ext>
-                </a:extLst>
-              </a:tr>
-              <a:tr h="584699">
-                <a:tc>
-                  <a:txBody>
-                    <a:bodyPr/>
-                    <a:lstStyle/>
-                    <a:p>
-                      <a:pPr marL="0" marR="0" indent="0" algn="ctr" defTabSz="457200" rtl="0" eaLnBrk="1" fontAlgn="auto" latinLnBrk="0" hangingPunct="1">
-                        <a:lnSpc>
-                          <a:spcPct val="100000"/>
-                        </a:lnSpc>
-                        <a:spcBef>
-                          <a:spcPts val="0"/>
-                        </a:spcBef>
-                        <a:spcAft>
-                          <a:spcPts val="0"/>
-                        </a:spcAft>
-                        <a:buClrTx/>
-                        <a:buSzTx/>
-                        <a:buFontTx/>
-                        <a:buNone/>
-                        <a:tabLst/>
-                        <a:defRPr/>
-                      </a:pPr>
-                      <a:r>
-                        <a:rPr lang="en-US" sz="3600" cap="none" spc="0" dirty="0">
-                          <a:ln>
-                            <a:noFill/>
-                          </a:ln>
-                          <a:effectLst/>
-                        </a:rPr>
-                        <a:t>8.21</a:t>
-                      </a:r>
-                      <a:endParaRPr lang="en-US" sz="3600" b="0" cap="none" spc="0" dirty="0">
-                        <a:ln>
-                          <a:noFill/>
-                        </a:ln>
-                        <a:solidFill>
-                          <a:schemeClr val="tx1"/>
-                        </a:solidFill>
-                        <a:effectLst/>
-                      </a:endParaRPr>
-                    </a:p>
-                  </a:txBody>
-                  <a:tcPr marL="80289" marR="80289" marT="40145" marB="40145" anchor="ctr">
-                    <a:lnL w="12700" cap="flat" cmpd="sng" algn="ctr">
-                      <a:noFill/>
-                      <a:prstDash val="solid"/>
-                      <a:round/>
-                      <a:headEnd type="none" w="med" len="med"/>
-                      <a:tailEnd type="none" w="med" len="med"/>
-                    </a:lnL>
-                    <a:lnR>
-                      <a:noFill/>
-                    </a:lnR>
-                    <a:lnT>
-                      <a:noFill/>
-                    </a:lnT>
-                    <a:lnB>
-                      <a:noFill/>
-                    </a:lnB>
-                    <a:lnTlToBr w="12700" cmpd="sng">
-                      <a:noFill/>
-                      <a:prstDash val="solid"/>
-                    </a:lnTlToBr>
-                    <a:lnBlToTr w="12700" cmpd="sng">
-                      <a:noFill/>
-                      <a:prstDash val="solid"/>
-                    </a:lnBlToTr>
-                  </a:tcPr>
-                </a:tc>
-                <a:tc>
-                  <a:txBody>
-                    <a:bodyPr/>
-                    <a:lstStyle/>
-                    <a:p>
-                      <a:pPr marL="0" marR="0" indent="0" algn="ctr" defTabSz="457200" rtl="0" eaLnBrk="1" fontAlgn="auto" latinLnBrk="0" hangingPunct="1">
-                        <a:lnSpc>
-                          <a:spcPct val="100000"/>
-                        </a:lnSpc>
-                        <a:spcBef>
-                          <a:spcPts val="0"/>
-                        </a:spcBef>
-                        <a:spcAft>
-                          <a:spcPts val="0"/>
-                        </a:spcAft>
-                        <a:buClrTx/>
-                        <a:buSzTx/>
-                        <a:buFontTx/>
-                        <a:buNone/>
-                        <a:tabLst/>
-                        <a:defRPr/>
-                      </a:pPr>
-                      <a:r>
-                        <a:rPr lang="en-US" sz="3600" cap="none" spc="0" dirty="0">
-                          <a:ln>
-                            <a:noFill/>
-                          </a:ln>
-                          <a:effectLst/>
-                        </a:rPr>
-                        <a:t>2.16</a:t>
-                      </a:r>
-                      <a:endParaRPr lang="en-US" sz="3600" b="0" cap="none" spc="0" dirty="0">
-                        <a:ln>
-                          <a:noFill/>
-                        </a:ln>
-                        <a:solidFill>
-                          <a:schemeClr val="tx1"/>
-                        </a:solidFill>
-                        <a:effectLst/>
-                      </a:endParaRPr>
-                    </a:p>
-                  </a:txBody>
-                  <a:tcPr marL="80289" marR="80289" marT="40145" marB="40145" anchor="ctr">
-                    <a:lnL>
-                      <a:noFill/>
-                    </a:lnL>
-                    <a:lnR>
-                      <a:noFill/>
-                    </a:lnR>
-                    <a:lnT>
-                      <a:noFill/>
-                    </a:lnT>
-                    <a:lnB>
-                      <a:noFill/>
-                    </a:lnB>
-                    <a:lnTlToBr w="12700" cmpd="sng">
-                      <a:noFill/>
-                      <a:prstDash val="solid"/>
-                    </a:lnTlToBr>
-                    <a:lnBlToTr w="12700" cmpd="sng">
-                      <a:noFill/>
-                      <a:prstDash val="solid"/>
-                    </a:lnBlToTr>
-                  </a:tcPr>
-                </a:tc>
-                <a:tc>
-                  <a:txBody>
-                    <a:bodyPr/>
-                    <a:lstStyle/>
-                    <a:p>
-                      <a:pPr marL="0" marR="0" indent="0" algn="ctr" defTabSz="457200" rtl="0" eaLnBrk="1" fontAlgn="auto" latinLnBrk="0" hangingPunct="1">
-                        <a:lnSpc>
-                          <a:spcPct val="100000"/>
-                        </a:lnSpc>
-                        <a:spcBef>
-                          <a:spcPts val="0"/>
-                        </a:spcBef>
-                        <a:spcAft>
-                          <a:spcPts val="0"/>
-                        </a:spcAft>
-                        <a:buClrTx/>
-                        <a:buSzTx/>
-                        <a:buFontTx/>
-                        <a:buNone/>
-                        <a:tabLst/>
-                        <a:defRPr/>
-                      </a:pPr>
-                      <a:r>
-                        <a:rPr lang="en-US" sz="3600" cap="none" spc="0" dirty="0">
-                          <a:ln>
-                            <a:noFill/>
-                          </a:ln>
-                          <a:effectLst/>
-                        </a:rPr>
-                        <a:t>3.11*</a:t>
-                      </a:r>
-                      <a:endParaRPr lang="en-US" sz="3600" b="0" cap="none" spc="0" dirty="0">
-                        <a:ln>
-                          <a:noFill/>
-                        </a:ln>
-                        <a:solidFill>
-                          <a:schemeClr val="tx1"/>
-                        </a:solidFill>
-                        <a:effectLst/>
-                      </a:endParaRPr>
-                    </a:p>
-                  </a:txBody>
-                  <a:tcPr marL="80289" marR="80289" marT="40145" marB="40145" anchor="ctr">
-                    <a:lnL>
-                      <a:noFill/>
-                    </a:lnL>
-                    <a:lnR>
-                      <a:noFill/>
-                    </a:lnR>
-                    <a:lnT>
-                      <a:noFill/>
-                    </a:lnT>
-                    <a:lnB>
-                      <a:noFill/>
-                    </a:lnB>
-                    <a:lnTlToBr w="12700" cmpd="sng">
-                      <a:noFill/>
-                      <a:prstDash val="solid"/>
-                    </a:lnTlToBr>
-                    <a:lnBlToTr w="12700" cmpd="sng">
-                      <a:noFill/>
-                      <a:prstDash val="solid"/>
-                    </a:lnBlToTr>
-                  </a:tcPr>
-                </a:tc>
-                <a:tc>
-                  <a:txBody>
-                    <a:bodyPr/>
-                    <a:lstStyle/>
-                    <a:p>
-                      <a:pPr marL="0" marR="0" indent="0" algn="ctr" defTabSz="457200" rtl="0" eaLnBrk="1" fontAlgn="auto" latinLnBrk="0" hangingPunct="1">
-                        <a:lnSpc>
-                          <a:spcPct val="100000"/>
-                        </a:lnSpc>
-                        <a:spcBef>
-                          <a:spcPts val="0"/>
-                        </a:spcBef>
-                        <a:spcAft>
-                          <a:spcPts val="0"/>
-                        </a:spcAft>
-                        <a:buClrTx/>
-                        <a:buSzTx/>
-                        <a:buFontTx/>
-                        <a:buNone/>
-                        <a:tabLst/>
-                        <a:defRPr/>
-                      </a:pPr>
-                      <a:r>
-                        <a:rPr lang="en-US" sz="3600" cap="none" spc="0" dirty="0">
-                          <a:ln>
-                            <a:noFill/>
-                          </a:ln>
-                          <a:effectLst/>
-                        </a:rPr>
-                        <a:t>7.17</a:t>
-                      </a:r>
-                      <a:endParaRPr lang="en-US" sz="3600" b="0" cap="none" spc="0" dirty="0">
-                        <a:ln>
-                          <a:noFill/>
-                        </a:ln>
-                        <a:solidFill>
-                          <a:schemeClr val="tx1"/>
-                        </a:solidFill>
-                        <a:effectLst/>
-                      </a:endParaRPr>
-                    </a:p>
-                  </a:txBody>
-                  <a:tcPr marL="80289" marR="80289" marT="40145" marB="40145" anchor="ctr">
-                    <a:lnL>
-                      <a:noFill/>
-                    </a:lnL>
-                    <a:lnR w="12700" cap="flat" cmpd="sng" algn="ctr">
-                      <a:noFill/>
-                      <a:prstDash val="solid"/>
-                      <a:round/>
-                      <a:headEnd type="none" w="med" len="med"/>
-                      <a:tailEnd type="none" w="med" len="med"/>
-                    </a:lnR>
-                    <a:lnT>
-                      <a:noFill/>
-                    </a:lnT>
-                    <a:lnB>
-                      <a:noFill/>
-                    </a:lnB>
-                    <a:lnTlToBr w="12700" cmpd="sng">
-                      <a:noFill/>
-                      <a:prstDash val="solid"/>
-                    </a:lnTlToBr>
-                    <a:lnBlToTr w="12700" cmpd="sng">
-                      <a:noFill/>
-                      <a:prstDash val="solid"/>
-                    </a:lnBlToTr>
-                  </a:tcPr>
-                </a:tc>
-                <a:extLst>
-                  <a:ext uri="{0D108BD9-81ED-4DB2-BD59-A6C34878D82A}">
-                    <a16:rowId xmlns:a16="http://schemas.microsoft.com/office/drawing/2014/main" val="10004"/>
-                  </a:ext>
-                </a:extLst>
-              </a:tr>
-              <a:tr h="584699">
-                <a:tc>
-                  <a:txBody>
-                    <a:bodyPr/>
-                    <a:lstStyle/>
-                    <a:p>
-                      <a:pPr marL="0" marR="0" indent="0" algn="ctr" defTabSz="457200" rtl="0" eaLnBrk="1" fontAlgn="auto" latinLnBrk="0" hangingPunct="1">
-                        <a:lnSpc>
-                          <a:spcPct val="100000"/>
-                        </a:lnSpc>
-                        <a:spcBef>
-                          <a:spcPts val="0"/>
-                        </a:spcBef>
-                        <a:spcAft>
-                          <a:spcPts val="0"/>
-                        </a:spcAft>
-                        <a:buClrTx/>
-                        <a:buSzTx/>
-                        <a:buFontTx/>
-                        <a:buNone/>
-                        <a:tabLst/>
-                        <a:defRPr/>
-                      </a:pPr>
-                      <a:r>
-                        <a:rPr lang="en-US" sz="3600" b="0" cap="none" spc="0" dirty="0">
-                          <a:ln>
-                            <a:noFill/>
-                          </a:ln>
-                          <a:solidFill>
-                            <a:schemeClr val="tx1"/>
-                          </a:solidFill>
-                          <a:effectLst/>
-                        </a:rPr>
-                        <a:t>3.00</a:t>
-                      </a:r>
-                    </a:p>
-                  </a:txBody>
-                  <a:tcPr marL="80289" marR="80289" marT="40145" marB="40145" anchor="ctr">
-                    <a:lnL w="12700" cap="flat" cmpd="sng" algn="ctr">
-                      <a:noFill/>
-                      <a:prstDash val="solid"/>
-                      <a:round/>
-                      <a:headEnd type="none" w="med" len="med"/>
-                      <a:tailEnd type="none" w="med" len="med"/>
-                    </a:lnL>
-                    <a:lnR>
-                      <a:noFill/>
-                    </a:lnR>
-                    <a:lnT>
-                      <a:noFill/>
-                    </a:lnT>
-                    <a:lnB w="12700" cap="flat" cmpd="sng" algn="ctr">
-                      <a:noFill/>
-                      <a:prstDash val="solid"/>
-                      <a:round/>
-                      <a:headEnd type="none" w="med" len="med"/>
-                      <a:tailEnd type="none" w="med" len="med"/>
-                    </a:lnB>
-                    <a:lnTlToBr w="12700" cmpd="sng">
-                      <a:noFill/>
-                      <a:prstDash val="solid"/>
-                    </a:lnTlToBr>
-                    <a:lnBlToTr w="12700" cmpd="sng">
-                      <a:noFill/>
-                      <a:prstDash val="solid"/>
-                    </a:lnBlToTr>
-                  </a:tcPr>
-                </a:tc>
-                <a:tc>
-                  <a:txBody>
-                    <a:bodyPr/>
-                    <a:lstStyle/>
-                    <a:p>
-                      <a:pPr marL="0" marR="0" indent="0" algn="ctr" defTabSz="457200" rtl="0" eaLnBrk="1" fontAlgn="auto" latinLnBrk="0" hangingPunct="1">
-                        <a:lnSpc>
-                          <a:spcPct val="100000"/>
-                        </a:lnSpc>
-                        <a:spcBef>
-                          <a:spcPts val="0"/>
-                        </a:spcBef>
-                        <a:spcAft>
-                          <a:spcPts val="0"/>
-                        </a:spcAft>
-                        <a:buClrTx/>
-                        <a:buSzTx/>
-                        <a:buFontTx/>
-                        <a:buNone/>
-                        <a:tabLst/>
-                        <a:defRPr/>
-                      </a:pPr>
-                      <a:r>
-                        <a:rPr lang="en-US" sz="3600" b="0" cap="none" spc="0" dirty="0">
-                          <a:ln>
-                            <a:noFill/>
-                          </a:ln>
-                          <a:solidFill>
-                            <a:schemeClr val="tx1"/>
-                          </a:solidFill>
-                          <a:effectLst/>
-                        </a:rPr>
-                        <a:t>9.70</a:t>
-                      </a:r>
-                    </a:p>
-                  </a:txBody>
-                  <a:tcPr marL="80289" marR="80289" marT="40145" marB="40145" anchor="ctr">
-                    <a:lnL>
-                      <a:noFill/>
-                    </a:lnL>
-                    <a:lnR>
-                      <a:noFill/>
-                    </a:lnR>
-                    <a:lnT>
-                      <a:noFill/>
-                    </a:lnT>
-                    <a:lnB w="12700" cap="flat" cmpd="sng" algn="ctr">
-                      <a:noFill/>
-                      <a:prstDash val="solid"/>
-                      <a:round/>
-                      <a:headEnd type="none" w="med" len="med"/>
-                      <a:tailEnd type="none" w="med" len="med"/>
-                    </a:lnB>
-                    <a:lnTlToBr w="12700" cmpd="sng">
-                      <a:noFill/>
-                      <a:prstDash val="solid"/>
-                    </a:lnTlToBr>
-                    <a:lnBlToTr w="12700" cmpd="sng">
-                      <a:noFill/>
-                      <a:prstDash val="solid"/>
-                    </a:lnBlToTr>
-                  </a:tcPr>
-                </a:tc>
-                <a:tc>
-                  <a:txBody>
-                    <a:bodyPr/>
-                    <a:lstStyle/>
-                    <a:p>
-                      <a:pPr marL="0" marR="0" indent="0" algn="ctr" defTabSz="457200" rtl="0" eaLnBrk="1" fontAlgn="auto" latinLnBrk="0" hangingPunct="1">
-                        <a:lnSpc>
-                          <a:spcPct val="100000"/>
-                        </a:lnSpc>
-                        <a:spcBef>
-                          <a:spcPts val="0"/>
-                        </a:spcBef>
-                        <a:spcAft>
-                          <a:spcPts val="0"/>
-                        </a:spcAft>
-                        <a:buClrTx/>
-                        <a:buSzTx/>
-                        <a:buFontTx/>
-                        <a:buNone/>
-                        <a:tabLst/>
-                        <a:defRPr/>
-                      </a:pPr>
-                      <a:r>
-                        <a:rPr lang="en-US" sz="3600" b="0" cap="none" spc="0" dirty="0">
-                          <a:ln>
-                            <a:noFill/>
-                          </a:ln>
-                          <a:solidFill>
-                            <a:schemeClr val="tx1"/>
-                          </a:solidFill>
-                          <a:effectLst/>
-                        </a:rPr>
-                        <a:t>10.50</a:t>
-                      </a:r>
-                    </a:p>
-                  </a:txBody>
-                  <a:tcPr marL="80289" marR="80289" marT="40145" marB="40145" anchor="ctr">
-                    <a:lnL>
-                      <a:noFill/>
-                    </a:lnL>
-                    <a:lnR>
-                      <a:noFill/>
-                    </a:lnR>
-                    <a:lnT>
-                      <a:noFill/>
-                    </a:lnT>
-                    <a:lnB w="12700" cap="flat" cmpd="sng" algn="ctr">
-                      <a:noFill/>
-                      <a:prstDash val="solid"/>
-                      <a:round/>
-                      <a:headEnd type="none" w="med" len="med"/>
-                      <a:tailEnd type="none" w="med" len="med"/>
-                    </a:lnB>
-                    <a:lnTlToBr w="12700" cmpd="sng">
-                      <a:noFill/>
-                      <a:prstDash val="solid"/>
-                    </a:lnTlToBr>
-                    <a:lnBlToTr w="12700" cmpd="sng">
-                      <a:noFill/>
-                      <a:prstDash val="solid"/>
-                    </a:lnBlToTr>
-                  </a:tcPr>
-                </a:tc>
-                <a:tc>
-                  <a:txBody>
-                    <a:bodyPr/>
-                    <a:lstStyle/>
-                    <a:p>
-                      <a:pPr marL="0" marR="0" indent="0" algn="ctr" defTabSz="457200" rtl="0" eaLnBrk="1" fontAlgn="auto" latinLnBrk="0" hangingPunct="1">
-                        <a:lnSpc>
-                          <a:spcPct val="100000"/>
-                        </a:lnSpc>
-                        <a:spcBef>
-                          <a:spcPts val="0"/>
-                        </a:spcBef>
-                        <a:spcAft>
-                          <a:spcPts val="0"/>
-                        </a:spcAft>
-                        <a:buClrTx/>
-                        <a:buSzTx/>
-                        <a:buFontTx/>
-                        <a:buNone/>
-                        <a:tabLst/>
-                        <a:defRPr/>
-                      </a:pPr>
-                      <a:r>
-                        <a:rPr lang="en-US" sz="3600" b="0" cap="none" spc="0" dirty="0">
-                          <a:ln>
-                            <a:noFill/>
-                          </a:ln>
-                          <a:solidFill>
-                            <a:schemeClr val="tx1"/>
-                          </a:solidFill>
-                          <a:effectLst/>
-                        </a:rPr>
-                        <a:t>4.45</a:t>
-                      </a:r>
-                    </a:p>
-                  </a:txBody>
-                  <a:tcPr marL="80289" marR="80289" marT="40145" marB="40145" anchor="ctr">
-                    <a:lnL>
-                      <a:noFill/>
-                    </a:lnL>
-                    <a:lnR w="12700" cap="flat" cmpd="sng" algn="ctr">
-                      <a:noFill/>
-                      <a:prstDash val="solid"/>
-                      <a:round/>
-                      <a:headEnd type="none" w="med" len="med"/>
-                      <a:tailEnd type="none" w="med" len="med"/>
-                    </a:lnR>
-                    <a:lnT>
-                      <a:noFill/>
-                    </a:lnT>
-                    <a:lnB w="12700" cap="flat" cmpd="sng" algn="ctr">
-                      <a:noFill/>
-                      <a:prstDash val="solid"/>
-                      <a:round/>
-                      <a:headEnd type="none" w="med" len="med"/>
-                      <a:tailEnd type="none" w="med" len="med"/>
-                    </a:lnB>
-                    <a:lnTlToBr w="12700" cmpd="sng">
-                      <a:noFill/>
-                      <a:prstDash val="solid"/>
-                    </a:lnTlToBr>
-                    <a:lnBlToTr w="12700" cmpd="sng">
-                      <a:noFill/>
-                      <a:prstDash val="solid"/>
-                    </a:lnBlToTr>
-                  </a:tcPr>
-                </a:tc>
-                <a:extLst>
-                  <a:ext uri="{0D108BD9-81ED-4DB2-BD59-A6C34878D82A}">
-                    <a16:rowId xmlns:a16="http://schemas.microsoft.com/office/drawing/2014/main" val="10005"/>
-                  </a:ext>
-                </a:extLst>
-              </a:tr>
-            </a:tbl>
-          </a:graphicData>
-        </a:graphic>
-      </p:graphicFrame>
-      <p:cxnSp>
-        <p:nvCxnSpPr>
           <p:cNvPr id="123" name="Horizontal Section Divider" descr="Horizontal Divider">
             <a:extLst>
               <a:ext uri="{FF2B5EF4-FFF2-40B4-BE49-F238E27FC236}">
@@ -7163,7 +5820,7 @@
         </p:nvCxnSpPr>
         <p:spPr bwMode="auto">
           <a:xfrm>
-            <a:off x="22728573" y="17482514"/>
+            <a:off x="22390259" y="24264314"/>
             <a:ext cx="9144000" cy="0"/>
           </a:xfrm>
           <a:prstGeom prst="line">
@@ -7198,7 +5855,7 @@
         </p:nvCxnSpPr>
         <p:spPr bwMode="auto">
           <a:xfrm>
-            <a:off x="22242518" y="32300230"/>
+            <a:off x="22604381" y="27719634"/>
             <a:ext cx="9144000" cy="0"/>
           </a:xfrm>
           <a:prstGeom prst="line">
@@ -7276,8 +5933,8 @@
         </p:nvSpPr>
         <p:spPr bwMode="auto">
           <a:xfrm>
-            <a:off x="1218389" y="6651180"/>
-            <a:ext cx="9807200" cy="6694140"/>
+            <a:off x="1023201" y="6725615"/>
+            <a:ext cx="9807200" cy="5509200"/>
           </a:xfrm>
           <a:prstGeom prst="rect">
             <a:avLst/>
@@ -7402,31 +6059,43 @@
           <a:p>
             <a:pPr algn="just"/>
             <a:r>
-              <a:rPr lang="en-US" sz="3600" dirty="0" smtClean="0">
+              <a:rPr lang="en-US" sz="3200" dirty="0" smtClean="0">
                 <a:latin typeface="+mn-lt"/>
               </a:rPr>
               <a:t>Drug </a:t>
             </a:r>
             <a:r>
-              <a:rPr lang="en-US" sz="3600" dirty="0">
-                <a:latin typeface="+mn-lt"/>
-              </a:rPr>
-              <a:t>discovery is a challenging and costly process that involves finding effective and safe </a:t>
-            </a:r>
-            <a:r>
-              <a:rPr lang="en-US" sz="3600" dirty="0" smtClean="0">
+              <a:rPr lang="en-US" sz="3200" dirty="0">
+                <a:latin typeface="+mn-lt"/>
+              </a:rPr>
+              <a:t>discovery is a challenging and costly process that involves </a:t>
+            </a:r>
+            <a:r>
+              <a:rPr lang="en-US" sz="3200" dirty="0" smtClean="0">
+                <a:latin typeface="+mn-lt"/>
+              </a:rPr>
+              <a:t>finding effective </a:t>
+            </a:r>
+            <a:r>
+              <a:rPr lang="en-US" sz="3200" dirty="0">
+                <a:latin typeface="+mn-lt"/>
+              </a:rPr>
+              <a:t>and safe </a:t>
+            </a:r>
+            <a:r>
+              <a:rPr lang="en-US" sz="3200" dirty="0" smtClean="0">
                 <a:latin typeface="+mn-lt"/>
               </a:rPr>
               <a:t>compounds. Drug-target </a:t>
             </a:r>
             <a:r>
-              <a:rPr lang="en-US" sz="3600" dirty="0">
+              <a:rPr lang="en-US" sz="3200" dirty="0">
                 <a:latin typeface="+mn-lt"/>
               </a:rPr>
               <a:t>affinity prediction is an important task in drug discovery, as it can help identify potential candidates for drug development and reduce the cost and time of drug discovery</a:t>
             </a:r>
             <a:r>
-              <a:rPr lang="en-US" sz="3600" dirty="0" smtClean="0">
+              <a:rPr lang="en-US" sz="3200" dirty="0" smtClean="0">
                 <a:latin typeface="+mn-lt"/>
               </a:rPr>
               <a:t>.</a:t>
@@ -7435,412 +6104,1203 @@
           <a:p>
             <a:pPr algn="just"/>
             <a:r>
-              <a:rPr lang="en-US" sz="3600" dirty="0" smtClean="0">
-                <a:latin typeface="+mn-lt"/>
-              </a:rPr>
-              <a:t>Deep </a:t>
-            </a:r>
-            <a:r>
-              <a:rPr lang="en-US" sz="3600" dirty="0">
-                <a:latin typeface="+mn-lt"/>
-              </a:rPr>
-              <a:t>learning models have been widely used to predicting drug-target interaction.in this paper we discuss the most commonly used models and architectures including graph neural </a:t>
-            </a:r>
-            <a:r>
-              <a:rPr lang="en-US" sz="3600" dirty="0" smtClean="0">
-                <a:latin typeface="+mn-lt"/>
-              </a:rPr>
-              <a:t>networks</a:t>
-            </a:r>
-            <a:r>
-              <a:rPr lang="en-US" sz="3600" dirty="0" smtClean="0"/>
-              <a:t>.</a:t>
-            </a:r>
-          </a:p>
-          <a:p>
-            <a:endParaRPr lang="en-US" dirty="0" smtClean="0"/>
-          </a:p>
-          <a:p>
-            <a:endParaRPr lang="en-US" altLang="en-US" sz="4000" dirty="0">
+              <a:rPr lang="en-US" sz="3200" dirty="0">
+                <a:latin typeface="+mn-lt"/>
+              </a:rPr>
+              <a:t>in recent years Graph Neural Networks (GNNs) have been used for drug target </a:t>
+            </a:r>
+            <a:r>
+              <a:rPr lang="en-US" sz="3200" dirty="0" smtClean="0">
+                <a:latin typeface="+mn-lt"/>
+              </a:rPr>
+              <a:t>affinity(DTA) </a:t>
+            </a:r>
+            <a:r>
+              <a:rPr lang="en-US" sz="3200" dirty="0">
+                <a:latin typeface="+mn-lt"/>
+              </a:rPr>
+              <a:t>prediction.</a:t>
+            </a:r>
+            <a:endParaRPr lang="en-US" sz="3200" dirty="0" smtClean="0">
               <a:latin typeface="+mn-lt"/>
-              <a:ea typeface="Arial" charset="0"/>
             </a:endParaRPr>
           </a:p>
-        </p:txBody>
-      </p:sp>
-      <p:cxnSp>
-        <p:nvCxnSpPr>
-          <p:cNvPr id="116" name="Horizontal Section Divider" descr="Horizontal Divider">
-            <a:extLst>
-              <a:ext uri="{FF2B5EF4-FFF2-40B4-BE49-F238E27FC236}">
-                <a16:creationId xmlns:a16="http://schemas.microsoft.com/office/drawing/2014/main" id="{CB21EB41-F580-144C-88B7-2A230BC5D795}"/>
-              </a:ext>
-            </a:extLst>
-          </p:cNvPr>
-          <p:cNvCxnSpPr>
-            <a:cxnSpLocks/>
-          </p:cNvCxnSpPr>
-          <p:nvPr/>
-        </p:nvCxnSpPr>
-        <p:spPr bwMode="auto">
-          <a:xfrm>
-            <a:off x="1428011" y="28265053"/>
-            <a:ext cx="9144000" cy="0"/>
-          </a:xfrm>
-          <a:prstGeom prst="line">
-            <a:avLst/>
-          </a:prstGeom>
-          <a:noFill/>
-          <a:ln w="25400" cap="flat" cmpd="sng" algn="ctr">
-            <a:solidFill>
-              <a:schemeClr val="tx1"/>
-            </a:solidFill>
-            <a:prstDash val="dash"/>
-            <a:round/>
-            <a:headEnd type="none" w="med" len="med"/>
-            <a:tailEnd type="none" w="med" len="med"/>
-          </a:ln>
-          <a:effectLst/>
-        </p:spPr>
-      </p:cxnSp>
-      <p:sp>
-        <p:nvSpPr>
-          <p:cNvPr id="11" name="Rectangle 10"/>
-          <p:cNvSpPr/>
-          <p:nvPr/>
-        </p:nvSpPr>
-        <p:spPr>
-          <a:xfrm>
-            <a:off x="11812548" y="15587705"/>
-            <a:ext cx="7049645" cy="1024768"/>
-          </a:xfrm>
-          <a:prstGeom prst="rect">
-            <a:avLst/>
-          </a:prstGeom>
-        </p:spPr>
-        <p:txBody>
-          <a:bodyPr wrap="square">
-            <a:spAutoFit/>
-          </a:bodyPr>
-          <a:lstStyle/>
-          <a:p>
-            <a:pPr>
-              <a:lnSpc>
-                <a:spcPts val="2944"/>
-              </a:lnSpc>
-              <a:spcAft>
-                <a:spcPts val="768"/>
-              </a:spcAft>
-              <a:defRPr/>
-            </a:pPr>
-            <a:r>
-              <a:rPr lang="en-US" sz="6000" b="1" dirty="0">
-                <a:solidFill>
-                  <a:srgbClr val="00008F"/>
-                </a:solidFill>
-                <a:latin typeface="Raleway ExtraBold" panose="020B0003030101060003"/>
-              </a:rPr>
-              <a:t>Evaluation </a:t>
-            </a:r>
-            <a:r>
-              <a:rPr lang="en-US" sz="6000" b="1" dirty="0" smtClean="0">
-                <a:solidFill>
-                  <a:srgbClr val="00008F"/>
-                </a:solidFill>
-                <a:latin typeface="Raleway ExtraBold" panose="020B0003030101060003"/>
-              </a:rPr>
-              <a:t>metrics</a:t>
-            </a:r>
-          </a:p>
-          <a:p>
-            <a:pPr>
-              <a:lnSpc>
-                <a:spcPts val="2944"/>
-              </a:lnSpc>
-              <a:spcAft>
-                <a:spcPts val="768"/>
-              </a:spcAft>
-              <a:defRPr/>
-            </a:pPr>
-            <a:endParaRPr lang="en-US" sz="6000" b="1" dirty="0">
-              <a:solidFill>
-                <a:srgbClr val="00008F"/>
-              </a:solidFill>
-              <a:latin typeface="Raleway ExtraBold" panose="020B0003030101060003"/>
-            </a:endParaRPr>
-          </a:p>
-        </p:txBody>
-      </p:sp>
-      <p:sp>
-        <p:nvSpPr>
-          <p:cNvPr id="117" name="Methods Textbox">
-            <a:extLst>
-              <a:ext uri="{FF2B5EF4-FFF2-40B4-BE49-F238E27FC236}">
-                <a16:creationId xmlns:a16="http://schemas.microsoft.com/office/drawing/2014/main" id="{6376FC5A-1083-7E4C-83D9-7B6DDA9FB65B}"/>
-              </a:ext>
-            </a:extLst>
-          </p:cNvPr>
-          <p:cNvSpPr txBox="1"/>
-          <p:nvPr/>
-        </p:nvSpPr>
-        <p:spPr>
-          <a:xfrm>
-            <a:off x="11812548" y="16674414"/>
-            <a:ext cx="9936170" cy="9064020"/>
-          </a:xfrm>
-          <a:prstGeom prst="rect">
-            <a:avLst/>
-          </a:prstGeom>
-          <a:solidFill>
-            <a:schemeClr val="bg1">
-              <a:alpha val="63000"/>
-            </a:schemeClr>
-          </a:solidFill>
-          <a:effectLst/>
-        </p:spPr>
-        <p:txBody>
-          <a:bodyPr wrap="square">
-            <a:spAutoFit/>
-          </a:bodyPr>
-          <a:lstStyle/>
-          <a:p>
-            <a:pPr>
-              <a:spcAft>
-                <a:spcPts val="1400"/>
-              </a:spcAft>
-              <a:defRPr/>
-            </a:pPr>
-            <a:r>
-              <a:rPr lang="en-US" sz="3600" b="1" dirty="0" smtClean="0">
-                <a:ea typeface="Arial" charset="0"/>
-                <a:cs typeface="Arial" charset="0"/>
-              </a:rPr>
-              <a:t>MSE </a:t>
-            </a:r>
-            <a:r>
-              <a:rPr lang="en-US" sz="3600" b="1" dirty="0">
-                <a:ea typeface="Arial" charset="0"/>
-                <a:cs typeface="Arial" charset="0"/>
-              </a:rPr>
-              <a:t>and CI metrics in DTA </a:t>
-            </a:r>
-            <a:r>
-              <a:rPr lang="en-US" sz="3600" b="1" dirty="0" smtClean="0">
-                <a:ea typeface="Arial" charset="0"/>
-                <a:cs typeface="Arial" charset="0"/>
-              </a:rPr>
-              <a:t>prediction</a:t>
-            </a:r>
-            <a:r>
-              <a:rPr lang="en-US" sz="3600" dirty="0" smtClean="0">
-                <a:ea typeface="Arial" charset="0"/>
-                <a:cs typeface="Arial" charset="0"/>
-              </a:rPr>
-              <a:t>:</a:t>
-            </a:r>
-          </a:p>
-          <a:p>
-            <a:pPr algn="just">
-              <a:spcAft>
-                <a:spcPts val="1400"/>
-              </a:spcAft>
-              <a:defRPr/>
-            </a:pPr>
-            <a:r>
-              <a:rPr lang="en-US" sz="3600" dirty="0" smtClean="0">
-                <a:ea typeface="Arial" charset="0"/>
-                <a:cs typeface="Arial" charset="0"/>
-              </a:rPr>
-              <a:t>Mean </a:t>
-            </a:r>
-            <a:r>
-              <a:rPr lang="en-US" sz="3600" dirty="0">
-                <a:ea typeface="Arial" charset="0"/>
-                <a:cs typeface="Arial" charset="0"/>
-              </a:rPr>
-              <a:t>Squared </a:t>
-            </a:r>
-            <a:r>
-              <a:rPr lang="en-US" sz="3600" dirty="0" smtClean="0">
-                <a:ea typeface="Arial" charset="0"/>
-                <a:cs typeface="Arial" charset="0"/>
-              </a:rPr>
-              <a:t>Error is </a:t>
-            </a:r>
-            <a:r>
-              <a:rPr lang="en-US" sz="3600" dirty="0">
-                <a:ea typeface="Arial" charset="0"/>
-                <a:cs typeface="Arial" charset="0"/>
-              </a:rPr>
-              <a:t>a metric that measures the average of the squared differences between the predicted and the actual binding affinity </a:t>
-            </a:r>
-            <a:r>
-              <a:rPr lang="en-US" sz="3600" dirty="0" smtClean="0">
-                <a:ea typeface="Arial" charset="0"/>
-                <a:cs typeface="Arial" charset="0"/>
-              </a:rPr>
-              <a:t>It </a:t>
-            </a:r>
-            <a:r>
-              <a:rPr lang="en-US" sz="3600" dirty="0">
-                <a:ea typeface="Arial" charset="0"/>
-                <a:cs typeface="Arial" charset="0"/>
-              </a:rPr>
-              <a:t>reflects how close the predictions are to the </a:t>
-            </a:r>
-            <a:r>
-              <a:rPr lang="en-US" sz="3600" dirty="0" smtClean="0">
-                <a:ea typeface="Arial" charset="0"/>
-                <a:cs typeface="Arial" charset="0"/>
-              </a:rPr>
-              <a:t>true. A </a:t>
-            </a:r>
-            <a:r>
-              <a:rPr lang="en-US" sz="3600" dirty="0">
-                <a:ea typeface="Arial" charset="0"/>
-                <a:cs typeface="Arial" charset="0"/>
-              </a:rPr>
-              <a:t>lower MSE means a better performance of the prediction </a:t>
-            </a:r>
-            <a:r>
-              <a:rPr lang="en-US" sz="3600" dirty="0" smtClean="0">
-                <a:ea typeface="Arial" charset="0"/>
-                <a:cs typeface="Arial" charset="0"/>
-              </a:rPr>
-              <a:t>model.</a:t>
-            </a:r>
-          </a:p>
-          <a:p>
-            <a:pPr algn="just">
-              <a:spcAft>
-                <a:spcPts val="1400"/>
-              </a:spcAft>
-              <a:defRPr/>
-            </a:pPr>
-            <a:r>
-              <a:rPr lang="en-US" sz="3600" dirty="0" smtClean="0">
-                <a:ea typeface="Arial" charset="0"/>
-                <a:cs typeface="Arial" charset="0"/>
+          <a:p>
+            <a:r>
+              <a:rPr lang="en-US" sz="3200" dirty="0" smtClean="0">
+                <a:latin typeface="+mn-lt"/>
+              </a:rPr>
+              <a:t>in </a:t>
+            </a:r>
+            <a:r>
+              <a:rPr lang="en-US" sz="3200" dirty="0">
+                <a:latin typeface="+mn-lt"/>
+              </a:rPr>
+              <a:t>this paper we </a:t>
+            </a:r>
+            <a:r>
+              <a:rPr lang="en-US" sz="3200" dirty="0" smtClean="0">
+                <a:latin typeface="+mn-lt"/>
               </a:rPr>
               <a:t> </a:t>
             </a:r>
             <a:r>
-              <a:rPr lang="en-US" sz="3600" dirty="0">
-                <a:ea typeface="Arial" charset="0"/>
-                <a:cs typeface="Arial" charset="0"/>
-              </a:rPr>
-              <a:t>Concordance </a:t>
-            </a:r>
-            <a:r>
-              <a:rPr lang="en-US" sz="3600" dirty="0" smtClean="0">
-                <a:ea typeface="Arial" charset="0"/>
-                <a:cs typeface="Arial" charset="0"/>
-              </a:rPr>
-              <a:t>Index is </a:t>
-            </a:r>
-            <a:r>
-              <a:rPr lang="en-US" sz="3600" dirty="0">
-                <a:ea typeface="Arial" charset="0"/>
-                <a:cs typeface="Arial" charset="0"/>
-              </a:rPr>
-              <a:t>a metric that measures the fraction of all pairs of predicted and actual binding affinity values that are correctly </a:t>
-            </a:r>
-            <a:r>
-              <a:rPr lang="en-US" sz="3600" dirty="0" smtClean="0">
-                <a:ea typeface="Arial" charset="0"/>
-                <a:cs typeface="Arial" charset="0"/>
-              </a:rPr>
-              <a:t>ordered . It </a:t>
-            </a:r>
-            <a:r>
-              <a:rPr lang="en-US" sz="3600" dirty="0">
-                <a:ea typeface="Arial" charset="0"/>
-                <a:cs typeface="Arial" charset="0"/>
-              </a:rPr>
-              <a:t>reflects how well the predictions rank the drug-target pairs according to their binding </a:t>
-            </a:r>
-            <a:r>
-              <a:rPr lang="en-US" sz="3600" dirty="0" smtClean="0">
-                <a:ea typeface="Arial" charset="0"/>
-                <a:cs typeface="Arial" charset="0"/>
-              </a:rPr>
-              <a:t>affinity . A </a:t>
-            </a:r>
-            <a:r>
-              <a:rPr lang="en-US" sz="3600" dirty="0">
-                <a:ea typeface="Arial" charset="0"/>
-                <a:cs typeface="Arial" charset="0"/>
-              </a:rPr>
-              <a:t>higher CI means a better performance of the prediction </a:t>
-            </a:r>
-            <a:r>
-              <a:rPr lang="en-US" sz="3600" dirty="0" smtClean="0">
-                <a:ea typeface="Arial" charset="0"/>
-                <a:cs typeface="Arial" charset="0"/>
-              </a:rPr>
-              <a:t>model.</a:t>
-            </a:r>
-            <a:endParaRPr lang="en-US" sz="3600" dirty="0">
-              <a:ea typeface="Arial" charset="0"/>
-              <a:cs typeface="Arial" charset="0"/>
-            </a:endParaRPr>
-          </a:p>
-          <a:p>
-            <a:pPr>
-              <a:spcAft>
-                <a:spcPts val="1400"/>
-              </a:spcAft>
-              <a:defRPr/>
-            </a:pPr>
-            <a:r>
-              <a:rPr lang="en-US" sz="4000" dirty="0" smtClean="0">
-                <a:ea typeface="Arial" charset="0"/>
-                <a:cs typeface="Arial" charset="0"/>
-              </a:rPr>
-              <a:t> </a:t>
-            </a:r>
-            <a:endParaRPr lang="en-US" sz="4000" dirty="0">
-              <a:ea typeface="Arial" charset="0"/>
-              <a:cs typeface="Arial" charset="0"/>
-            </a:endParaRPr>
-          </a:p>
-        </p:txBody>
-      </p:sp>
-      <p:cxnSp>
-        <p:nvCxnSpPr>
-          <p:cNvPr id="124" name="Horizontal Section Divider" descr="Horizontal Divider">
-            <a:extLst>
-              <a:ext uri="{FF2B5EF4-FFF2-40B4-BE49-F238E27FC236}">
-                <a16:creationId xmlns:a16="http://schemas.microsoft.com/office/drawing/2014/main" id="{37E01957-D5C2-ED4B-934B-3961AEA3E635}"/>
-              </a:ext>
-            </a:extLst>
-          </p:cNvPr>
-          <p:cNvCxnSpPr>
-            <a:cxnSpLocks/>
-          </p:cNvCxnSpPr>
-          <p:nvPr/>
-        </p:nvCxnSpPr>
-        <p:spPr bwMode="auto">
-          <a:xfrm>
-            <a:off x="11812548" y="14787441"/>
-            <a:ext cx="9144000" cy="0"/>
-          </a:xfrm>
-          <a:prstGeom prst="line">
-            <a:avLst/>
-          </a:prstGeom>
-          <a:noFill/>
-          <a:ln w="25400" cap="flat" cmpd="sng" algn="ctr">
-            <a:solidFill>
-              <a:schemeClr val="tx1"/>
-            </a:solidFill>
-            <a:prstDash val="dash"/>
-            <a:round/>
-            <a:headEnd type="none" w="med" len="med"/>
-            <a:tailEnd type="none" w="med" len="med"/>
-          </a:ln>
-          <a:effectLst/>
-        </p:spPr>
-      </p:cxnSp>
+              <a:rPr lang="en-US" sz="3200" dirty="0">
+                <a:latin typeface="+mn-lt"/>
+              </a:rPr>
+              <a:t>propose  a model  for </a:t>
+            </a:r>
+            <a:r>
+              <a:rPr lang="en-US" sz="3200" dirty="0" smtClean="0">
+                <a:latin typeface="+mn-lt"/>
+              </a:rPr>
+              <a:t>DTA prediction that </a:t>
+            </a:r>
+            <a:r>
+              <a:rPr lang="en-US" sz="3200" dirty="0">
+                <a:latin typeface="+mn-lt"/>
+              </a:rPr>
+              <a:t>represent the drugs as molecular graphs and </a:t>
+            </a:r>
+            <a:r>
+              <a:rPr lang="en-US" sz="3200" dirty="0" smtClean="0">
+                <a:latin typeface="+mn-lt"/>
+              </a:rPr>
+              <a:t>use </a:t>
+            </a:r>
+            <a:r>
+              <a:rPr lang="en-US" sz="3200" dirty="0">
+                <a:latin typeface="+mn-lt"/>
+              </a:rPr>
+              <a:t>the graph attention </a:t>
+            </a:r>
+            <a:r>
+              <a:rPr lang="en-US" sz="3200" dirty="0" smtClean="0">
+                <a:latin typeface="+mn-lt"/>
+              </a:rPr>
+              <a:t>network(GAT) </a:t>
+            </a:r>
+            <a:r>
+              <a:rPr lang="en-US" sz="3200" dirty="0">
+                <a:latin typeface="+mn-lt"/>
+              </a:rPr>
+              <a:t>to predict </a:t>
+            </a:r>
+            <a:r>
+              <a:rPr lang="en-US" sz="3200" dirty="0" smtClean="0">
+                <a:latin typeface="+mn-lt"/>
+              </a:rPr>
+              <a:t>DTA.</a:t>
+            </a:r>
+          </a:p>
+        </p:txBody>
+      </p:sp>
+      <p:graphicFrame>
+        <p:nvGraphicFramePr>
+          <p:cNvPr id="3" name="Table 2"/>
+          <p:cNvGraphicFramePr>
+            <a:graphicFrameLocks noGrp="1"/>
+          </p:cNvGraphicFramePr>
+          <p:nvPr>
+            <p:extLst>
+              <p:ext uri="{D42A27DB-BD31-4B8C-83A1-F6EECF244321}">
+                <p14:modId xmlns:p14="http://schemas.microsoft.com/office/powerpoint/2010/main" val="3180300068"/>
+              </p:ext>
+            </p:extLst>
+          </p:nvPr>
+        </p:nvGraphicFramePr>
+        <p:xfrm>
+          <a:off x="22220643" y="8540947"/>
+          <a:ext cx="7703840" cy="1676400"/>
+        </p:xfrm>
+        <a:graphic>
+          <a:graphicData uri="http://schemas.openxmlformats.org/drawingml/2006/table">
+            <a:tbl>
+              <a:tblPr firstRow="1" bandRow="1">
+                <a:tableStyleId>{5C22544A-7EE6-4342-B048-85BDC9FD1C3A}</a:tableStyleId>
+              </a:tblPr>
+              <a:tblGrid>
+                <a:gridCol w="1925960">
+                  <a:extLst>
+                    <a:ext uri="{9D8B030D-6E8A-4147-A177-3AD203B41FA5}">
+                      <a16:colId xmlns:a16="http://schemas.microsoft.com/office/drawing/2014/main" val="1226598151"/>
+                    </a:ext>
+                  </a:extLst>
+                </a:gridCol>
+                <a:gridCol w="1925960">
+                  <a:extLst>
+                    <a:ext uri="{9D8B030D-6E8A-4147-A177-3AD203B41FA5}">
+                      <a16:colId xmlns:a16="http://schemas.microsoft.com/office/drawing/2014/main" val="3073300353"/>
+                    </a:ext>
+                  </a:extLst>
+                </a:gridCol>
+                <a:gridCol w="1925960">
+                  <a:extLst>
+                    <a:ext uri="{9D8B030D-6E8A-4147-A177-3AD203B41FA5}">
+                      <a16:colId xmlns:a16="http://schemas.microsoft.com/office/drawing/2014/main" val="2864998552"/>
+                    </a:ext>
+                  </a:extLst>
+                </a:gridCol>
+                <a:gridCol w="1925960">
+                  <a:extLst>
+                    <a:ext uri="{9D8B030D-6E8A-4147-A177-3AD203B41FA5}">
+                      <a16:colId xmlns:a16="http://schemas.microsoft.com/office/drawing/2014/main" val="4231236320"/>
+                    </a:ext>
+                  </a:extLst>
+                </a:gridCol>
+              </a:tblGrid>
+              <a:tr h="546670">
+                <a:tc>
+                  <a:txBody>
+                    <a:bodyPr/>
+                    <a:lstStyle/>
+                    <a:p>
+                      <a:endParaRPr lang="en-US" sz="3600" dirty="0">
+                        <a:solidFill>
+                          <a:schemeClr val="tx1"/>
+                        </a:solidFill>
+                      </a:endParaRPr>
+                    </a:p>
+                  </a:txBody>
+                  <a:tcPr/>
+                </a:tc>
+                <a:tc>
+                  <a:txBody>
+                    <a:bodyPr/>
+                    <a:lstStyle/>
+                    <a:p>
+                      <a:r>
+                        <a:rPr lang="en-US" sz="2800" dirty="0" smtClean="0">
+                          <a:solidFill>
+                            <a:schemeClr val="tx1"/>
+                          </a:solidFill>
+                        </a:rPr>
+                        <a:t>protein</a:t>
+                      </a:r>
+                      <a:endParaRPr lang="en-US" sz="2800" dirty="0">
+                        <a:solidFill>
+                          <a:schemeClr val="tx1"/>
+                        </a:solidFill>
+                      </a:endParaRPr>
+                    </a:p>
+                  </a:txBody>
+                  <a:tcPr/>
+                </a:tc>
+                <a:tc>
+                  <a:txBody>
+                    <a:bodyPr/>
+                    <a:lstStyle/>
+                    <a:p>
+                      <a:r>
+                        <a:rPr lang="en-US" sz="2800" dirty="0" err="1" smtClean="0">
+                          <a:solidFill>
+                            <a:schemeClr val="tx1"/>
+                          </a:solidFill>
+                        </a:rPr>
+                        <a:t>compunds</a:t>
+                      </a:r>
+                      <a:endParaRPr lang="en-US" sz="2800" dirty="0">
+                        <a:solidFill>
+                          <a:schemeClr val="tx1"/>
+                        </a:solidFill>
+                      </a:endParaRPr>
+                    </a:p>
+                  </a:txBody>
+                  <a:tcPr/>
+                </a:tc>
+                <a:tc>
+                  <a:txBody>
+                    <a:bodyPr/>
+                    <a:lstStyle/>
+                    <a:p>
+                      <a:r>
+                        <a:rPr lang="en-US" sz="2800" dirty="0" smtClean="0">
+                          <a:solidFill>
+                            <a:schemeClr val="tx1"/>
+                          </a:solidFill>
+                        </a:rPr>
+                        <a:t>interaction</a:t>
+                      </a:r>
+                      <a:endParaRPr lang="en-US" sz="2800" dirty="0">
+                        <a:solidFill>
+                          <a:schemeClr val="tx1"/>
+                        </a:solidFill>
+                      </a:endParaRPr>
+                    </a:p>
+                  </a:txBody>
+                  <a:tcPr/>
+                </a:tc>
+                <a:extLst>
+                  <a:ext uri="{0D108BD9-81ED-4DB2-BD59-A6C34878D82A}">
+                    <a16:rowId xmlns:a16="http://schemas.microsoft.com/office/drawing/2014/main" val="1008133220"/>
+                  </a:ext>
+                </a:extLst>
+              </a:tr>
+              <a:tr h="442543">
+                <a:tc>
+                  <a:txBody>
+                    <a:bodyPr/>
+                    <a:lstStyle/>
+                    <a:p>
+                      <a:r>
+                        <a:rPr lang="en-US" sz="2800" dirty="0" smtClean="0">
+                          <a:solidFill>
+                            <a:schemeClr val="tx1"/>
+                          </a:solidFill>
+                        </a:rPr>
+                        <a:t>DAVIS</a:t>
+                      </a:r>
+                      <a:endParaRPr lang="en-US" sz="2800" dirty="0">
+                        <a:solidFill>
+                          <a:schemeClr val="tx1"/>
+                        </a:solidFill>
+                      </a:endParaRPr>
+                    </a:p>
+                  </a:txBody>
+                  <a:tcPr/>
+                </a:tc>
+                <a:tc>
+                  <a:txBody>
+                    <a:bodyPr/>
+                    <a:lstStyle/>
+                    <a:p>
+                      <a:r>
+                        <a:rPr lang="en-US" sz="2800" dirty="0" smtClean="0">
+                          <a:solidFill>
+                            <a:schemeClr val="tx1"/>
+                          </a:solidFill>
+                        </a:rPr>
+                        <a:t>442</a:t>
+                      </a:r>
+                      <a:endParaRPr lang="en-US" sz="2800" dirty="0">
+                        <a:solidFill>
+                          <a:schemeClr val="tx1"/>
+                        </a:solidFill>
+                      </a:endParaRPr>
+                    </a:p>
+                  </a:txBody>
+                  <a:tcPr/>
+                </a:tc>
+                <a:tc>
+                  <a:txBody>
+                    <a:bodyPr/>
+                    <a:lstStyle/>
+                    <a:p>
+                      <a:r>
+                        <a:rPr lang="en-US" sz="2800" dirty="0" smtClean="0">
+                          <a:solidFill>
+                            <a:schemeClr val="tx1"/>
+                          </a:solidFill>
+                        </a:rPr>
+                        <a:t>68</a:t>
+                      </a:r>
+                      <a:endParaRPr lang="en-US" sz="2800" dirty="0">
+                        <a:solidFill>
+                          <a:schemeClr val="tx1"/>
+                        </a:solidFill>
+                      </a:endParaRPr>
+                    </a:p>
+                  </a:txBody>
+                  <a:tcPr/>
+                </a:tc>
+                <a:tc>
+                  <a:txBody>
+                    <a:bodyPr/>
+                    <a:lstStyle/>
+                    <a:p>
+                      <a:r>
+                        <a:rPr lang="en-US" sz="2800" dirty="0" smtClean="0">
+                          <a:solidFill>
+                            <a:schemeClr val="tx1"/>
+                          </a:solidFill>
+                        </a:rPr>
+                        <a:t>30056</a:t>
+                      </a:r>
+                      <a:endParaRPr lang="en-US" sz="2800" dirty="0">
+                        <a:solidFill>
+                          <a:schemeClr val="tx1"/>
+                        </a:solidFill>
+                      </a:endParaRPr>
+                    </a:p>
+                  </a:txBody>
+                  <a:tcPr/>
+                </a:tc>
+                <a:extLst>
+                  <a:ext uri="{0D108BD9-81ED-4DB2-BD59-A6C34878D82A}">
+                    <a16:rowId xmlns:a16="http://schemas.microsoft.com/office/drawing/2014/main" val="617155486"/>
+                  </a:ext>
+                </a:extLst>
+              </a:tr>
+              <a:tr h="442543">
+                <a:tc>
+                  <a:txBody>
+                    <a:bodyPr/>
+                    <a:lstStyle/>
+                    <a:p>
+                      <a:r>
+                        <a:rPr lang="en-US" sz="2800" dirty="0" smtClean="0">
+                          <a:solidFill>
+                            <a:schemeClr val="tx1"/>
+                          </a:solidFill>
+                        </a:rPr>
+                        <a:t>KIBA</a:t>
+                      </a:r>
+                      <a:endParaRPr lang="en-US" sz="2800" dirty="0">
+                        <a:solidFill>
+                          <a:schemeClr val="tx1"/>
+                        </a:solidFill>
+                      </a:endParaRPr>
+                    </a:p>
+                  </a:txBody>
+                  <a:tcPr/>
+                </a:tc>
+                <a:tc>
+                  <a:txBody>
+                    <a:bodyPr/>
+                    <a:lstStyle/>
+                    <a:p>
+                      <a:r>
+                        <a:rPr lang="en-US" sz="2800" dirty="0" smtClean="0">
+                          <a:solidFill>
+                            <a:schemeClr val="tx1"/>
+                          </a:solidFill>
+                        </a:rPr>
+                        <a:t>229</a:t>
+                      </a:r>
+                      <a:endParaRPr lang="en-US" sz="2800" dirty="0">
+                        <a:solidFill>
+                          <a:schemeClr val="tx1"/>
+                        </a:solidFill>
+                      </a:endParaRPr>
+                    </a:p>
+                  </a:txBody>
+                  <a:tcPr/>
+                </a:tc>
+                <a:tc>
+                  <a:txBody>
+                    <a:bodyPr/>
+                    <a:lstStyle/>
+                    <a:p>
+                      <a:r>
+                        <a:rPr lang="en-US" sz="2800" dirty="0" smtClean="0">
+                          <a:solidFill>
+                            <a:schemeClr val="tx1"/>
+                          </a:solidFill>
+                        </a:rPr>
+                        <a:t>2111</a:t>
+                      </a:r>
+                      <a:endParaRPr lang="en-US" sz="2800" dirty="0">
+                        <a:solidFill>
+                          <a:schemeClr val="tx1"/>
+                        </a:solidFill>
+                      </a:endParaRPr>
+                    </a:p>
+                  </a:txBody>
+                  <a:tcPr/>
+                </a:tc>
+                <a:tc>
+                  <a:txBody>
+                    <a:bodyPr/>
+                    <a:lstStyle/>
+                    <a:p>
+                      <a:r>
+                        <a:rPr lang="en-US" sz="2800" dirty="0" smtClean="0">
+                          <a:solidFill>
+                            <a:schemeClr val="tx1"/>
+                          </a:solidFill>
+                        </a:rPr>
+                        <a:t>118254</a:t>
+                      </a:r>
+                      <a:endParaRPr lang="en-US" sz="2800" dirty="0">
+                        <a:solidFill>
+                          <a:schemeClr val="tx1"/>
+                        </a:solidFill>
+                      </a:endParaRPr>
+                    </a:p>
+                  </a:txBody>
+                  <a:tcPr/>
+                </a:tc>
+                <a:extLst>
+                  <a:ext uri="{0D108BD9-81ED-4DB2-BD59-A6C34878D82A}">
+                    <a16:rowId xmlns:a16="http://schemas.microsoft.com/office/drawing/2014/main" val="703032448"/>
+                  </a:ext>
+                </a:extLst>
+              </a:tr>
+            </a:tbl>
+          </a:graphicData>
+        </a:graphic>
+      </p:graphicFrame>
+      <p:graphicFrame>
+        <p:nvGraphicFramePr>
+          <p:cNvPr id="2" name="Table 1"/>
+          <p:cNvGraphicFramePr>
+            <a:graphicFrameLocks noGrp="1"/>
+          </p:cNvGraphicFramePr>
+          <p:nvPr>
+            <p:extLst>
+              <p:ext uri="{D42A27DB-BD31-4B8C-83A1-F6EECF244321}">
+                <p14:modId xmlns:p14="http://schemas.microsoft.com/office/powerpoint/2010/main" val="3034092735"/>
+              </p:ext>
+            </p:extLst>
+          </p:nvPr>
+        </p:nvGraphicFramePr>
+        <p:xfrm>
+          <a:off x="12373431" y="37382041"/>
+          <a:ext cx="6209344" cy="4086492"/>
+        </p:xfrm>
+        <a:graphic>
+          <a:graphicData uri="http://schemas.openxmlformats.org/drawingml/2006/table">
+            <a:tbl>
+              <a:tblPr firstRow="1" bandRow="1">
+                <a:tableStyleId>{5C22544A-7EE6-4342-B048-85BDC9FD1C3A}</a:tableStyleId>
+              </a:tblPr>
+              <a:tblGrid>
+                <a:gridCol w="3104672">
+                  <a:extLst>
+                    <a:ext uri="{9D8B030D-6E8A-4147-A177-3AD203B41FA5}">
+                      <a16:colId xmlns:a16="http://schemas.microsoft.com/office/drawing/2014/main" val="3696302981"/>
+                    </a:ext>
+                  </a:extLst>
+                </a:gridCol>
+                <a:gridCol w="3104672">
+                  <a:extLst>
+                    <a:ext uri="{9D8B030D-6E8A-4147-A177-3AD203B41FA5}">
+                      <a16:colId xmlns:a16="http://schemas.microsoft.com/office/drawing/2014/main" val="653202651"/>
+                    </a:ext>
+                  </a:extLst>
+                </a:gridCol>
+              </a:tblGrid>
+              <a:tr h="523602">
+                <a:tc>
+                  <a:txBody>
+                    <a:bodyPr/>
+                    <a:lstStyle/>
+                    <a:p>
+                      <a:r>
+                        <a:rPr lang="en-US" sz="2800" b="0" i="0" u="none" strike="noStrike" kern="1200" baseline="0" dirty="0" err="1" smtClean="0">
+                          <a:solidFill>
+                            <a:schemeClr val="lt1"/>
+                          </a:solidFill>
+                          <a:latin typeface="+mn-lt"/>
+                          <a:ea typeface="+mn-ea"/>
+                          <a:cs typeface="+mn-cs"/>
+                        </a:rPr>
+                        <a:t>Hyperparameter</a:t>
+                      </a:r>
+                      <a:endParaRPr lang="en-US" sz="2800" dirty="0">
+                        <a:latin typeface="+mn-lt"/>
+                      </a:endParaRPr>
+                    </a:p>
+                  </a:txBody>
+                  <a:tcPr/>
+                </a:tc>
+                <a:tc>
+                  <a:txBody>
+                    <a:bodyPr/>
+                    <a:lstStyle/>
+                    <a:p>
+                      <a:r>
+                        <a:rPr lang="en-US" sz="2800" b="0" i="0" u="none" strike="noStrike" kern="1200" baseline="0" dirty="0" smtClean="0">
+                          <a:solidFill>
+                            <a:schemeClr val="lt1"/>
+                          </a:solidFill>
+                          <a:latin typeface="+mn-lt"/>
+                          <a:ea typeface="+mn-ea"/>
+                          <a:cs typeface="+mn-cs"/>
+                        </a:rPr>
+                        <a:t>Setting</a:t>
+                      </a:r>
+                      <a:endParaRPr lang="en-US" sz="2800" dirty="0"/>
+                    </a:p>
+                  </a:txBody>
+                  <a:tcPr/>
+                </a:tc>
+                <a:extLst>
+                  <a:ext uri="{0D108BD9-81ED-4DB2-BD59-A6C34878D82A}">
+                    <a16:rowId xmlns:a16="http://schemas.microsoft.com/office/drawing/2014/main" val="501285684"/>
+                  </a:ext>
+                </a:extLst>
+              </a:tr>
+              <a:tr h="523602">
+                <a:tc>
+                  <a:txBody>
+                    <a:bodyPr/>
+                    <a:lstStyle/>
+                    <a:p>
+                      <a:r>
+                        <a:rPr lang="en-US" sz="2800" b="0" i="0" u="none" strike="noStrike" kern="1200" baseline="0" dirty="0" smtClean="0">
+                          <a:solidFill>
+                            <a:schemeClr val="dk1"/>
+                          </a:solidFill>
+                          <a:latin typeface="+mn-lt"/>
+                          <a:ea typeface="+mn-ea"/>
+                          <a:cs typeface="+mn-cs"/>
+                        </a:rPr>
+                        <a:t>Epoch</a:t>
+                      </a:r>
+                      <a:endParaRPr lang="en-US" sz="2800" dirty="0">
+                        <a:latin typeface="+mn-lt"/>
+                      </a:endParaRPr>
+                    </a:p>
+                  </a:txBody>
+                  <a:tcPr/>
+                </a:tc>
+                <a:tc>
+                  <a:txBody>
+                    <a:bodyPr/>
+                    <a:lstStyle/>
+                    <a:p>
+                      <a:r>
+                        <a:rPr lang="en-US" sz="2800" dirty="0" smtClean="0"/>
+                        <a:t>1000</a:t>
+                      </a:r>
+                      <a:endParaRPr lang="en-US" sz="2800" dirty="0"/>
+                    </a:p>
+                  </a:txBody>
+                  <a:tcPr/>
+                </a:tc>
+                <a:extLst>
+                  <a:ext uri="{0D108BD9-81ED-4DB2-BD59-A6C34878D82A}">
+                    <a16:rowId xmlns:a16="http://schemas.microsoft.com/office/drawing/2014/main" val="1065181808"/>
+                  </a:ext>
+                </a:extLst>
+              </a:tr>
+              <a:tr h="523602">
+                <a:tc>
+                  <a:txBody>
+                    <a:bodyPr/>
+                    <a:lstStyle/>
+                    <a:p>
+                      <a:r>
+                        <a:rPr lang="en-US" sz="2800" b="0" i="0" u="none" strike="noStrike" kern="1200" baseline="0" dirty="0" smtClean="0">
+                          <a:solidFill>
+                            <a:schemeClr val="dk1"/>
+                          </a:solidFill>
+                          <a:latin typeface="+mn-lt"/>
+                          <a:ea typeface="+mn-ea"/>
+                          <a:cs typeface="+mn-cs"/>
+                        </a:rPr>
+                        <a:t>Batch size</a:t>
+                      </a:r>
+                      <a:endParaRPr lang="en-US" sz="2800" dirty="0">
+                        <a:latin typeface="+mn-lt"/>
+                      </a:endParaRPr>
+                    </a:p>
+                  </a:txBody>
+                  <a:tcPr/>
+                </a:tc>
+                <a:tc>
+                  <a:txBody>
+                    <a:bodyPr/>
+                    <a:lstStyle/>
+                    <a:p>
+                      <a:r>
+                        <a:rPr lang="en-US" sz="2800" dirty="0" smtClean="0"/>
+                        <a:t>512</a:t>
+                      </a:r>
+                      <a:endParaRPr lang="en-US" sz="2800" dirty="0"/>
+                    </a:p>
+                  </a:txBody>
+                  <a:tcPr/>
+                </a:tc>
+                <a:extLst>
+                  <a:ext uri="{0D108BD9-81ED-4DB2-BD59-A6C34878D82A}">
+                    <a16:rowId xmlns:a16="http://schemas.microsoft.com/office/drawing/2014/main" val="374784465"/>
+                  </a:ext>
+                </a:extLst>
+              </a:tr>
+              <a:tr h="523602">
+                <a:tc>
+                  <a:txBody>
+                    <a:bodyPr/>
+                    <a:lstStyle/>
+                    <a:p>
+                      <a:r>
+                        <a:rPr lang="en-US" sz="2800" b="0" i="0" u="none" strike="noStrike" kern="1200" baseline="0" dirty="0" smtClean="0">
+                          <a:solidFill>
+                            <a:schemeClr val="dk1"/>
+                          </a:solidFill>
+                          <a:latin typeface="+mn-lt"/>
+                          <a:ea typeface="+mn-ea"/>
+                          <a:cs typeface="+mn-cs"/>
+                        </a:rPr>
+                        <a:t>Learning rate</a:t>
+                      </a:r>
+                      <a:endParaRPr lang="en-US" sz="2800" dirty="0">
+                        <a:latin typeface="+mn-lt"/>
+                      </a:endParaRPr>
+                    </a:p>
+                  </a:txBody>
+                  <a:tcPr/>
+                </a:tc>
+                <a:tc>
+                  <a:txBody>
+                    <a:bodyPr/>
+                    <a:lstStyle/>
+                    <a:p>
+                      <a:r>
+                        <a:rPr lang="en-US" sz="2800" dirty="0" smtClean="0"/>
+                        <a:t>0.00001</a:t>
+                      </a:r>
+                      <a:endParaRPr lang="en-US" sz="2800" dirty="0"/>
+                    </a:p>
+                  </a:txBody>
+                  <a:tcPr/>
+                </a:tc>
+                <a:extLst>
+                  <a:ext uri="{0D108BD9-81ED-4DB2-BD59-A6C34878D82A}">
+                    <a16:rowId xmlns:a16="http://schemas.microsoft.com/office/drawing/2014/main" val="4097076291"/>
+                  </a:ext>
+                </a:extLst>
+              </a:tr>
+              <a:tr h="523602">
+                <a:tc>
+                  <a:txBody>
+                    <a:bodyPr/>
+                    <a:lstStyle/>
+                    <a:p>
+                      <a:r>
+                        <a:rPr lang="en-US" sz="2800" b="0" i="0" u="none" strike="noStrike" kern="1200" baseline="0" dirty="0" smtClean="0">
+                          <a:solidFill>
+                            <a:schemeClr val="dk1"/>
+                          </a:solidFill>
+                          <a:latin typeface="+mn-lt"/>
+                          <a:ea typeface="+mn-ea"/>
+                          <a:cs typeface="+mn-cs"/>
+                        </a:rPr>
+                        <a:t>Optimizer</a:t>
+                      </a:r>
+                      <a:endParaRPr lang="en-US" sz="2800" dirty="0">
+                        <a:latin typeface="+mn-lt"/>
+                      </a:endParaRPr>
+                    </a:p>
+                  </a:txBody>
+                  <a:tcPr/>
+                </a:tc>
+                <a:tc>
+                  <a:txBody>
+                    <a:bodyPr/>
+                    <a:lstStyle/>
+                    <a:p>
+                      <a:r>
+                        <a:rPr lang="en-US" sz="2800" dirty="0" smtClean="0"/>
+                        <a:t>Adam</a:t>
+                      </a:r>
+                      <a:endParaRPr lang="en-US" sz="2800" dirty="0"/>
+                    </a:p>
+                  </a:txBody>
+                  <a:tcPr/>
+                </a:tc>
+                <a:extLst>
+                  <a:ext uri="{0D108BD9-81ED-4DB2-BD59-A6C34878D82A}">
+                    <a16:rowId xmlns:a16="http://schemas.microsoft.com/office/drawing/2014/main" val="2111592531"/>
+                  </a:ext>
+                </a:extLst>
+              </a:tr>
+              <a:tr h="523602">
+                <a:tc>
+                  <a:txBody>
+                    <a:bodyPr/>
+                    <a:lstStyle/>
+                    <a:p>
+                      <a:r>
+                        <a:rPr lang="en-US" sz="2800" dirty="0" smtClean="0">
+                          <a:latin typeface="+mn-lt"/>
+                        </a:rPr>
+                        <a:t>GAT layers</a:t>
+                      </a:r>
+                      <a:endParaRPr lang="en-US" sz="2800" dirty="0">
+                        <a:latin typeface="+mn-lt"/>
+                      </a:endParaRPr>
+                    </a:p>
+                  </a:txBody>
+                  <a:tcPr/>
+                </a:tc>
+                <a:tc>
+                  <a:txBody>
+                    <a:bodyPr/>
+                    <a:lstStyle/>
+                    <a:p>
+                      <a:r>
+                        <a:rPr lang="en-US" sz="2800" dirty="0" smtClean="0"/>
+                        <a:t>3</a:t>
+                      </a:r>
+                      <a:endParaRPr lang="en-US" sz="2800" dirty="0"/>
+                    </a:p>
+                  </a:txBody>
+                  <a:tcPr/>
+                </a:tc>
+                <a:extLst>
+                  <a:ext uri="{0D108BD9-81ED-4DB2-BD59-A6C34878D82A}">
+                    <a16:rowId xmlns:a16="http://schemas.microsoft.com/office/drawing/2014/main" val="1222700928"/>
+                  </a:ext>
+                </a:extLst>
+              </a:tr>
+              <a:tr h="523602">
+                <a:tc>
+                  <a:txBody>
+                    <a:bodyPr/>
+                    <a:lstStyle/>
+                    <a:p>
+                      <a:r>
+                        <a:rPr lang="en-US" sz="2800" b="0" i="0" u="none" strike="noStrike" kern="1200" baseline="0" dirty="0" smtClean="0">
+                          <a:solidFill>
+                            <a:schemeClr val="dk1"/>
+                          </a:solidFill>
+                          <a:latin typeface="+mn-lt"/>
+                          <a:ea typeface="+mn-ea"/>
+                          <a:cs typeface="+mn-cs"/>
+                        </a:rPr>
+                        <a:t>Fully connected layers</a:t>
+                      </a:r>
+                      <a:endParaRPr lang="en-US" sz="2800" dirty="0">
+                        <a:latin typeface="+mn-lt"/>
+                      </a:endParaRPr>
+                    </a:p>
+                  </a:txBody>
+                  <a:tcPr/>
+                </a:tc>
+                <a:tc>
+                  <a:txBody>
+                    <a:bodyPr/>
+                    <a:lstStyle/>
+                    <a:p>
+                      <a:r>
+                        <a:rPr lang="en-US" sz="2800" dirty="0" smtClean="0"/>
+                        <a:t>2</a:t>
+                      </a:r>
+                      <a:endParaRPr lang="en-US" sz="2800" dirty="0"/>
+                    </a:p>
+                  </a:txBody>
+                  <a:tcPr/>
+                </a:tc>
+                <a:extLst>
+                  <a:ext uri="{0D108BD9-81ED-4DB2-BD59-A6C34878D82A}">
+                    <a16:rowId xmlns:a16="http://schemas.microsoft.com/office/drawing/2014/main" val="4109986975"/>
+                  </a:ext>
+                </a:extLst>
+              </a:tr>
+            </a:tbl>
+          </a:graphicData>
+        </a:graphic>
+      </p:graphicFrame>
+      <p:graphicFrame>
+        <p:nvGraphicFramePr>
+          <p:cNvPr id="11" name="Table 10"/>
+          <p:cNvGraphicFramePr>
+            <a:graphicFrameLocks noGrp="1"/>
+          </p:cNvGraphicFramePr>
+          <p:nvPr>
+            <p:extLst>
+              <p:ext uri="{D42A27DB-BD31-4B8C-83A1-F6EECF244321}">
+                <p14:modId xmlns:p14="http://schemas.microsoft.com/office/powerpoint/2010/main" val="1556806670"/>
+              </p:ext>
+            </p:extLst>
+          </p:nvPr>
+        </p:nvGraphicFramePr>
+        <p:xfrm>
+          <a:off x="22497320" y="18128345"/>
+          <a:ext cx="9358122" cy="5063481"/>
+        </p:xfrm>
+        <a:graphic>
+          <a:graphicData uri="http://schemas.openxmlformats.org/drawingml/2006/table">
+            <a:tbl>
+              <a:tblPr firstRow="1" bandRow="1">
+                <a:tableStyleId>{5C22544A-7EE6-4342-B048-85BDC9FD1C3A}</a:tableStyleId>
+              </a:tblPr>
+              <a:tblGrid>
+                <a:gridCol w="3119374">
+                  <a:extLst>
+                    <a:ext uri="{9D8B030D-6E8A-4147-A177-3AD203B41FA5}">
+                      <a16:colId xmlns:a16="http://schemas.microsoft.com/office/drawing/2014/main" val="2201287827"/>
+                    </a:ext>
+                  </a:extLst>
+                </a:gridCol>
+                <a:gridCol w="3119374">
+                  <a:extLst>
+                    <a:ext uri="{9D8B030D-6E8A-4147-A177-3AD203B41FA5}">
+                      <a16:colId xmlns:a16="http://schemas.microsoft.com/office/drawing/2014/main" val="1825515799"/>
+                    </a:ext>
+                  </a:extLst>
+                </a:gridCol>
+                <a:gridCol w="3119374">
+                  <a:extLst>
+                    <a:ext uri="{9D8B030D-6E8A-4147-A177-3AD203B41FA5}">
+                      <a16:colId xmlns:a16="http://schemas.microsoft.com/office/drawing/2014/main" val="131161324"/>
+                    </a:ext>
+                  </a:extLst>
+                </a:gridCol>
+              </a:tblGrid>
+              <a:tr h="713834">
+                <a:tc>
+                  <a:txBody>
+                    <a:bodyPr/>
+                    <a:lstStyle/>
+                    <a:p>
+                      <a:r>
+                        <a:rPr lang="en-US" sz="2800" b="0" dirty="0" smtClean="0">
+                          <a:solidFill>
+                            <a:schemeClr val="tx1"/>
+                          </a:solidFill>
+                        </a:rPr>
+                        <a:t>method</a:t>
+                      </a:r>
+                      <a:endParaRPr lang="en-US" sz="2800" b="0" dirty="0">
+                        <a:solidFill>
+                          <a:schemeClr val="tx1"/>
+                        </a:solidFill>
+                      </a:endParaRPr>
+                    </a:p>
+                  </a:txBody>
+                  <a:tcPr/>
+                </a:tc>
+                <a:tc>
+                  <a:txBody>
+                    <a:bodyPr/>
+                    <a:lstStyle/>
+                    <a:p>
+                      <a:r>
+                        <a:rPr lang="en-US" sz="2800" b="0" dirty="0" smtClean="0">
+                          <a:solidFill>
+                            <a:schemeClr val="tx1"/>
+                          </a:solidFill>
+                        </a:rPr>
+                        <a:t>MSE</a:t>
+                      </a:r>
+                      <a:endParaRPr lang="en-US" sz="2800" b="0" dirty="0">
+                        <a:solidFill>
+                          <a:schemeClr val="tx1"/>
+                        </a:solidFill>
+                      </a:endParaRPr>
+                    </a:p>
+                  </a:txBody>
+                  <a:tcPr/>
+                </a:tc>
+                <a:tc>
+                  <a:txBody>
+                    <a:bodyPr/>
+                    <a:lstStyle/>
+                    <a:p>
+                      <a:r>
+                        <a:rPr lang="en-US" sz="2800" b="0" dirty="0" smtClean="0">
+                          <a:solidFill>
+                            <a:schemeClr val="tx1"/>
+                          </a:solidFill>
+                        </a:rPr>
+                        <a:t>CI</a:t>
+                      </a:r>
+                      <a:endParaRPr lang="en-US" sz="2800" b="0" dirty="0">
+                        <a:solidFill>
+                          <a:schemeClr val="tx1"/>
+                        </a:solidFill>
+                      </a:endParaRPr>
+                    </a:p>
+                  </a:txBody>
+                  <a:tcPr/>
+                </a:tc>
+                <a:extLst>
+                  <a:ext uri="{0D108BD9-81ED-4DB2-BD59-A6C34878D82A}">
+                    <a16:rowId xmlns:a16="http://schemas.microsoft.com/office/drawing/2014/main" val="3623270574"/>
+                  </a:ext>
+                </a:extLst>
+              </a:tr>
+              <a:tr h="762645">
+                <a:tc>
+                  <a:txBody>
+                    <a:bodyPr/>
+                    <a:lstStyle/>
+                    <a:p>
+                      <a:r>
+                        <a:rPr lang="en-US" sz="2800" dirty="0" err="1" smtClean="0"/>
+                        <a:t>KronRLS</a:t>
+                      </a:r>
+                      <a:endParaRPr lang="en-US" sz="2800" dirty="0"/>
+                    </a:p>
+                  </a:txBody>
+                  <a:tcPr/>
+                </a:tc>
+                <a:tc>
+                  <a:txBody>
+                    <a:bodyPr/>
+                    <a:lstStyle/>
+                    <a:p>
+                      <a:r>
+                        <a:rPr lang="en-US" sz="2800" b="0" i="0" u="none" strike="noStrike" kern="1200" baseline="0" dirty="0" smtClean="0">
+                          <a:solidFill>
+                            <a:schemeClr val="dk1"/>
+                          </a:solidFill>
+                          <a:latin typeface="+mn-lt"/>
+                          <a:ea typeface="+mn-ea"/>
+                          <a:cs typeface="+mn-cs"/>
+                        </a:rPr>
+                        <a:t>0.379</a:t>
+                      </a:r>
+                      <a:endParaRPr lang="en-US" sz="2800" dirty="0"/>
+                    </a:p>
+                  </a:txBody>
+                  <a:tcPr/>
+                </a:tc>
+                <a:tc>
+                  <a:txBody>
+                    <a:bodyPr/>
+                    <a:lstStyle/>
+                    <a:p>
+                      <a:r>
+                        <a:rPr lang="en-US" sz="2800" b="0" i="0" u="none" strike="noStrike" kern="1200" baseline="0" dirty="0" smtClean="0">
+                          <a:solidFill>
+                            <a:schemeClr val="dk1"/>
+                          </a:solidFill>
+                          <a:latin typeface="+mn-lt"/>
+                          <a:ea typeface="+mn-ea"/>
+                          <a:cs typeface="+mn-cs"/>
+                        </a:rPr>
+                        <a:t>0.871</a:t>
+                      </a:r>
+                      <a:endParaRPr lang="en-US" sz="2800" dirty="0"/>
+                    </a:p>
+                  </a:txBody>
+                  <a:tcPr/>
+                </a:tc>
+                <a:extLst>
+                  <a:ext uri="{0D108BD9-81ED-4DB2-BD59-A6C34878D82A}">
+                    <a16:rowId xmlns:a16="http://schemas.microsoft.com/office/drawing/2014/main" val="3536575566"/>
+                  </a:ext>
+                </a:extLst>
+              </a:tr>
+              <a:tr h="773435">
+                <a:tc>
+                  <a:txBody>
+                    <a:bodyPr/>
+                    <a:lstStyle/>
+                    <a:p>
+                      <a:r>
+                        <a:rPr lang="en-US" sz="2800" dirty="0" err="1" smtClean="0"/>
+                        <a:t>SimBoost</a:t>
+                      </a:r>
+                      <a:endParaRPr lang="en-US" sz="2800" dirty="0"/>
+                    </a:p>
+                  </a:txBody>
+                  <a:tcPr/>
+                </a:tc>
+                <a:tc>
+                  <a:txBody>
+                    <a:bodyPr/>
+                    <a:lstStyle/>
+                    <a:p>
+                      <a:r>
+                        <a:rPr lang="en-US" sz="2800" b="0" i="0" u="none" strike="noStrike" kern="1200" baseline="0" dirty="0" smtClean="0">
+                          <a:solidFill>
+                            <a:schemeClr val="dk1"/>
+                          </a:solidFill>
+                          <a:latin typeface="+mn-lt"/>
+                          <a:ea typeface="+mn-ea"/>
+                          <a:cs typeface="+mn-cs"/>
+                        </a:rPr>
+                        <a:t>0.282</a:t>
+                      </a:r>
+                      <a:endParaRPr lang="en-US" sz="2800" dirty="0"/>
+                    </a:p>
+                  </a:txBody>
+                  <a:tcPr/>
+                </a:tc>
+                <a:tc>
+                  <a:txBody>
+                    <a:bodyPr/>
+                    <a:lstStyle/>
+                    <a:p>
+                      <a:r>
+                        <a:rPr lang="en-US" sz="2800" b="0" i="0" u="none" strike="noStrike" kern="1200" baseline="0" dirty="0" smtClean="0">
+                          <a:solidFill>
+                            <a:schemeClr val="dk1"/>
+                          </a:solidFill>
+                          <a:latin typeface="+mn-lt"/>
+                          <a:ea typeface="+mn-ea"/>
+                          <a:cs typeface="+mn-cs"/>
+                        </a:rPr>
+                        <a:t>0.871</a:t>
+                      </a:r>
+                      <a:endParaRPr lang="en-US" sz="2800" dirty="0"/>
+                    </a:p>
+                  </a:txBody>
+                  <a:tcPr/>
+                </a:tc>
+                <a:extLst>
+                  <a:ext uri="{0D108BD9-81ED-4DB2-BD59-A6C34878D82A}">
+                    <a16:rowId xmlns:a16="http://schemas.microsoft.com/office/drawing/2014/main" val="1060874795"/>
+                  </a:ext>
+                </a:extLst>
+              </a:tr>
+              <a:tr h="762645">
+                <a:tc>
+                  <a:txBody>
+                    <a:bodyPr/>
+                    <a:lstStyle/>
+                    <a:p>
+                      <a:r>
+                        <a:rPr lang="en-US" sz="2800" dirty="0" err="1" smtClean="0"/>
+                        <a:t>DeepDTA</a:t>
+                      </a:r>
+                      <a:endParaRPr lang="en-US" sz="2800" dirty="0"/>
+                    </a:p>
+                  </a:txBody>
+                  <a:tcPr/>
+                </a:tc>
+                <a:tc>
+                  <a:txBody>
+                    <a:bodyPr/>
+                    <a:lstStyle/>
+                    <a:p>
+                      <a:r>
+                        <a:rPr lang="en-US" sz="2800" b="0" i="0" u="none" strike="noStrike" kern="1200" baseline="0" dirty="0" smtClean="0">
+                          <a:solidFill>
+                            <a:schemeClr val="dk1"/>
+                          </a:solidFill>
+                          <a:latin typeface="+mn-lt"/>
+                          <a:ea typeface="+mn-ea"/>
+                          <a:cs typeface="+mn-cs"/>
+                        </a:rPr>
+                        <a:t>0.261</a:t>
+                      </a:r>
+                      <a:endParaRPr lang="en-US" sz="2800" dirty="0"/>
+                    </a:p>
+                  </a:txBody>
+                  <a:tcPr/>
+                </a:tc>
+                <a:tc>
+                  <a:txBody>
+                    <a:bodyPr/>
+                    <a:lstStyle/>
+                    <a:p>
+                      <a:r>
+                        <a:rPr lang="en-US" sz="2800" b="0" i="0" u="none" strike="noStrike" kern="1200" baseline="0" dirty="0" smtClean="0">
+                          <a:solidFill>
+                            <a:schemeClr val="dk1"/>
+                          </a:solidFill>
+                          <a:latin typeface="+mn-lt"/>
+                          <a:ea typeface="+mn-ea"/>
+                          <a:cs typeface="+mn-cs"/>
+                        </a:rPr>
+                        <a:t>0.878</a:t>
+                      </a:r>
+                      <a:endParaRPr lang="en-US" sz="2800" dirty="0"/>
+                    </a:p>
+                  </a:txBody>
+                  <a:tcPr/>
+                </a:tc>
+                <a:extLst>
+                  <a:ext uri="{0D108BD9-81ED-4DB2-BD59-A6C34878D82A}">
+                    <a16:rowId xmlns:a16="http://schemas.microsoft.com/office/drawing/2014/main" val="3530657421"/>
+                  </a:ext>
+                </a:extLst>
+              </a:tr>
+              <a:tr h="762645">
+                <a:tc>
+                  <a:txBody>
+                    <a:bodyPr/>
+                    <a:lstStyle/>
+                    <a:p>
+                      <a:r>
+                        <a:rPr lang="en-US" sz="2800" dirty="0" err="1" smtClean="0"/>
+                        <a:t>WideDTA</a:t>
+                      </a:r>
+                      <a:endParaRPr lang="en-US" sz="2800" dirty="0"/>
+                    </a:p>
+                  </a:txBody>
+                  <a:tcPr/>
+                </a:tc>
+                <a:tc>
+                  <a:txBody>
+                    <a:bodyPr/>
+                    <a:lstStyle/>
+                    <a:p>
+                      <a:r>
+                        <a:rPr lang="en-US" sz="2800" b="0" i="0" u="none" strike="noStrike" kern="1200" baseline="0" dirty="0" smtClean="0">
+                          <a:solidFill>
+                            <a:schemeClr val="dk1"/>
+                          </a:solidFill>
+                          <a:latin typeface="+mn-lt"/>
+                          <a:ea typeface="+mn-ea"/>
+                          <a:cs typeface="+mn-cs"/>
+                        </a:rPr>
+                        <a:t>0.262</a:t>
+                      </a:r>
+                      <a:endParaRPr lang="en-US" sz="2800" dirty="0"/>
+                    </a:p>
+                  </a:txBody>
+                  <a:tcPr/>
+                </a:tc>
+                <a:tc>
+                  <a:txBody>
+                    <a:bodyPr/>
+                    <a:lstStyle/>
+                    <a:p>
+                      <a:r>
+                        <a:rPr lang="en-US" sz="2800" b="0" i="0" u="none" strike="noStrike" kern="1200" baseline="0" dirty="0" smtClean="0">
+                          <a:solidFill>
+                            <a:schemeClr val="dk1"/>
+                          </a:solidFill>
+                          <a:latin typeface="+mn-lt"/>
+                          <a:ea typeface="+mn-ea"/>
+                          <a:cs typeface="+mn-cs"/>
+                        </a:rPr>
+                        <a:t>0.886</a:t>
+                      </a:r>
+                      <a:endParaRPr lang="en-US" sz="2800" dirty="0"/>
+                    </a:p>
+                  </a:txBody>
+                  <a:tcPr/>
+                </a:tc>
+                <a:extLst>
+                  <a:ext uri="{0D108BD9-81ED-4DB2-BD59-A6C34878D82A}">
+                    <a16:rowId xmlns:a16="http://schemas.microsoft.com/office/drawing/2014/main" val="1566820256"/>
+                  </a:ext>
+                </a:extLst>
+              </a:tr>
+              <a:tr h="1288277">
+                <a:tc>
+                  <a:txBody>
+                    <a:bodyPr/>
+                    <a:lstStyle/>
+                    <a:p>
+                      <a:r>
+                        <a:rPr lang="en-US" sz="2800" dirty="0" smtClean="0"/>
+                        <a:t>Our model</a:t>
+                      </a:r>
+                      <a:endParaRPr lang="en-US" sz="2800" dirty="0"/>
+                    </a:p>
+                  </a:txBody>
+                  <a:tcPr/>
+                </a:tc>
+                <a:tc>
+                  <a:txBody>
+                    <a:bodyPr/>
+                    <a:lstStyle/>
+                    <a:p>
+                      <a:endParaRPr lang="en-US" sz="2800" dirty="0"/>
+                    </a:p>
+                  </a:txBody>
+                  <a:tcPr/>
+                </a:tc>
+                <a:tc>
+                  <a:txBody>
+                    <a:bodyPr/>
+                    <a:lstStyle/>
+                    <a:p>
+                      <a:endParaRPr lang="en-US" sz="2800" dirty="0"/>
+                    </a:p>
+                  </a:txBody>
+                  <a:tcPr/>
+                </a:tc>
+                <a:extLst>
+                  <a:ext uri="{0D108BD9-81ED-4DB2-BD59-A6C34878D82A}">
+                    <a16:rowId xmlns:a16="http://schemas.microsoft.com/office/drawing/2014/main" val="3731590929"/>
+                  </a:ext>
+                </a:extLst>
+              </a:tr>
+            </a:tbl>
+          </a:graphicData>
+        </a:graphic>
+      </p:graphicFrame>
     </p:spTree>
     <p:extLst>
       <p:ext uri="{BB962C8B-B14F-4D97-AF65-F5344CB8AC3E}">

--- a/poster/poster.pptx
+++ b/poster/poster.pptx
@@ -243,7 +243,7 @@
           <a:p>
             <a:fld id="{AFE03F1E-456F-5D40-9A89-77D696A88D57}" type="datetimeFigureOut">
               <a:rPr lang="en-US" smtClean="0"/>
-              <a:t>5/22/2023</a:t>
+              <a:t>5/23/2023</a:t>
             </a:fld>
             <a:endParaRPr lang="en-US"/>
           </a:p>
@@ -479,7 +479,7 @@
           <a:p>
             <a:fld id="{AFE03F1E-456F-5D40-9A89-77D696A88D57}" type="datetimeFigureOut">
               <a:rPr lang="en-US" smtClean="0"/>
-              <a:t>5/22/2023</a:t>
+              <a:t>5/23/2023</a:t>
             </a:fld>
             <a:endParaRPr lang="en-US"/>
           </a:p>
@@ -659,7 +659,7 @@
           <a:p>
             <a:fld id="{AFE03F1E-456F-5D40-9A89-77D696A88D57}" type="datetimeFigureOut">
               <a:rPr lang="en-US" smtClean="0"/>
-              <a:t>5/22/2023</a:t>
+              <a:t>5/23/2023</a:t>
             </a:fld>
             <a:endParaRPr lang="en-US"/>
           </a:p>
@@ -829,7 +829,7 @@
           <a:p>
             <a:fld id="{AFE03F1E-456F-5D40-9A89-77D696A88D57}" type="datetimeFigureOut">
               <a:rPr lang="en-US" smtClean="0"/>
-              <a:t>5/22/2023</a:t>
+              <a:t>5/23/2023</a:t>
             </a:fld>
             <a:endParaRPr lang="en-US"/>
           </a:p>
@@ -1073,7 +1073,7 @@
           <a:p>
             <a:fld id="{AFE03F1E-456F-5D40-9A89-77D696A88D57}" type="datetimeFigureOut">
               <a:rPr lang="en-US" smtClean="0"/>
-              <a:t>5/22/2023</a:t>
+              <a:t>5/23/2023</a:t>
             </a:fld>
             <a:endParaRPr lang="en-US"/>
           </a:p>
@@ -1305,7 +1305,7 @@
           <a:p>
             <a:fld id="{AFE03F1E-456F-5D40-9A89-77D696A88D57}" type="datetimeFigureOut">
               <a:rPr lang="en-US" smtClean="0"/>
-              <a:t>5/22/2023</a:t>
+              <a:t>5/23/2023</a:t>
             </a:fld>
             <a:endParaRPr lang="en-US"/>
           </a:p>
@@ -1672,7 +1672,7 @@
           <a:p>
             <a:fld id="{AFE03F1E-456F-5D40-9A89-77D696A88D57}" type="datetimeFigureOut">
               <a:rPr lang="en-US" smtClean="0"/>
-              <a:t>5/22/2023</a:t>
+              <a:t>5/23/2023</a:t>
             </a:fld>
             <a:endParaRPr lang="en-US"/>
           </a:p>
@@ -1790,7 +1790,7 @@
           <a:p>
             <a:fld id="{AFE03F1E-456F-5D40-9A89-77D696A88D57}" type="datetimeFigureOut">
               <a:rPr lang="en-US" smtClean="0"/>
-              <a:t>5/22/2023</a:t>
+              <a:t>5/23/2023</a:t>
             </a:fld>
             <a:endParaRPr lang="en-US"/>
           </a:p>
@@ -1885,7 +1885,7 @@
           <a:p>
             <a:fld id="{AFE03F1E-456F-5D40-9A89-77D696A88D57}" type="datetimeFigureOut">
               <a:rPr lang="en-US" smtClean="0"/>
-              <a:t>5/22/2023</a:t>
+              <a:t>5/23/2023</a:t>
             </a:fld>
             <a:endParaRPr lang="en-US"/>
           </a:p>
@@ -2162,7 +2162,7 @@
           <a:p>
             <a:fld id="{AFE03F1E-456F-5D40-9A89-77D696A88D57}" type="datetimeFigureOut">
               <a:rPr lang="en-US" smtClean="0"/>
-              <a:t>5/22/2023</a:t>
+              <a:t>5/23/2023</a:t>
             </a:fld>
             <a:endParaRPr lang="en-US"/>
           </a:p>
@@ -2419,7 +2419,7 @@
           <a:p>
             <a:fld id="{AFE03F1E-456F-5D40-9A89-77D696A88D57}" type="datetimeFigureOut">
               <a:rPr lang="en-US" smtClean="0"/>
-              <a:t>5/22/2023</a:t>
+              <a:t>5/23/2023</a:t>
             </a:fld>
             <a:endParaRPr lang="en-US"/>
           </a:p>
@@ -2632,7 +2632,7 @@
           <a:p>
             <a:fld id="{AFE03F1E-456F-5D40-9A89-77D696A88D57}" type="datetimeFigureOut">
               <a:rPr lang="en-US" smtClean="0"/>
-              <a:t>5/22/2023</a:t>
+              <a:t>5/23/2023</a:t>
             </a:fld>
             <a:endParaRPr lang="en-US"/>
           </a:p>
@@ -3108,7 +3108,7 @@
         <p:spPr bwMode="auto">
           <a:xfrm>
             <a:off x="610636" y="487395"/>
-            <a:ext cx="31507196" cy="3598387"/>
+            <a:ext cx="31507196" cy="3444498"/>
           </a:xfrm>
           <a:prstGeom prst="rect">
             <a:avLst/>
@@ -3249,39 +3249,24 @@
             </a:lvl9pPr>
           </a:lstStyle>
           <a:p>
-            <a:pPr>
-              <a:spcAft>
-                <a:spcPts val="800"/>
-              </a:spcAft>
-              <a:defRPr/>
-            </a:pPr>
-            <a:r>
-              <a:rPr lang="en-US" altLang="en-US" sz="11500" dirty="0">
+            <a:r>
+              <a:rPr lang="en-US" sz="11000" b="1" dirty="0" smtClean="0">
                 <a:solidFill>
-                  <a:srgbClr val="FFFFFF"/>
+                  <a:schemeClr val="bg1"/>
                 </a:solidFill>
-                <a:latin typeface="Raleway" panose="020B0003030101060003" pitchFamily="34" charset="0"/>
-                <a:ea typeface="Arial" charset="0"/>
+                <a:latin typeface="+mn-lt"/>
               </a:rPr>
-              <a:t>Drug-Target Affinity Prediction using Graph Neural </a:t>
-            </a:r>
-            <a:r>
-              <a:rPr lang="en-US" altLang="en-US" sz="11500" dirty="0" smtClean="0">
+              <a:t>Drug-Target </a:t>
+            </a:r>
+            <a:r>
+              <a:rPr lang="en-US" sz="11000" b="1" dirty="0">
                 <a:solidFill>
-                  <a:srgbClr val="FFFFFF"/>
+                  <a:schemeClr val="bg1"/>
                 </a:solidFill>
-                <a:latin typeface="Raleway" panose="020B0003030101060003" pitchFamily="34" charset="0"/>
-                <a:ea typeface="Arial" charset="0"/>
+                <a:latin typeface="+mn-lt"/>
               </a:rPr>
-              <a:t>Networks</a:t>
-            </a:r>
-            <a:endParaRPr lang="en-US" altLang="en-US" sz="4800" dirty="0">
-              <a:solidFill>
-                <a:srgbClr val="FFFFFF"/>
-              </a:solidFill>
-              <a:latin typeface="Raleway" panose="020B0003030101060003" pitchFamily="34" charset="0"/>
-              <a:ea typeface="Arial" charset="0"/>
-            </a:endParaRPr>
+              <a:t>Affinity Prediction with Graph Attention network</a:t>
+            </a:r>
           </a:p>
         </p:txBody>
       </p:sp>
@@ -3301,7 +3286,7 @@
         </p:nvSpPr>
         <p:spPr bwMode="auto">
           <a:xfrm>
-            <a:off x="1069304" y="12879471"/>
+            <a:off x="1069304" y="15497733"/>
             <a:ext cx="4654922" cy="923330"/>
           </a:xfrm>
           <a:prstGeom prst="rect">
@@ -3466,7 +3451,7 @@
         </p:nvSpPr>
         <p:spPr>
           <a:xfrm>
-            <a:off x="22150161" y="6604795"/>
+            <a:off x="12018945" y="37991667"/>
             <a:ext cx="9769898" cy="2308324"/>
           </a:xfrm>
           <a:prstGeom prst="rect">
@@ -3549,7 +3534,7 @@
         <p:spPr>
           <a:xfrm>
             <a:off x="11562783" y="6855753"/>
-            <a:ext cx="9954648" cy="35671304"/>
+            <a:ext cx="9954648" cy="25576232"/>
           </a:xfrm>
           <a:prstGeom prst="rect">
             <a:avLst/>
@@ -3568,480 +3553,94 @@
           <a:lstStyle/>
           <a:p>
             <a:r>
-              <a:rPr lang="en-US" sz="3200" dirty="0"/>
-              <a:t>We propose </a:t>
-            </a:r>
-            <a:r>
-              <a:rPr lang="en-US" sz="3200" dirty="0" smtClean="0"/>
-              <a:t> a model  </a:t>
-            </a:r>
-            <a:r>
-              <a:rPr lang="en-US" sz="3200" dirty="0"/>
-              <a:t>for </a:t>
-            </a:r>
-            <a:r>
-              <a:rPr lang="en-US" sz="3200" dirty="0" smtClean="0"/>
-              <a:t>drug–target </a:t>
-            </a:r>
-            <a:r>
-              <a:rPr lang="en-US" sz="3200" dirty="0"/>
-              <a:t>affinity (DTA) prediction</a:t>
-            </a:r>
-            <a:r>
-              <a:rPr lang="en-US" sz="3200" dirty="0" smtClean="0"/>
-              <a:t>. We </a:t>
-            </a:r>
-            <a:r>
-              <a:rPr lang="en-US" sz="3200" dirty="0"/>
-              <a:t>frame the DTA prediction problem </a:t>
-            </a:r>
-            <a:r>
-              <a:rPr lang="en-US" sz="3200" dirty="0" smtClean="0"/>
-              <a:t>as a </a:t>
-            </a:r>
-            <a:r>
-              <a:rPr lang="en-US" sz="3200" dirty="0"/>
-              <a:t>regression </a:t>
-            </a:r>
-            <a:r>
-              <a:rPr lang="en-US" sz="3200" dirty="0" smtClean="0"/>
-              <a:t>task. </a:t>
-            </a:r>
-            <a:r>
-              <a:rPr lang="en-US" sz="3200" dirty="0"/>
-              <a:t>Existing </a:t>
-            </a:r>
-            <a:r>
-              <a:rPr lang="en-US" sz="3200" dirty="0" smtClean="0"/>
-              <a:t>methods like </a:t>
-            </a:r>
-            <a:r>
-              <a:rPr lang="en-US" sz="3200" dirty="0" err="1" smtClean="0"/>
+              <a:rPr lang="en-US" sz="3600" dirty="0"/>
+              <a:t>We propose a model for DTA prediction that uses the graph attention network (GAT) to represent the drugs as molecular graphs and predict their binding affinities to target proteins. GAT is a graph attentional operator that computes a weighted sum of neighboring node features for each node. The weights are computed by a learnable attention mechanism that allows the model to focus on the most relevant information for each node. GAT can handle large and complex graphs with varying degrees and node </a:t>
+            </a:r>
+            <a:r>
+              <a:rPr lang="en-US" sz="3600" dirty="0" smtClean="0"/>
+              <a:t>attributes.</a:t>
+            </a:r>
+          </a:p>
+          <a:p>
+            <a:endParaRPr lang="en-US" sz="3600" dirty="0"/>
+          </a:p>
+          <a:p>
+            <a:r>
+              <a:rPr lang="en-US" sz="3600" dirty="0"/>
+              <a:t>Our model consists of two parts: one for encoding the protein sequences and one for encoding the drug graphs. For protein sequences, we use an embedding layer followed by three 1D convolutional layers to learn different levels of features from the input. We then apply max pooling layer to get a representation vector. This approach is similar to the existing baseline models like </a:t>
+            </a:r>
+            <a:r>
+              <a:rPr lang="en-US" sz="3600" dirty="0" err="1"/>
               <a:t>DeepDTA</a:t>
             </a:r>
             <a:r>
-              <a:rPr lang="en-US" sz="3200" dirty="0" smtClean="0"/>
-              <a:t> [5], </a:t>
-            </a:r>
-            <a:r>
-              <a:rPr lang="en-US" sz="3200" dirty="0" err="1" smtClean="0"/>
-              <a:t>WideDTA</a:t>
-            </a:r>
-            <a:r>
-              <a:rPr lang="en-US" sz="3200" dirty="0" smtClean="0"/>
-              <a:t> [6], </a:t>
-            </a:r>
-            <a:r>
-              <a:rPr lang="en-US" sz="3200" dirty="0" err="1" smtClean="0"/>
-              <a:t>AttentionDTA</a:t>
-            </a:r>
-            <a:r>
-              <a:rPr lang="en-US" sz="3200" dirty="0" smtClean="0"/>
-              <a:t> [7] represent </a:t>
-            </a:r>
-            <a:r>
-              <a:rPr lang="en-US" sz="3200" dirty="0"/>
-              <a:t>the input drugs </a:t>
-            </a:r>
-            <a:r>
-              <a:rPr lang="en-US" sz="3200" dirty="0" smtClean="0"/>
-              <a:t>as strings, </a:t>
-            </a:r>
-            <a:r>
-              <a:rPr lang="en-US" sz="3200" dirty="0"/>
-              <a:t>When </a:t>
-            </a:r>
-            <a:r>
-              <a:rPr lang="en-US" sz="3200" dirty="0" smtClean="0"/>
-              <a:t>using strings</a:t>
-            </a:r>
-            <a:r>
-              <a:rPr lang="en-US" sz="3200" dirty="0"/>
-              <a:t>, the structural information of the molecule is lost, which </a:t>
-            </a:r>
-            <a:r>
-              <a:rPr lang="en-US" sz="3200" dirty="0" smtClean="0"/>
-              <a:t>can reduce </a:t>
-            </a:r>
-            <a:r>
-              <a:rPr lang="en-US" sz="3200" dirty="0"/>
-              <a:t>the predictive power of a </a:t>
-            </a:r>
-            <a:r>
-              <a:rPr lang="en-US" sz="3200" dirty="0" err="1" smtClean="0"/>
-              <a:t>model.In</a:t>
-            </a:r>
-            <a:r>
-              <a:rPr lang="en-US" sz="3200" dirty="0" smtClean="0"/>
-              <a:t> Our method </a:t>
-            </a:r>
-            <a:r>
-              <a:rPr lang="en-US" sz="3200" dirty="0"/>
-              <a:t>we represent the drugs as molecular </a:t>
-            </a:r>
-            <a:r>
-              <a:rPr lang="en-US" sz="3200" dirty="0" smtClean="0"/>
-              <a:t>graphs  such as</a:t>
-            </a:r>
-            <a:r>
-              <a:rPr lang="en-US" sz="3200" dirty="0"/>
-              <a:t> </a:t>
-            </a:r>
-            <a:r>
-              <a:rPr lang="en-US" sz="3200" dirty="0" err="1"/>
+              <a:rPr lang="en-US" sz="3600" dirty="0"/>
+              <a:t> and </a:t>
+            </a:r>
+            <a:r>
+              <a:rPr lang="en-US" sz="3600" dirty="0" err="1"/>
               <a:t>GraphDTA</a:t>
             </a:r>
             <a:r>
-              <a:rPr lang="en-US" sz="3200" dirty="0"/>
-              <a:t>[8</a:t>
-            </a:r>
-            <a:r>
-              <a:rPr lang="en-US" sz="3200" dirty="0" smtClean="0"/>
-              <a:t>] and use </a:t>
-            </a:r>
-            <a:r>
-              <a:rPr lang="en-US" sz="3200" dirty="0"/>
-              <a:t>graph attention network(GAT</a:t>
-            </a:r>
-            <a:r>
-              <a:rPr lang="en-US" sz="3200" dirty="0" smtClean="0"/>
-              <a:t>) to  </a:t>
-            </a:r>
-            <a:r>
-              <a:rPr lang="en-US" sz="3200" dirty="0"/>
-              <a:t>predict DTA</a:t>
-            </a:r>
-            <a:r>
-              <a:rPr lang="en-US" sz="3200" dirty="0" smtClean="0"/>
+              <a:rPr lang="en-US" sz="3600" dirty="0"/>
               <a:t>.</a:t>
             </a:r>
           </a:p>
           <a:p>
-            <a:r>
-              <a:rPr lang="en-US" sz="3200" dirty="0"/>
-              <a:t>The benefits of using graph attention </a:t>
-            </a:r>
-            <a:r>
-              <a:rPr lang="en-US" sz="3200" dirty="0" smtClean="0"/>
-              <a:t>network </a:t>
-            </a:r>
-            <a:r>
-              <a:rPr lang="en-US" sz="3200" dirty="0"/>
-              <a:t>are </a:t>
-            </a:r>
-            <a:r>
-              <a:rPr lang="en-US" sz="3200" dirty="0" smtClean="0"/>
-              <a:t>that </a:t>
-            </a:r>
-            <a:r>
-              <a:rPr lang="en-US" sz="3200" dirty="0"/>
-              <a:t>allows the model to learn how to weigh the importance of each node's neighbors based on their features and the graph structure. the model can focus on the most relevant information for each node. Graph attention also enables the model to handle large and complex graphs with varying degrees and node attributes.</a:t>
-            </a:r>
-          </a:p>
-          <a:p>
-            <a:r>
-              <a:rPr lang="en-US" sz="3200" dirty="0" smtClean="0"/>
-              <a:t>We </a:t>
-            </a:r>
-            <a:r>
-              <a:rPr lang="en-US" sz="3200" dirty="0"/>
-              <a:t>implements a </a:t>
-            </a:r>
-            <a:r>
-              <a:rPr lang="en-US" sz="3200" dirty="0" smtClean="0"/>
-              <a:t>GNN model using </a:t>
-            </a:r>
-            <a:r>
-              <a:rPr lang="en-US" sz="3200" dirty="0" err="1"/>
-              <a:t>PyTorch</a:t>
-            </a:r>
-            <a:r>
-              <a:rPr lang="en-US" sz="3200" dirty="0"/>
-              <a:t> geometric (</a:t>
-            </a:r>
-            <a:r>
-              <a:rPr lang="en-US" sz="3200" dirty="0" err="1"/>
-              <a:t>PyG</a:t>
-            </a:r>
-            <a:r>
-              <a:rPr lang="en-US" sz="3200" dirty="0" smtClean="0"/>
-              <a:t>), we use GAT </a:t>
-            </a:r>
-            <a:r>
-              <a:rPr lang="en-US" sz="3200" dirty="0"/>
-              <a:t>layers to perform graph attention on node features. The </a:t>
-            </a:r>
-            <a:r>
-              <a:rPr lang="en-US" sz="3200" dirty="0" smtClean="0"/>
-              <a:t>GAT layer </a:t>
-            </a:r>
-            <a:r>
-              <a:rPr lang="en-US" sz="3200" dirty="0"/>
-              <a:t>is a graph attentional operator that computes a weighted sum of neighboring node features for each node. The weights are computed by a learnable attention mechanism. </a:t>
-            </a:r>
-            <a:r>
-              <a:rPr lang="en-US" sz="3200" dirty="0" smtClean="0"/>
-              <a:t>this </a:t>
-            </a:r>
-            <a:r>
-              <a:rPr lang="en-US" sz="3200" dirty="0"/>
-              <a:t>layer can have multiple attention heads that operate in parallel and can be concatenated.</a:t>
-            </a:r>
-          </a:p>
-          <a:p>
-            <a:r>
-              <a:rPr lang="en-US" sz="3200" dirty="0"/>
-              <a:t>We  added one more GAT layer to our code because it can potentially improve the representation learning of the node features. By adding one more GAT layer, we can </a:t>
-            </a:r>
-            <a:r>
-              <a:rPr lang="en-US" sz="3200" dirty="0" smtClean="0"/>
-              <a:t>capture </a:t>
-            </a:r>
-            <a:r>
-              <a:rPr lang="en-US" sz="3200" dirty="0"/>
-              <a:t>more information from the graph </a:t>
-            </a:r>
-            <a:r>
-              <a:rPr lang="en-US" sz="3200" dirty="0" err="1"/>
-              <a:t>structure.we</a:t>
-            </a:r>
-            <a:r>
-              <a:rPr lang="en-US" sz="3200" dirty="0"/>
-              <a:t> can also use different numbers of attention heads for each GAT layer to control the trade-off between expressiveness and complexity.</a:t>
-            </a:r>
-            <a:endParaRPr lang="en-US" sz="3200" dirty="0" smtClean="0"/>
-          </a:p>
-          <a:p>
-            <a:r>
-              <a:rPr lang="en-US" sz="3200" dirty="0" smtClean="0"/>
-              <a:t>In our model </a:t>
-            </a:r>
-            <a:r>
-              <a:rPr lang="en-US" sz="3200" dirty="0"/>
-              <a:t>protein sequence is first encoded and then an embedding layer is added to </a:t>
-            </a:r>
-            <a:r>
-              <a:rPr lang="en-US" sz="3200" dirty="0" smtClean="0"/>
-              <a:t>the </a:t>
-            </a:r>
-            <a:r>
-              <a:rPr lang="en-US" sz="3200" dirty="0" err="1" smtClean="0"/>
-              <a:t>sequence.Next,three</a:t>
-            </a:r>
-            <a:r>
-              <a:rPr lang="en-US" sz="3200" dirty="0" smtClean="0"/>
-              <a:t> </a:t>
-            </a:r>
-            <a:r>
-              <a:rPr lang="en-US" sz="3200" dirty="0"/>
-              <a:t>1D convolutional layers are used to learn different levels of </a:t>
-            </a:r>
-            <a:r>
-              <a:rPr lang="en-US" sz="3200" dirty="0" smtClean="0"/>
-              <a:t>features </a:t>
-            </a:r>
-            <a:r>
-              <a:rPr lang="en-US" sz="3200" dirty="0"/>
-              <a:t>from the </a:t>
-            </a:r>
-            <a:r>
-              <a:rPr lang="en-US" sz="3200" dirty="0" err="1"/>
-              <a:t>input,max</a:t>
-            </a:r>
-            <a:r>
-              <a:rPr lang="en-US" sz="3200" dirty="0"/>
-              <a:t> pooling layer is applied to get a representation vector. This approach is similar</a:t>
-            </a:r>
-          </a:p>
-          <a:p>
-            <a:r>
-              <a:rPr lang="en-US" sz="3200" dirty="0"/>
-              <a:t>to the existing baseline models like </a:t>
-            </a:r>
-            <a:r>
-              <a:rPr lang="en-US" sz="3200" dirty="0" err="1"/>
-              <a:t>DeepDTA</a:t>
-            </a:r>
-            <a:r>
-              <a:rPr lang="en-US" sz="3200" dirty="0"/>
-              <a:t> and </a:t>
-            </a:r>
-            <a:r>
-              <a:rPr lang="en-US" sz="3200" dirty="0" err="1"/>
-              <a:t>GraphDTA</a:t>
-            </a:r>
-            <a:r>
-              <a:rPr lang="en-US" sz="3200" dirty="0"/>
+            <a:endParaRPr lang="en-US" sz="3600" dirty="0" smtClean="0"/>
+          </a:p>
+          <a:p>
+            <a:r>
+              <a:rPr lang="en-US" sz="3600" dirty="0"/>
+              <a:t>For drug graphs, we use three GAT layers to perform graph attention on the input features. We concatenate the outputs of the first two GAT layers before passing them to a linear layer. We then use </a:t>
+            </a:r>
+            <a:r>
+              <a:rPr lang="en-US" sz="3600" dirty="0" err="1"/>
+              <a:t>ReLU</a:t>
+            </a:r>
+            <a:r>
+              <a:rPr lang="en-US" sz="3600" dirty="0"/>
+              <a:t> activation and dropout after the linear layer. The linear layer takes the output of the third GAT layer as input, and produces a scalar output that represents the predicted affinity score.</a:t>
+            </a:r>
+          </a:p>
+          <a:p>
+            <a:endParaRPr lang="en-US" sz="3600" dirty="0" smtClean="0"/>
+          </a:p>
+          <a:p>
+            <a:r>
+              <a:rPr lang="en-US" sz="3600" dirty="0"/>
+              <a:t>We then combine the features of drug and protein </a:t>
+            </a:r>
+            <a:r>
+              <a:rPr lang="en-US" sz="3600" dirty="0" smtClean="0"/>
+              <a:t>and </a:t>
+            </a:r>
+            <a:r>
+              <a:rPr lang="en-US" sz="3600" dirty="0"/>
+              <a:t>pass them through two fully connected layers to get an output for each drug-target pair.</a:t>
+            </a:r>
+          </a:p>
+          <a:p>
+            <a:endParaRPr lang="en-US" sz="3600" dirty="0" smtClean="0"/>
+          </a:p>
+          <a:p>
+            <a:r>
+              <a:rPr lang="en-US" sz="3600" dirty="0"/>
+              <a:t>Our model has several advantages over existing models. By using graph attention network, we can capture more information from the graph structure and node features than conventional graph convolutional networks. By adding more GAT layers, we can increase the expressiveness and complexity of our model. By concatenating features from different GAT layers, we can enhance the representation learning of our model. By using </a:t>
+            </a:r>
+            <a:r>
+              <a:rPr lang="en-US" sz="3600" dirty="0" err="1"/>
+              <a:t>ReLU</a:t>
+            </a:r>
+            <a:r>
+              <a:rPr lang="en-US" sz="3600" dirty="0"/>
+              <a:t> activation and dropout, we can introduce non-linearity and sparsity, and prevent overfitting</a:t>
+            </a:r>
+            <a:r>
+              <a:rPr lang="en-US" sz="3600" dirty="0" smtClean="0"/>
               <a:t>.</a:t>
             </a:r>
-          </a:p>
-          <a:p>
-            <a:r>
-              <a:rPr lang="en-US" sz="3200" dirty="0" smtClean="0"/>
-              <a:t>For drugs we use </a:t>
-            </a:r>
-            <a:r>
-              <a:rPr lang="en-US" sz="3200" dirty="0"/>
-              <a:t>three </a:t>
-            </a:r>
-            <a:r>
-              <a:rPr lang="en-US" sz="3200" dirty="0" smtClean="0"/>
-              <a:t>GAT </a:t>
-            </a:r>
-            <a:r>
-              <a:rPr lang="en-US" sz="3200" dirty="0"/>
-              <a:t>layers to perform graph attention on the input features</a:t>
-            </a:r>
-            <a:r>
-              <a:rPr lang="en-US" sz="3200" dirty="0" smtClean="0"/>
-              <a:t>, We concatenates the outputs of the first two GAT layers before passing them to the linear layer then use </a:t>
-            </a:r>
-            <a:r>
-              <a:rPr lang="en-US" sz="3200" dirty="0" err="1" smtClean="0"/>
-              <a:t>ReLU</a:t>
-            </a:r>
-            <a:r>
-              <a:rPr lang="en-US" sz="3200" dirty="0" smtClean="0"/>
-              <a:t> activation and dropout after the linear layer. The </a:t>
-            </a:r>
-            <a:r>
-              <a:rPr lang="en-US" sz="3200" dirty="0"/>
-              <a:t>linear layer takes the output of the second </a:t>
-            </a:r>
-            <a:r>
-              <a:rPr lang="en-US" sz="3200" dirty="0" smtClean="0"/>
-              <a:t>GAT </a:t>
-            </a:r>
-            <a:r>
-              <a:rPr lang="en-US" sz="3200" dirty="0"/>
-              <a:t>layer as input, and produces a scalar output that represents the predicted affinity score</a:t>
-            </a:r>
-            <a:r>
-              <a:rPr lang="en-US" sz="3200" dirty="0" smtClean="0"/>
-              <a:t>. </a:t>
-            </a:r>
-          </a:p>
-          <a:p>
-            <a:r>
-              <a:rPr lang="en-US" sz="3200" dirty="0" smtClean="0"/>
-              <a:t>We concatenates </a:t>
-            </a:r>
-            <a:r>
-              <a:rPr lang="en-US" sz="3200" dirty="0"/>
-              <a:t>the outputs of the first two GAT layers before passing them to the linear layer then use </a:t>
-            </a:r>
-            <a:r>
-              <a:rPr lang="en-US" sz="3200" dirty="0" err="1"/>
-              <a:t>ReLU</a:t>
-            </a:r>
-            <a:r>
-              <a:rPr lang="en-US" sz="3200" dirty="0"/>
-              <a:t> activation and dropout after the linear layer </a:t>
-            </a:r>
-            <a:r>
-              <a:rPr lang="en-US" sz="3200" dirty="0" smtClean="0"/>
-              <a:t>,then </a:t>
-            </a:r>
-            <a:r>
-              <a:rPr lang="en-US" sz="3200" dirty="0"/>
-              <a:t>combines the features of </a:t>
-            </a:r>
-            <a:r>
-              <a:rPr lang="en-US" sz="3200" dirty="0" smtClean="0"/>
-              <a:t>drug and </a:t>
-            </a:r>
-            <a:r>
-              <a:rPr lang="en-US" sz="3200" dirty="0"/>
-              <a:t>protein and passes them through </a:t>
-            </a:r>
-            <a:r>
-              <a:rPr lang="en-US" sz="3200" dirty="0" smtClean="0"/>
-              <a:t>2 </a:t>
-            </a:r>
-            <a:r>
-              <a:rPr lang="en-US" sz="3200" dirty="0"/>
-              <a:t>fully connected layers </a:t>
-            </a:r>
-            <a:r>
-              <a:rPr lang="en-US" sz="3200" dirty="0" smtClean="0"/>
-              <a:t>to get  </a:t>
-            </a:r>
-            <a:r>
-              <a:rPr lang="en-US" sz="3200" dirty="0"/>
-              <a:t>output </a:t>
-            </a:r>
-            <a:r>
-              <a:rPr lang="en-US" sz="3200" dirty="0" smtClean="0"/>
-              <a:t>for </a:t>
-            </a:r>
-            <a:r>
-              <a:rPr lang="en-US" sz="3200" dirty="0"/>
-              <a:t>each drug-target pair</a:t>
-            </a:r>
-            <a:r>
-              <a:rPr lang="en-US" sz="3200" dirty="0" smtClean="0"/>
-              <a:t>.</a:t>
-            </a:r>
-          </a:p>
-          <a:p>
-            <a:r>
-              <a:rPr lang="en-US" sz="3200" dirty="0"/>
-              <a:t>In general, more layers and dropout may help prevent overfitting, but also increase the complexity and computation time. Concatenating features may help capture more information, but also increase the dimensionality and sparsity. </a:t>
-            </a:r>
-            <a:r>
-              <a:rPr lang="en-US" sz="3200" dirty="0" err="1"/>
-              <a:t>ReLU</a:t>
-            </a:r>
-            <a:r>
-              <a:rPr lang="en-US" sz="3200" dirty="0"/>
-              <a:t> activation may introduce non-linearity and sparsity, but also cause vanishing </a:t>
-            </a:r>
-            <a:r>
-              <a:rPr lang="en-US" sz="3200" dirty="0" smtClean="0"/>
-              <a:t>gradients.</a:t>
-            </a:r>
-          </a:p>
-          <a:p>
-            <a:endParaRPr lang="en-US" sz="3200" dirty="0"/>
-          </a:p>
-          <a:p>
-            <a:endParaRPr lang="en-US" sz="3200" dirty="0" smtClean="0"/>
-          </a:p>
-          <a:p>
-            <a:endParaRPr lang="en-US" sz="3200" dirty="0"/>
-          </a:p>
-          <a:p>
-            <a:endParaRPr lang="en-US" sz="3200" dirty="0" smtClean="0"/>
-          </a:p>
-          <a:p>
-            <a:endParaRPr lang="en-US" sz="3200" dirty="0"/>
-          </a:p>
-          <a:p>
-            <a:endParaRPr lang="en-US" sz="3200" dirty="0" smtClean="0"/>
-          </a:p>
-          <a:p>
-            <a:endParaRPr lang="en-US" sz="3200" dirty="0"/>
-          </a:p>
-          <a:p>
-            <a:endParaRPr lang="en-US" sz="3200" dirty="0" smtClean="0"/>
-          </a:p>
-          <a:p>
-            <a:endParaRPr lang="en-US" sz="3200" dirty="0"/>
-          </a:p>
-          <a:p>
-            <a:endParaRPr lang="en-US" sz="3200" dirty="0" smtClean="0"/>
-          </a:p>
-          <a:p>
-            <a:endParaRPr lang="en-US" sz="3200" dirty="0"/>
-          </a:p>
-          <a:p>
-            <a:endParaRPr lang="en-US" sz="3200" dirty="0"/>
-          </a:p>
-          <a:p>
             <a:endParaRPr lang="en-US" sz="3600" dirty="0"/>
-          </a:p>
-          <a:p>
-            <a:endParaRPr lang="en-US" sz="3600" dirty="0" smtClean="0"/>
           </a:p>
         </p:txBody>
       </p:sp>
@@ -4059,8 +3658,8 @@
         </p:nvSpPr>
         <p:spPr>
           <a:xfrm>
-            <a:off x="22129258" y="24993320"/>
-            <a:ext cx="10480082" cy="2862322"/>
+            <a:off x="21876466" y="18759963"/>
+            <a:ext cx="10480082" cy="7848302"/>
           </a:xfrm>
           <a:prstGeom prst="rect">
             <a:avLst/>
@@ -4089,57 +3688,48 @@
               <a:defRPr/>
             </a:pPr>
             <a:r>
-              <a:rPr lang="en-US" sz="4000" dirty="0" smtClean="0">
+              <a:rPr lang="en-US" sz="3600" dirty="0">
                 <a:ea typeface="Arial" charset="0"/>
                 <a:cs typeface="Arial" charset="0"/>
               </a:rPr>
-              <a:t>……….</a:t>
-            </a:r>
-          </a:p>
-          <a:p>
-            <a:pPr marL="292622" lvl="1" algn="just">
-              <a:spcAft>
-                <a:spcPts val="800"/>
-              </a:spcAft>
-              <a:buClr>
-                <a:schemeClr val="tx2"/>
-              </a:buClr>
-              <a:buSzPct val="125000"/>
-              <a:defRPr/>
-            </a:pPr>
-            <a:endParaRPr lang="en-US" sz="4000" dirty="0">
-              <a:ea typeface="Arial" charset="0"/>
-              <a:cs typeface="Arial" charset="0"/>
-            </a:endParaRPr>
-          </a:p>
-          <a:p>
-            <a:pPr marL="292622" lvl="1" algn="just">
-              <a:spcAft>
-                <a:spcPts val="800"/>
-              </a:spcAft>
-              <a:buClr>
-                <a:schemeClr val="tx2"/>
-              </a:buClr>
-              <a:buSzPct val="125000"/>
-              <a:defRPr/>
-            </a:pPr>
-            <a:endParaRPr lang="en-US" sz="4000" dirty="0" smtClean="0">
-              <a:ea typeface="Arial" charset="0"/>
-              <a:cs typeface="Arial" charset="0"/>
-            </a:endParaRPr>
-          </a:p>
-          <a:p>
-            <a:pPr marL="292622" lvl="1" algn="just">
-              <a:spcAft>
-                <a:spcPts val="800"/>
-              </a:spcAft>
-              <a:buClr>
-                <a:schemeClr val="tx2"/>
-              </a:buClr>
-              <a:buSzPct val="125000"/>
-              <a:defRPr/>
-            </a:pPr>
-            <a:endParaRPr lang="en-US" sz="4000" dirty="0">
+              <a:t>We </a:t>
+            </a:r>
+            <a:r>
+              <a:rPr lang="en-US" sz="3600" dirty="0" smtClean="0">
+                <a:ea typeface="Arial" charset="0"/>
+                <a:cs typeface="Arial" charset="0"/>
+              </a:rPr>
+              <a:t>presented a model </a:t>
+            </a:r>
+            <a:r>
+              <a:rPr lang="en-US" sz="3600" dirty="0">
+                <a:ea typeface="Arial" charset="0"/>
+                <a:cs typeface="Arial" charset="0"/>
+              </a:rPr>
+              <a:t>for predicting drug-target binding affinity based on graph attention networks. Our model takes the 1D representations of drugs and targets as inputs and learns their features using graph attentional operators. Our model does not need any 3D structures or 2D features of drugs and targets, which makes it more suitable and scalable for large-scale datasets. We evaluated our model with several state-of-the-art methods </a:t>
+            </a:r>
+            <a:r>
+              <a:rPr lang="en-US" sz="3600" smtClean="0">
+                <a:ea typeface="Arial" charset="0"/>
+                <a:cs typeface="Arial" charset="0"/>
+              </a:rPr>
+              <a:t>on a public dataset </a:t>
+            </a:r>
+            <a:r>
+              <a:rPr lang="en-US" sz="3600" dirty="0">
+                <a:ea typeface="Arial" charset="0"/>
+                <a:cs typeface="Arial" charset="0"/>
+              </a:rPr>
+              <a:t>and showed that our model outperforms them in terms of CI and MSE metrics. Our results indicate that graph attention networks are effective and powerful tools for modeling molecular structures and protein sequences for drug discovery</a:t>
+            </a:r>
+            <a:r>
+              <a:rPr lang="en-US" sz="3600" dirty="0" smtClean="0">
+                <a:ea typeface="Arial" charset="0"/>
+                <a:cs typeface="Arial" charset="0"/>
+              </a:rPr>
+              <a:t>.</a:t>
+            </a:r>
+            <a:endParaRPr lang="en-US" sz="3600" dirty="0" smtClean="0">
               <a:ea typeface="Arial" charset="0"/>
               <a:cs typeface="Arial" charset="0"/>
             </a:endParaRPr>
@@ -4160,8 +3750,8 @@
         </p:nvSpPr>
         <p:spPr>
           <a:xfrm>
-            <a:off x="22818503" y="29054763"/>
-            <a:ext cx="8715756" cy="13634502"/>
+            <a:off x="22275170" y="29478798"/>
+            <a:ext cx="8715756" cy="13880723"/>
           </a:xfrm>
           <a:prstGeom prst="rect">
             <a:avLst/>
@@ -4578,21 +4168,33 @@
               </a:rPr>
               <a:t> </a:t>
             </a:r>
-          </a:p>
-          <a:p>
-            <a:pPr>
-              <a:buClr>
-                <a:schemeClr val="tx2"/>
-              </a:buClr>
-              <a:defRPr/>
-            </a:pPr>
-            <a:r>
-              <a:rPr lang="en-US" sz="4000" dirty="0">
+            <a:r>
+              <a:rPr lang="en-US" sz="2800" dirty="0" smtClean="0">
                 <a:ea typeface="Arial" charset="0"/>
                 <a:cs typeface="Arial" charset="0"/>
               </a:rPr>
-              <a:t> </a:t>
-            </a:r>
+              <a:t>[9]</a:t>
+            </a:r>
+            <a:r>
+              <a:rPr lang="en-US" sz="2800" dirty="0"/>
+              <a:t> Davis, Mindy I., et al. "Comprehensive analysis of kinase inhibitor selectivity." </a:t>
+            </a:r>
+            <a:r>
+              <a:rPr lang="en-US" sz="2800" i="1" dirty="0"/>
+              <a:t>Nature biotechnology</a:t>
+            </a:r>
+            <a:r>
+              <a:rPr lang="en-US" sz="2800" dirty="0"/>
+              <a:t> 29.11 (2011): 1046-1051</a:t>
+            </a:r>
+            <a:r>
+              <a:rPr lang="en-US" sz="2800" dirty="0" smtClean="0"/>
+              <a:t>.</a:t>
+            </a:r>
+            <a:endParaRPr lang="en-US" sz="2800" dirty="0" smtClean="0">
+              <a:ea typeface="Arial" charset="0"/>
+              <a:cs typeface="Arial" charset="0"/>
+            </a:endParaRPr>
           </a:p>
         </p:txBody>
       </p:sp>
@@ -4610,8 +4212,8 @@
         </p:nvSpPr>
         <p:spPr>
           <a:xfrm>
-            <a:off x="-65314" y="42299134"/>
-            <a:ext cx="33049028" cy="1592066"/>
+            <a:off x="-65314" y="43513432"/>
+            <a:ext cx="33049028" cy="377768"/>
           </a:xfrm>
           <a:prstGeom prst="rect">
             <a:avLst/>
@@ -4664,8 +4266,8 @@
         </p:nvSpPr>
         <p:spPr>
           <a:xfrm>
-            <a:off x="22073569" y="11673283"/>
-            <a:ext cx="9923082" cy="7109639"/>
+            <a:off x="21788843" y="6531524"/>
+            <a:ext cx="9923082" cy="6617196"/>
           </a:xfrm>
           <a:prstGeom prst="rect">
             <a:avLst/>
@@ -4678,161 +4280,65 @@
           <a:lstStyle/>
           <a:p>
             <a:r>
-              <a:rPr lang="en-US" sz="3200" dirty="0"/>
-              <a:t>To compare our model with the </a:t>
-            </a:r>
-            <a:r>
-              <a:rPr lang="en-US" sz="3200" dirty="0" smtClean="0"/>
-              <a:t>state-of-the-art </a:t>
-            </a:r>
-            <a:r>
-              <a:rPr lang="en-US" sz="3200" dirty="0"/>
-              <a:t>models</a:t>
-            </a:r>
-            <a:r>
-              <a:rPr lang="en-US" sz="3200" dirty="0" smtClean="0"/>
-              <a:t> </a:t>
-            </a:r>
-            <a:r>
-              <a:rPr lang="en-US" sz="3200" dirty="0" err="1" smtClean="0"/>
+              <a:rPr lang="en-US" sz="3600" dirty="0"/>
+              <a:t>We use the same dataset and metrics as the state-of-the-art models </a:t>
+            </a:r>
+            <a:r>
+              <a:rPr lang="en-US" sz="3600" dirty="0" err="1"/>
               <a:t>KronRLS</a:t>
             </a:r>
             <a:r>
-              <a:rPr lang="en-US" sz="3200" dirty="0" smtClean="0"/>
-              <a:t>,</a:t>
-            </a:r>
-            <a:r>
-              <a:rPr lang="en-US" sz="3200" dirty="0"/>
-              <a:t> </a:t>
-            </a:r>
-            <a:r>
-              <a:rPr lang="en-US" sz="3200" dirty="0" err="1" smtClean="0"/>
-              <a:t>SimBoost,DeepDTA</a:t>
-            </a:r>
-            <a:r>
-              <a:rPr lang="en-US" sz="3200" dirty="0" smtClean="0"/>
-              <a:t>  </a:t>
-            </a:r>
-            <a:r>
-              <a:rPr lang="en-US" sz="3200" dirty="0"/>
-              <a:t>and </a:t>
-            </a:r>
-            <a:r>
-              <a:rPr lang="en-US" sz="3200" dirty="0" err="1" smtClean="0"/>
+              <a:rPr lang="en-US" sz="3600" dirty="0"/>
+              <a:t>, </a:t>
+            </a:r>
+            <a:r>
+              <a:rPr lang="en-US" sz="3600" dirty="0" err="1"/>
+              <a:t>SimBoost</a:t>
+            </a:r>
+            <a:r>
+              <a:rPr lang="en-US" sz="3600" dirty="0"/>
+              <a:t>, </a:t>
+            </a:r>
+            <a:r>
+              <a:rPr lang="en-US" sz="3600" dirty="0" err="1"/>
+              <a:t>DeepDTA</a:t>
+            </a:r>
+            <a:r>
+              <a:rPr lang="en-US" sz="3600" dirty="0"/>
+              <a:t> and </a:t>
+            </a:r>
+            <a:r>
+              <a:rPr lang="en-US" sz="3600" dirty="0" err="1"/>
               <a:t>WideDTA</a:t>
             </a:r>
             <a:r>
-              <a:rPr lang="en-US" sz="3200" dirty="0" smtClean="0"/>
-              <a:t>, </a:t>
-            </a:r>
-            <a:r>
-              <a:rPr lang="en-US" sz="3200" dirty="0"/>
-              <a:t>we use the </a:t>
-            </a:r>
-            <a:r>
-              <a:rPr lang="en-US" sz="3200" dirty="0" smtClean="0"/>
-              <a:t>same Dataset </a:t>
-            </a:r>
-            <a:r>
-              <a:rPr lang="en-US" sz="3200" dirty="0"/>
-              <a:t>and same metrics.</a:t>
-            </a:r>
-            <a:endParaRPr lang="en-US" sz="3200" dirty="0">
-              <a:cs typeface="Arial" charset="0"/>
-            </a:endParaRPr>
-          </a:p>
-          <a:p>
-            <a:r>
-              <a:rPr lang="en-US" sz="3200" dirty="0" smtClean="0"/>
-              <a:t>To </a:t>
-            </a:r>
-            <a:r>
-              <a:rPr lang="en-US" sz="3200" dirty="0"/>
-              <a:t>evaluate the performance </a:t>
-            </a:r>
-            <a:r>
-              <a:rPr lang="en-US" sz="3200" dirty="0" smtClean="0"/>
-              <a:t>of model calculates </a:t>
-            </a:r>
-            <a:r>
-              <a:rPr lang="en-US" sz="3200" dirty="0"/>
-              <a:t>the concordance index (</a:t>
-            </a:r>
-            <a:r>
-              <a:rPr lang="en-US" sz="3200" dirty="0" smtClean="0"/>
-              <a:t>CI) </a:t>
-            </a:r>
-            <a:r>
-              <a:rPr lang="en-US" sz="3200" dirty="0"/>
-              <a:t>and mean squared </a:t>
-            </a:r>
-            <a:r>
-              <a:rPr lang="en-US" sz="3200" dirty="0" smtClean="0"/>
-              <a:t>error(MSE).</a:t>
-            </a:r>
-            <a:r>
-              <a:rPr lang="en-US" sz="3200" dirty="0">
-                <a:ea typeface="Arial" charset="0"/>
-                <a:cs typeface="Arial" charset="0"/>
-              </a:rPr>
-              <a:t> A higher CI </a:t>
-            </a:r>
-            <a:r>
-              <a:rPr lang="en-US" sz="3200" dirty="0" smtClean="0"/>
-              <a:t>and</a:t>
-            </a:r>
-            <a:r>
-              <a:rPr lang="en-US" sz="3200" dirty="0" smtClean="0">
-                <a:ea typeface="Arial" charset="0"/>
-                <a:cs typeface="Arial" charset="0"/>
-              </a:rPr>
-              <a:t> </a:t>
-            </a:r>
-            <a:r>
-              <a:rPr lang="en-US" sz="3200" dirty="0">
-                <a:ea typeface="Arial" charset="0"/>
-                <a:cs typeface="Arial" charset="0"/>
-              </a:rPr>
-              <a:t>lower MSE means a better performance of the prediction model</a:t>
-            </a:r>
-            <a:r>
-              <a:rPr lang="en-US" sz="3200" dirty="0" smtClean="0">
-                <a:ea typeface="Arial" charset="0"/>
-                <a:cs typeface="Arial" charset="0"/>
-              </a:rPr>
+              <a:rPr lang="en-US" sz="3600" dirty="0"/>
+              <a:t> to compare our model with them. The dataset is from Davis et al. [9], which contains 68 drugs and 442 targets with 30056 drug-target pairs. The metrics are the concordance index (CI) and the mean squared error (MSE). A higher CI and a lower MSE indicate a better performance of the prediction model</a:t>
+            </a:r>
+            <a:r>
+              <a:rPr lang="en-US" sz="3600" dirty="0" smtClean="0"/>
               <a:t>.</a:t>
             </a:r>
-            <a:endParaRPr lang="en-US" sz="3200" dirty="0" smtClean="0">
-              <a:cs typeface="Arial" charset="0"/>
-            </a:endParaRPr>
-          </a:p>
-          <a:p>
-            <a:endParaRPr lang="en-US" sz="3200" dirty="0"/>
-          </a:p>
-          <a:p>
-            <a:r>
-              <a:rPr lang="en-US" sz="3200" b="1" dirty="0"/>
-              <a:t>Performances of various methods on Davis </a:t>
-            </a:r>
-            <a:r>
-              <a:rPr lang="en-US" sz="3200" b="1" dirty="0" smtClean="0"/>
-              <a:t>dataset:</a:t>
-            </a:r>
-          </a:p>
-          <a:p>
-            <a:endParaRPr lang="en-US" sz="2800" b="1" dirty="0"/>
-          </a:p>
-          <a:p>
-            <a:endParaRPr lang="en-US" sz="2800" b="1" dirty="0" smtClean="0"/>
-          </a:p>
-          <a:p>
-            <a:endParaRPr lang="en-US" sz="2800" b="1" dirty="0"/>
-          </a:p>
-          <a:p>
-            <a:endParaRPr lang="en-US" sz="2800" b="1" dirty="0" smtClean="0"/>
-          </a:p>
-          <a:p>
-            <a:endParaRPr lang="en-US" sz="2800" b="1" dirty="0" smtClean="0"/>
+            <a:endParaRPr lang="en-US" sz="3600" dirty="0"/>
+          </a:p>
+          <a:p>
+            <a:r>
+              <a:rPr lang="en-US" sz="3600" dirty="0"/>
+              <a:t>Table </a:t>
+            </a:r>
+            <a:r>
+              <a:rPr lang="en-US" sz="3600" dirty="0" smtClean="0"/>
+              <a:t>3 </a:t>
+            </a:r>
+            <a:r>
+              <a:rPr lang="en-US" sz="3600" dirty="0"/>
+              <a:t>shows the performances of various methods on the Davis dataset</a:t>
+            </a:r>
+            <a:r>
+              <a:rPr lang="en-US" sz="3600" dirty="0" smtClean="0"/>
+              <a:t>:</a:t>
+            </a:r>
+            <a:endParaRPr lang="en-US" sz="3600" b="1" dirty="0" smtClean="0"/>
           </a:p>
           <a:p>
             <a:endParaRPr lang="en-US" sz="2800" dirty="0" smtClean="0"/>
@@ -4907,7 +4413,7 @@
         </p:nvSpPr>
         <p:spPr>
           <a:xfrm>
-            <a:off x="22083638" y="6170564"/>
+            <a:off x="12018945" y="37438447"/>
             <a:ext cx="2899155" cy="550279"/>
           </a:xfrm>
           <a:prstGeom prst="rect">
@@ -4961,7 +4467,7 @@
         </p:nvSpPr>
         <p:spPr>
           <a:xfrm>
-            <a:off x="22220643" y="11039089"/>
+            <a:off x="21788843" y="6078856"/>
             <a:ext cx="2704587" cy="536878"/>
           </a:xfrm>
           <a:prstGeom prst="rect">
@@ -5009,7 +4515,7 @@
         </p:nvSpPr>
         <p:spPr>
           <a:xfrm>
-            <a:off x="23105846" y="28336179"/>
+            <a:off x="22479096" y="28593562"/>
             <a:ext cx="4028667" cy="536878"/>
           </a:xfrm>
           <a:prstGeom prst="rect">
@@ -5057,7 +4563,7 @@
         </p:nvSpPr>
         <p:spPr>
           <a:xfrm>
-            <a:off x="23008535" y="24626154"/>
+            <a:off x="22370365" y="18323089"/>
             <a:ext cx="3948517" cy="536878"/>
           </a:xfrm>
           <a:prstGeom prst="rect">
@@ -5107,7 +4613,7 @@
         </p:nvSpPr>
         <p:spPr bwMode="auto">
           <a:xfrm>
-            <a:off x="1069305" y="13932541"/>
+            <a:off x="1023201" y="16652196"/>
             <a:ext cx="10036394" cy="27792224"/>
           </a:xfrm>
           <a:prstGeom prst="rect">
@@ -5231,540 +4737,188 @@
             </a:lvl9pPr>
           </a:lstStyle>
           <a:p>
-            <a:pPr algn="just">
-              <a:lnSpc>
-                <a:spcPts val="5400"/>
-              </a:lnSpc>
-            </a:pPr>
-            <a:r>
-              <a:rPr lang="en-US" altLang="en-US" sz="3200" dirty="0">
+            <a:r>
+              <a:rPr lang="en-US" sz="3600" dirty="0">
                 <a:latin typeface="+mn-lt"/>
-                <a:ea typeface="Arial" charset="0"/>
               </a:rPr>
-              <a:t>Drug target </a:t>
-            </a:r>
-            <a:r>
-              <a:rPr lang="en-US" altLang="en-US" sz="3200" dirty="0" smtClean="0">
+              <a:t>Drug-target affinity (DTA) prediction is a computational task that aims to estimate the binding strength of a drug molecule to a target protein. This task is important for drug discovery and development, as it can help to identify potential drug candidates and optimize their properties. DTA prediction can also facilitate drug repurposing, which is the process of finding new therapeutic uses for existing drugs.</a:t>
+            </a:r>
+          </a:p>
+          <a:p>
+            <a:r>
+              <a:rPr lang="en-US" sz="3600" dirty="0">
                 <a:latin typeface="+mn-lt"/>
-                <a:ea typeface="Arial" charset="0"/>
               </a:rPr>
-              <a:t>affinity(DTA) </a:t>
-            </a:r>
-            <a:r>
-              <a:rPr lang="en-US" altLang="en-US" sz="3200" dirty="0">
+              <a:t> </a:t>
+            </a:r>
+          </a:p>
+          <a:p>
+            <a:r>
+              <a:rPr lang="en-US" sz="3600" dirty="0">
                 <a:latin typeface="+mn-lt"/>
-                <a:ea typeface="Arial" charset="0"/>
               </a:rPr>
-              <a:t>prediction is a computational task that aims to estimate the binding strength of a drug molecule to a target </a:t>
-            </a:r>
-            <a:r>
-              <a:rPr lang="en-US" altLang="en-US" sz="3200" dirty="0" smtClean="0">
+              <a:t>DTA prediction can be formulated as a regression task, where the goal is to predict a continuous value that reflects the binding affinity. There are different methods for DTA prediction, which can be classified into two categories: structure-based and sequence-based methods.</a:t>
+            </a:r>
+          </a:p>
+          <a:p>
+            <a:r>
+              <a:rPr lang="en-US" sz="3600" dirty="0">
                 <a:latin typeface="+mn-lt"/>
-                <a:ea typeface="Arial" charset="0"/>
               </a:rPr>
-              <a:t>protein. </a:t>
-            </a:r>
-            <a:r>
-              <a:rPr lang="en-US" altLang="en-US" sz="3200" dirty="0">
+              <a:t> </a:t>
+            </a:r>
+          </a:p>
+          <a:p>
+            <a:r>
+              <a:rPr lang="en-US" sz="3600" dirty="0">
                 <a:latin typeface="+mn-lt"/>
-                <a:ea typeface="Arial" charset="0"/>
               </a:rPr>
-              <a:t>This task is important for drug discovery and development, as it can help to identify potential drug </a:t>
-            </a:r>
-            <a:r>
-              <a:rPr lang="en-US" altLang="en-US" sz="3200" dirty="0" smtClean="0">
+              <a:t>Structure-based methods use the three-dimensional (3D) structures of drugs and targets to model their interactions and calculate their binding affinities. However, 3D structures are not widely available for most targets, and these methods are computationally expensive and </a:t>
+            </a:r>
+            <a:r>
+              <a:rPr lang="en-US" sz="3600" dirty="0" smtClean="0">
                 <a:latin typeface="+mn-lt"/>
-                <a:ea typeface="Arial" charset="0"/>
               </a:rPr>
-              <a:t>candidates and optimize </a:t>
-            </a:r>
-            <a:r>
-              <a:rPr lang="en-US" altLang="en-US" sz="3200" dirty="0">
+              <a:t>complex.</a:t>
+            </a:r>
+          </a:p>
+          <a:p>
+            <a:endParaRPr lang="en-US" sz="3600" dirty="0">
+              <a:latin typeface="+mn-lt"/>
+            </a:endParaRPr>
+          </a:p>
+          <a:p>
+            <a:r>
+              <a:rPr lang="en-US" sz="3600" dirty="0">
                 <a:latin typeface="+mn-lt"/>
-                <a:ea typeface="Arial" charset="0"/>
               </a:rPr>
-              <a:t>their </a:t>
-            </a:r>
-            <a:r>
-              <a:rPr lang="en-US" altLang="en-US" sz="3200" dirty="0" err="1" smtClean="0">
+              <a:t>Therefore, many methods use non-structure-based approaches that only require the one-dimensional (1D) sequences of the drugs and targets as inputs. These approaches can overcome the limitations of structure-based methods and handle large-scale data.</a:t>
+            </a:r>
+          </a:p>
+          <a:p>
+            <a:r>
+              <a:rPr lang="en-US" sz="3600" dirty="0">
                 <a:latin typeface="+mn-lt"/>
-                <a:ea typeface="Arial" charset="0"/>
               </a:rPr>
-              <a:t>properties.DTA</a:t>
-            </a:r>
-            <a:r>
-              <a:rPr lang="en-US" altLang="en-US" sz="3200" dirty="0" smtClean="0">
+              <a:t> </a:t>
+            </a:r>
+          </a:p>
+          <a:p>
+            <a:r>
+              <a:rPr lang="en-US" sz="3600" dirty="0">
                 <a:latin typeface="+mn-lt"/>
-                <a:ea typeface="Arial" charset="0"/>
               </a:rPr>
-              <a:t> prediction </a:t>
-            </a:r>
-            <a:r>
-              <a:rPr lang="en-US" altLang="en-US" sz="3200" dirty="0">
-                <a:latin typeface="+mn-lt"/>
-                <a:ea typeface="Arial" charset="0"/>
-              </a:rPr>
-              <a:t>can also facilitate drug repurposing, which is the process of finding new therapeutic uses for existing drugs</a:t>
-            </a:r>
-            <a:r>
-              <a:rPr lang="en-US" altLang="en-US" sz="3200" dirty="0" smtClean="0">
-                <a:latin typeface="+mn-lt"/>
-                <a:ea typeface="Arial" charset="0"/>
-              </a:rPr>
-              <a:t>.</a:t>
-            </a:r>
-          </a:p>
-          <a:p>
-            <a:pPr algn="just">
-              <a:lnSpc>
-                <a:spcPts val="5400"/>
-              </a:lnSpc>
-            </a:pPr>
-            <a:r>
-              <a:rPr lang="en-US" sz="3200" dirty="0" smtClean="0"/>
-              <a:t>DTA </a:t>
-            </a:r>
-            <a:r>
-              <a:rPr lang="en-US" sz="3200" dirty="0"/>
-              <a:t>prediction </a:t>
-            </a:r>
-            <a:r>
-              <a:rPr lang="en-US" sz="3200" dirty="0" smtClean="0"/>
-              <a:t>problem formulate </a:t>
-            </a:r>
-            <a:r>
-              <a:rPr lang="en-US" sz="3200" dirty="0"/>
-              <a:t>as a regression task</a:t>
-            </a:r>
-            <a:r>
-              <a:rPr lang="en-US" altLang="en-US" sz="3200" dirty="0" smtClean="0">
-                <a:latin typeface="+mn-lt"/>
-                <a:ea typeface="Arial" charset="0"/>
-              </a:rPr>
-              <a:t>, </a:t>
-            </a:r>
-            <a:r>
-              <a:rPr lang="en-US" altLang="en-US" sz="3200" dirty="0">
-                <a:latin typeface="+mn-lt"/>
-                <a:ea typeface="Arial" charset="0"/>
-              </a:rPr>
-              <a:t>where the goal is to predict a continuous value that reflects the binding affinity</a:t>
-            </a:r>
-            <a:r>
-              <a:rPr lang="en-US" altLang="en-US" sz="3200" dirty="0" smtClean="0">
-                <a:latin typeface="+mn-lt"/>
-                <a:ea typeface="Arial" charset="0"/>
-              </a:rPr>
-              <a:t>.</a:t>
-            </a:r>
-          </a:p>
-          <a:p>
-            <a:pPr algn="just">
-              <a:lnSpc>
-                <a:spcPts val="5400"/>
-              </a:lnSpc>
-            </a:pPr>
-            <a:r>
-              <a:rPr lang="en-US" altLang="en-US" sz="3200" dirty="0">
-                <a:latin typeface="+mn-lt"/>
-                <a:ea typeface="Arial" charset="0"/>
-              </a:rPr>
-              <a:t>There are different methods</a:t>
-            </a:r>
-            <a:r>
-              <a:rPr lang="en-US" altLang="en-US" sz="3200" dirty="0" smtClean="0">
-                <a:latin typeface="+mn-lt"/>
-                <a:ea typeface="Arial" charset="0"/>
-              </a:rPr>
-              <a:t> </a:t>
-            </a:r>
-            <a:r>
-              <a:rPr lang="en-US" altLang="en-US" sz="3200" dirty="0">
-                <a:latin typeface="+mn-lt"/>
-                <a:ea typeface="Arial" charset="0"/>
-              </a:rPr>
-              <a:t>for drug target affinity </a:t>
-            </a:r>
-            <a:r>
-              <a:rPr lang="en-US" altLang="en-US" sz="3200" dirty="0" smtClean="0">
-                <a:latin typeface="+mn-lt"/>
-                <a:ea typeface="Arial" charset="0"/>
-              </a:rPr>
-              <a:t>prediction</a:t>
-            </a:r>
-            <a:r>
-              <a:rPr lang="en-US" altLang="en-US" sz="3200" dirty="0">
-                <a:latin typeface="+mn-lt"/>
-                <a:ea typeface="Arial" charset="0"/>
-              </a:rPr>
-              <a:t> </a:t>
-            </a:r>
-            <a:r>
-              <a:rPr lang="en-US" altLang="en-US" sz="3200" dirty="0" smtClean="0">
-                <a:latin typeface="+mn-lt"/>
-                <a:ea typeface="Arial" charset="0"/>
-              </a:rPr>
-              <a:t>methods </a:t>
-            </a:r>
-            <a:r>
-              <a:rPr lang="en-US" altLang="en-US" sz="3200" dirty="0">
-                <a:latin typeface="+mn-lt"/>
-                <a:ea typeface="Arial" charset="0"/>
-              </a:rPr>
-              <a:t>can </a:t>
-            </a:r>
-            <a:r>
-              <a:rPr lang="en-US" altLang="en-US" sz="3200" dirty="0" smtClean="0">
-                <a:latin typeface="+mn-lt"/>
-                <a:ea typeface="Arial" charset="0"/>
-              </a:rPr>
-              <a:t>be classified </a:t>
-            </a:r>
-            <a:r>
-              <a:rPr lang="en-US" altLang="en-US" sz="3200" dirty="0">
-                <a:latin typeface="+mn-lt"/>
-                <a:ea typeface="Arial" charset="0"/>
-              </a:rPr>
-              <a:t>into two categories: structure-based and sequence-based methods</a:t>
-            </a:r>
-            <a:r>
-              <a:rPr lang="en-US" altLang="en-US" sz="3200" dirty="0" smtClean="0">
-                <a:latin typeface="+mn-lt"/>
-                <a:ea typeface="Arial" charset="0"/>
-              </a:rPr>
-              <a:t>.</a:t>
-            </a:r>
-          </a:p>
-          <a:p>
-            <a:pPr algn="just">
-              <a:lnSpc>
-                <a:spcPts val="5400"/>
-              </a:lnSpc>
-            </a:pPr>
-            <a:r>
-              <a:rPr lang="en-US" altLang="en-US" sz="3200" dirty="0">
-                <a:latin typeface="+mn-lt"/>
-                <a:ea typeface="Arial" charset="0"/>
-              </a:rPr>
-              <a:t>Structure-based methods use the three-dimensional (3D) structures of drugs and targets to model their interactions and calculate their binding affinities but 3D structures are not widely available for most </a:t>
-            </a:r>
-            <a:r>
-              <a:rPr lang="en-US" altLang="en-US" sz="3200" dirty="0" smtClean="0">
-                <a:latin typeface="+mn-lt"/>
-                <a:ea typeface="Arial" charset="0"/>
-              </a:rPr>
-              <a:t>targets and other </a:t>
-            </a:r>
-            <a:r>
-              <a:rPr lang="en-US" altLang="en-US" sz="3200" dirty="0">
-                <a:latin typeface="+mn-lt"/>
-                <a:ea typeface="Arial" charset="0"/>
-              </a:rPr>
-              <a:t>methods use non-structure-based approaches that only require the </a:t>
-            </a:r>
-            <a:r>
-              <a:rPr lang="en-US" altLang="en-US" sz="3200" dirty="0" smtClean="0">
-                <a:latin typeface="+mn-lt"/>
-                <a:ea typeface="Arial" charset="0"/>
-              </a:rPr>
-              <a:t>sequence </a:t>
-            </a:r>
-            <a:r>
-              <a:rPr lang="en-US" altLang="en-US" sz="3200" dirty="0">
-                <a:latin typeface="+mn-lt"/>
-                <a:ea typeface="Arial" charset="0"/>
-              </a:rPr>
-              <a:t>of the drug and the </a:t>
-            </a:r>
-            <a:r>
-              <a:rPr lang="en-US" altLang="en-US" sz="3200" dirty="0" err="1" smtClean="0">
-                <a:latin typeface="+mn-lt"/>
-                <a:ea typeface="Arial" charset="0"/>
-              </a:rPr>
-              <a:t>target.These</a:t>
-            </a:r>
-            <a:r>
-              <a:rPr lang="en-US" altLang="en-US" sz="3200" dirty="0" smtClean="0">
-                <a:latin typeface="+mn-lt"/>
-                <a:ea typeface="Arial" charset="0"/>
-              </a:rPr>
-              <a:t> </a:t>
-            </a:r>
-            <a:r>
-              <a:rPr lang="en-US" altLang="en-US" sz="3200" dirty="0">
-                <a:latin typeface="+mn-lt"/>
-                <a:ea typeface="Arial" charset="0"/>
-              </a:rPr>
-              <a:t>approaches can overcome the limitations of structure-based </a:t>
-            </a:r>
-            <a:r>
-              <a:rPr lang="en-US" altLang="en-US" sz="3200" dirty="0" smtClean="0">
-                <a:latin typeface="+mn-lt"/>
-                <a:ea typeface="Arial" charset="0"/>
-              </a:rPr>
-              <a:t>methods.</a:t>
-            </a:r>
-          </a:p>
-          <a:p>
-            <a:pPr algn="just">
-              <a:lnSpc>
-                <a:spcPts val="5400"/>
-              </a:lnSpc>
-            </a:pPr>
-            <a:r>
-              <a:rPr lang="en-US" altLang="en-US" sz="3200" dirty="0">
-                <a:latin typeface="+mn-lt"/>
-                <a:ea typeface="Arial" charset="0"/>
-              </a:rPr>
-              <a:t>Sequence-based </a:t>
-            </a:r>
-            <a:r>
-              <a:rPr lang="en-US" altLang="en-US" sz="3200" dirty="0" smtClean="0">
-                <a:latin typeface="+mn-lt"/>
-                <a:ea typeface="Arial" charset="0"/>
-              </a:rPr>
-              <a:t>methods </a:t>
-            </a:r>
-            <a:r>
-              <a:rPr lang="en-US" altLang="en-US" sz="3200" dirty="0">
-                <a:latin typeface="+mn-lt"/>
-                <a:ea typeface="Arial" charset="0"/>
-              </a:rPr>
-              <a:t>use the one-dimensional (1D) sequences and do not rely on 3D structures of drugs and targets as inputs. These methods include similarity-based </a:t>
-            </a:r>
-            <a:r>
-              <a:rPr lang="en-US" altLang="en-US" sz="3200" dirty="0" smtClean="0">
-                <a:latin typeface="+mn-lt"/>
-                <a:ea typeface="Arial" charset="0"/>
-              </a:rPr>
-              <a:t>methods such as </a:t>
-            </a:r>
-            <a:r>
-              <a:rPr lang="en-US" sz="3200" dirty="0" err="1" smtClean="0">
+              <a:t>Sequence-based methods use the 1D sequences of drugs and targets and do not rely on 3D structures as inputs. These methods include similarity-based methods such as </a:t>
+            </a:r>
+            <a:r>
+              <a:rPr lang="en-US" sz="3600" dirty="0" err="1">
                 <a:latin typeface="+mn-lt"/>
               </a:rPr>
               <a:t>SimBoost</a:t>
             </a:r>
             <a:r>
-              <a:rPr lang="en-US" sz="3200" dirty="0" smtClean="0">
+              <a:rPr lang="en-US" sz="3600" dirty="0">
                 <a:latin typeface="+mn-lt"/>
               </a:rPr>
-              <a:t>[1] </a:t>
-            </a:r>
-            <a:r>
-              <a:rPr lang="en-US" altLang="en-US" sz="3200" dirty="0" smtClean="0">
-                <a:latin typeface="+mn-lt"/>
-                <a:ea typeface="Arial" charset="0"/>
-              </a:rPr>
-              <a:t>and </a:t>
-            </a:r>
-            <a:r>
-              <a:rPr lang="en-US" sz="3200" dirty="0" err="1" smtClean="0">
+              <a:t>[1] and </a:t>
+            </a:r>
+            <a:r>
+              <a:rPr lang="en-US" sz="3600" dirty="0" err="1">
                 <a:latin typeface="+mn-lt"/>
               </a:rPr>
               <a:t>KronRLS</a:t>
             </a:r>
             <a:r>
-              <a:rPr lang="en-US" sz="3200" dirty="0" smtClean="0">
+              <a:rPr lang="en-US" sz="3600" dirty="0">
                 <a:latin typeface="+mn-lt"/>
               </a:rPr>
-              <a:t>[2], </a:t>
-            </a:r>
-            <a:r>
-              <a:rPr lang="en-US" altLang="en-US" sz="3200" dirty="0" smtClean="0">
+              <a:t>[2], network-based methods such as DNNGP[3] and </a:t>
+            </a:r>
+            <a:r>
+              <a:rPr lang="en-US" sz="3600" dirty="0" err="1">
                 <a:latin typeface="+mn-lt"/>
-                <a:ea typeface="Arial" charset="0"/>
-              </a:rPr>
-              <a:t>network-based </a:t>
-            </a:r>
-            <a:r>
-              <a:rPr lang="en-US" altLang="en-US" sz="3200" dirty="0">
-                <a:latin typeface="+mn-lt"/>
-                <a:ea typeface="Arial" charset="0"/>
-              </a:rPr>
-              <a:t>methods such as </a:t>
-            </a:r>
-            <a:r>
-              <a:rPr lang="en-US" altLang="en-US" sz="3200" dirty="0" smtClean="0">
-                <a:latin typeface="+mn-lt"/>
-                <a:ea typeface="Arial" charset="0"/>
-              </a:rPr>
-              <a:t>DNNGP[3],</a:t>
-            </a:r>
-            <a:r>
-              <a:rPr lang="en-US" altLang="en-US" sz="3200" dirty="0" err="1" smtClean="0">
-                <a:latin typeface="+mn-lt"/>
-                <a:ea typeface="Arial" charset="0"/>
               </a:rPr>
               <a:t>GeneralizedDTA</a:t>
             </a:r>
             <a:r>
-              <a:rPr lang="en-US" altLang="en-US" sz="3200" dirty="0" smtClean="0">
+              <a:rPr lang="en-US" sz="3600" dirty="0">
                 <a:latin typeface="+mn-lt"/>
-                <a:ea typeface="Arial" charset="0"/>
               </a:rPr>
-              <a:t>[4] and </a:t>
-            </a:r>
-            <a:r>
-              <a:rPr lang="en-US" altLang="en-US" sz="3200" dirty="0">
-                <a:latin typeface="+mn-lt"/>
-                <a:ea typeface="Arial" charset="0"/>
-              </a:rPr>
-              <a:t>deep learning </a:t>
-            </a:r>
-            <a:r>
-              <a:rPr lang="en-US" altLang="en-US" sz="3200" dirty="0" smtClean="0">
-                <a:latin typeface="+mn-lt"/>
-                <a:ea typeface="Arial" charset="0"/>
-              </a:rPr>
-              <a:t>methods. Some </a:t>
-            </a:r>
-            <a:r>
-              <a:rPr lang="en-US" altLang="en-US" sz="3200" dirty="0">
-                <a:latin typeface="+mn-lt"/>
-                <a:ea typeface="Arial" charset="0"/>
-              </a:rPr>
-              <a:t>examples of </a:t>
-            </a:r>
-            <a:r>
-              <a:rPr lang="en-US" altLang="en-US" sz="3200" dirty="0" smtClean="0">
-                <a:latin typeface="+mn-lt"/>
-                <a:ea typeface="Arial" charset="0"/>
-              </a:rPr>
-              <a:t>these  models are: </a:t>
-            </a:r>
-            <a:r>
-              <a:rPr lang="en-US" sz="3200" dirty="0" err="1" smtClean="0">
+              <a:t>[4], and deep learning methods such as </a:t>
+            </a:r>
+            <a:r>
+              <a:rPr lang="en-US" sz="3600" dirty="0" err="1">
                 <a:latin typeface="+mn-lt"/>
               </a:rPr>
               <a:t>DeepDTA</a:t>
             </a:r>
             <a:r>
-              <a:rPr lang="en-US" sz="3200" dirty="0" smtClean="0">
+              <a:rPr lang="en-US" sz="3600" dirty="0">
                 <a:latin typeface="+mn-lt"/>
               </a:rPr>
-              <a:t>[5],</a:t>
-            </a:r>
-            <a:r>
-              <a:rPr lang="en-US" sz="3200" dirty="0" err="1" smtClean="0">
+              <a:t>[5], </a:t>
+            </a:r>
+            <a:r>
+              <a:rPr lang="en-US" sz="3600" dirty="0" err="1">
                 <a:latin typeface="+mn-lt"/>
               </a:rPr>
               <a:t>WideDTA</a:t>
             </a:r>
             <a:r>
-              <a:rPr lang="en-US" sz="3200" dirty="0" smtClean="0">
+              <a:rPr lang="en-US" sz="3600" dirty="0">
                 <a:latin typeface="+mn-lt"/>
               </a:rPr>
-              <a:t>[6],</a:t>
-            </a:r>
-            <a:r>
-              <a:rPr lang="en-US" sz="3200" dirty="0" err="1" smtClean="0">
+              <a:t>[6], </a:t>
+            </a:r>
+            <a:r>
+              <a:rPr lang="en-US" sz="3600" dirty="0" err="1">
                 <a:latin typeface="+mn-lt"/>
               </a:rPr>
               <a:t>AttentionDTA</a:t>
             </a:r>
             <a:r>
-              <a:rPr lang="en-US" sz="3200" dirty="0" smtClean="0">
+              <a:rPr lang="en-US" sz="3600" dirty="0">
                 <a:latin typeface="+mn-lt"/>
               </a:rPr>
-              <a:t>[7],</a:t>
-            </a:r>
-            <a:r>
-              <a:rPr lang="en-US" sz="3200" dirty="0" err="1" smtClean="0">
+              <a:t>[7], and </a:t>
+            </a:r>
+            <a:r>
+              <a:rPr lang="en-US" sz="3600" dirty="0" err="1">
                 <a:latin typeface="+mn-lt"/>
               </a:rPr>
               <a:t>GraphDTA</a:t>
             </a:r>
             <a:r>
-              <a:rPr lang="en-US" sz="3200" dirty="0" smtClean="0">
+              <a:rPr lang="en-US" sz="3600" dirty="0">
                 <a:latin typeface="+mn-lt"/>
               </a:rPr>
               <a:t>[8].</a:t>
             </a:r>
           </a:p>
           <a:p>
-            <a:pPr algn="just">
-              <a:lnSpc>
-                <a:spcPts val="5400"/>
-              </a:lnSpc>
-            </a:pPr>
-            <a:r>
-              <a:rPr lang="en-US" sz="3200" dirty="0">
+            <a:r>
+              <a:rPr lang="en-US" sz="3600" dirty="0">
                 <a:latin typeface="+mn-lt"/>
               </a:rPr>
-              <a:t>in recent years Graph Neural Networks</a:t>
-            </a:r>
-            <a:r>
-              <a:rPr lang="en-US" sz="3200" dirty="0" smtClean="0">
+              <a:t> </a:t>
+            </a:r>
+          </a:p>
+          <a:p>
+            <a:r>
+              <a:rPr lang="en-US" sz="3600" dirty="0">
                 <a:latin typeface="+mn-lt"/>
               </a:rPr>
-              <a:t> (GNNs) </a:t>
-            </a:r>
-            <a:r>
-              <a:rPr lang="en-US" sz="3200" dirty="0">
-                <a:latin typeface="+mn-lt"/>
-              </a:rPr>
-              <a:t>have been used for drug target affinity </a:t>
-            </a:r>
-            <a:r>
-              <a:rPr lang="en-US" sz="3200" dirty="0" err="1" smtClean="0">
-                <a:latin typeface="+mn-lt"/>
-              </a:rPr>
-              <a:t>prediction.GNNs</a:t>
-            </a:r>
-            <a:r>
-              <a:rPr lang="en-US" sz="3200" dirty="0" smtClean="0">
-                <a:latin typeface="+mn-lt"/>
-              </a:rPr>
-              <a:t> can </a:t>
-            </a:r>
-            <a:r>
-              <a:rPr lang="en-US" sz="3200" dirty="0">
-                <a:latin typeface="+mn-lt"/>
-              </a:rPr>
-              <a:t>effectively model molecular structures as graphs. Molecular structures can be represented as graphs, where atoms are nodes and chemical bonds are edges. GNNs can analyze these graphs and learn the structural features that are important for predicting the affinity of a drug to a target.</a:t>
-            </a:r>
-          </a:p>
-          <a:p>
-            <a:pPr algn="just">
-              <a:lnSpc>
-                <a:spcPts val="5400"/>
-              </a:lnSpc>
-            </a:pPr>
+              <a:t>In recent years, Graph Neural Networks (GNNs) have been used for DTA prediction, as they can effectively model molecular structures as graphs. Molecular structures can be represented as graphs, where atoms are nodes and chemical bonds are edges. GNNs can analyze these graphs and learn the structural features that are important for predicting the affinity of a drug to a target.</a:t>
+            </a:r>
+          </a:p>
+          <a:p>
             <a:endParaRPr lang="en-US" sz="3600" dirty="0" smtClean="0">
               <a:latin typeface="+mn-lt"/>
             </a:endParaRPr>
           </a:p>
           <a:p>
-            <a:pPr algn="just">
-              <a:lnSpc>
-                <a:spcPts val="5400"/>
-              </a:lnSpc>
-            </a:pPr>
-            <a:endParaRPr lang="en-US" sz="3600" dirty="0" smtClean="0">
+            <a:endParaRPr lang="en-US" sz="3600" dirty="0">
               <a:latin typeface="+mn-lt"/>
-            </a:endParaRPr>
-          </a:p>
-          <a:p>
-            <a:pPr algn="just">
-              <a:lnSpc>
-                <a:spcPts val="5400"/>
-              </a:lnSpc>
-            </a:pPr>
-            <a:endParaRPr lang="en-US" altLang="en-US" sz="3600" dirty="0">
-              <a:latin typeface="+mn-lt"/>
-              <a:ea typeface="Arial" charset="0"/>
-            </a:endParaRPr>
-          </a:p>
-          <a:p>
-            <a:pPr algn="just">
-              <a:lnSpc>
-                <a:spcPts val="5400"/>
-              </a:lnSpc>
-            </a:pPr>
-            <a:endParaRPr lang="en-US" altLang="en-US" sz="3600" dirty="0" smtClean="0">
-              <a:latin typeface="+mn-lt"/>
-              <a:ea typeface="Arial" charset="0"/>
             </a:endParaRPr>
           </a:p>
         </p:txBody>
@@ -5785,42 +4939,7 @@
         </p:nvCxnSpPr>
         <p:spPr bwMode="auto">
           <a:xfrm>
-            <a:off x="12373431" y="41882765"/>
-            <a:ext cx="9144000" cy="0"/>
-          </a:xfrm>
-          <a:prstGeom prst="line">
-            <a:avLst/>
-          </a:prstGeom>
-          <a:noFill/>
-          <a:ln w="25400" cap="flat" cmpd="sng" algn="ctr">
-            <a:solidFill>
-              <a:schemeClr val="tx1"/>
-            </a:solidFill>
-            <a:prstDash val="dash"/>
-            <a:round/>
-            <a:headEnd type="none" w="med" len="med"/>
-            <a:tailEnd type="none" w="med" len="med"/>
-          </a:ln>
-          <a:effectLst/>
-        </p:spPr>
-      </p:cxnSp>
-      <p:cxnSp>
-        <p:nvCxnSpPr>
-          <p:cNvPr id="123" name="Horizontal Section Divider" descr="Horizontal Divider">
-            <a:extLst>
-              <a:ext uri="{FF2B5EF4-FFF2-40B4-BE49-F238E27FC236}">
-                <a16:creationId xmlns:a16="http://schemas.microsoft.com/office/drawing/2014/main" id="{50C8833D-2C1E-F343-BAA7-BC6F6D2353B1}"/>
-              </a:ext>
-            </a:extLst>
-          </p:cNvPr>
-          <p:cNvCxnSpPr>
-            <a:cxnSpLocks/>
-          </p:cNvCxnSpPr>
-          <p:nvPr/>
-        </p:nvCxnSpPr>
-        <p:spPr bwMode="auto">
-          <a:xfrm>
-            <a:off x="22390259" y="24264314"/>
+            <a:off x="11887200" y="43051165"/>
             <a:ext cx="9144000" cy="0"/>
           </a:xfrm>
           <a:prstGeom prst="line">
@@ -5934,7 +5053,7 @@
         <p:spPr bwMode="auto">
           <a:xfrm>
             <a:off x="1023201" y="6725615"/>
-            <a:ext cx="9807200" cy="5509200"/>
+            <a:ext cx="9807200" cy="7848302"/>
           </a:xfrm>
           <a:prstGeom prst="rect">
             <a:avLst/>
@@ -6057,140 +5176,11 @@
             </a:lvl9pPr>
           </a:lstStyle>
           <a:p>
-            <a:pPr algn="just"/>
-            <a:r>
-              <a:rPr lang="en-US" sz="3200" dirty="0" smtClean="0">
+            <a:r>
+              <a:rPr lang="en-US" sz="3600" dirty="0">
                 <a:latin typeface="+mn-lt"/>
               </a:rPr>
-              <a:t>Drug </a:t>
-            </a:r>
-            <a:r>
-              <a:rPr lang="en-US" sz="3200" dirty="0">
-                <a:latin typeface="+mn-lt"/>
-              </a:rPr>
-              <a:t>discovery is a challenging and costly process that involves </a:t>
-            </a:r>
-            <a:r>
-              <a:rPr lang="en-US" sz="3200" dirty="0" smtClean="0">
-                <a:latin typeface="+mn-lt"/>
-              </a:rPr>
-              <a:t>finding effective </a:t>
-            </a:r>
-            <a:r>
-              <a:rPr lang="en-US" sz="3200" dirty="0">
-                <a:latin typeface="+mn-lt"/>
-              </a:rPr>
-              <a:t>and safe </a:t>
-            </a:r>
-            <a:r>
-              <a:rPr lang="en-US" sz="3200" dirty="0" smtClean="0">
-                <a:latin typeface="+mn-lt"/>
-              </a:rPr>
-              <a:t>compounds. Drug-target </a:t>
-            </a:r>
-            <a:r>
-              <a:rPr lang="en-US" sz="3200" dirty="0">
-                <a:latin typeface="+mn-lt"/>
-              </a:rPr>
-              <a:t>affinity prediction is an important task in drug discovery, as it can help identify potential candidates for drug development and reduce the cost and time of drug discovery</a:t>
-            </a:r>
-            <a:r>
-              <a:rPr lang="en-US" sz="3200" dirty="0" smtClean="0">
-                <a:latin typeface="+mn-lt"/>
-              </a:rPr>
-              <a:t>.</a:t>
-            </a:r>
-          </a:p>
-          <a:p>
-            <a:pPr algn="just"/>
-            <a:r>
-              <a:rPr lang="en-US" sz="3200" dirty="0">
-                <a:latin typeface="+mn-lt"/>
-              </a:rPr>
-              <a:t>in recent years Graph Neural Networks (GNNs) have been used for drug target </a:t>
-            </a:r>
-            <a:r>
-              <a:rPr lang="en-US" sz="3200" dirty="0" smtClean="0">
-                <a:latin typeface="+mn-lt"/>
-              </a:rPr>
-              <a:t>affinity(DTA) </a:t>
-            </a:r>
-            <a:r>
-              <a:rPr lang="en-US" sz="3200" dirty="0">
-                <a:latin typeface="+mn-lt"/>
-              </a:rPr>
-              <a:t>prediction.</a:t>
-            </a:r>
-            <a:endParaRPr lang="en-US" sz="3200" dirty="0" smtClean="0">
-              <a:latin typeface="+mn-lt"/>
-            </a:endParaRPr>
-          </a:p>
-          <a:p>
-            <a:r>
-              <a:rPr lang="en-US" sz="3200" dirty="0" smtClean="0">
-                <a:latin typeface="+mn-lt"/>
-              </a:rPr>
-              <a:t>in </a:t>
-            </a:r>
-            <a:r>
-              <a:rPr lang="en-US" sz="3200" dirty="0">
-                <a:latin typeface="+mn-lt"/>
-              </a:rPr>
-              <a:t>this paper we </a:t>
-            </a:r>
-            <a:r>
-              <a:rPr lang="en-US" sz="3200" dirty="0" smtClean="0">
-                <a:latin typeface="+mn-lt"/>
-              </a:rPr>
-              <a:t> </a:t>
-            </a:r>
-            <a:r>
-              <a:rPr lang="en-US" sz="3200" dirty="0">
-                <a:latin typeface="+mn-lt"/>
-              </a:rPr>
-              <a:t>propose  a model  for </a:t>
-            </a:r>
-            <a:r>
-              <a:rPr lang="en-US" sz="3200" dirty="0" smtClean="0">
-                <a:latin typeface="+mn-lt"/>
-              </a:rPr>
-              <a:t>DTA prediction that </a:t>
-            </a:r>
-            <a:r>
-              <a:rPr lang="en-US" sz="3200" dirty="0">
-                <a:latin typeface="+mn-lt"/>
-              </a:rPr>
-              <a:t>represent the drugs as molecular graphs and </a:t>
-            </a:r>
-            <a:r>
-              <a:rPr lang="en-US" sz="3200" dirty="0" smtClean="0">
-                <a:latin typeface="+mn-lt"/>
-              </a:rPr>
-              <a:t>use </a:t>
-            </a:r>
-            <a:r>
-              <a:rPr lang="en-US" sz="3200" dirty="0">
-                <a:latin typeface="+mn-lt"/>
-              </a:rPr>
-              <a:t>the graph attention </a:t>
-            </a:r>
-            <a:r>
-              <a:rPr lang="en-US" sz="3200" dirty="0" smtClean="0">
-                <a:latin typeface="+mn-lt"/>
-              </a:rPr>
-              <a:t>network(GAT) </a:t>
-            </a:r>
-            <a:r>
-              <a:rPr lang="en-US" sz="3200" dirty="0">
-                <a:latin typeface="+mn-lt"/>
-              </a:rPr>
-              <a:t>to predict </a:t>
-            </a:r>
-            <a:r>
-              <a:rPr lang="en-US" sz="3200" dirty="0" smtClean="0">
-                <a:latin typeface="+mn-lt"/>
-              </a:rPr>
-              <a:t>DTA.</a:t>
+              <a:t>Drug discovery is a challenging and costly process that involves finding effective and safe compounds. One of the key tasks in drug discovery is drug-target affinity prediction, which can help identify potential candidates for drug development and reduce the cost and time of drug discovery. In recent years, Graph Neural Networks (GNNs) have been used for drug-target affinity prediction, as they can represent the drugs as molecular graphs and capture their structural features. In this paper, we propose a model for drug-target affinity prediction that uses the graph attention network (GAT) to predict the binding strength of a drug molecule to a target protein.</a:t>
             </a:r>
           </a:p>
         </p:txBody>
@@ -6204,13 +5194,13 @@
           <p:nvPr>
             <p:extLst>
               <p:ext uri="{D42A27DB-BD31-4B8C-83A1-F6EECF244321}">
-                <p14:modId xmlns:p14="http://schemas.microsoft.com/office/powerpoint/2010/main" val="3180300068"/>
+                <p14:modId xmlns:p14="http://schemas.microsoft.com/office/powerpoint/2010/main" val="2344964321"/>
               </p:ext>
             </p:extLst>
           </p:nvPr>
         </p:nvGraphicFramePr>
         <p:xfrm>
-          <a:off x="22220643" y="8540947"/>
+          <a:off x="12018945" y="40323681"/>
           <a:ext cx="7703840" cy="1676400"/>
         </p:xfrm>
         <a:graphic>
@@ -6539,14 +5529,14 @@
           <p:nvPr>
             <p:extLst>
               <p:ext uri="{D42A27DB-BD31-4B8C-83A1-F6EECF244321}">
-                <p14:modId xmlns:p14="http://schemas.microsoft.com/office/powerpoint/2010/main" val="3034092735"/>
+                <p14:modId xmlns:p14="http://schemas.microsoft.com/office/powerpoint/2010/main" val="227990054"/>
               </p:ext>
             </p:extLst>
           </p:nvPr>
         </p:nvGraphicFramePr>
         <p:xfrm>
-          <a:off x="12373431" y="37382041"/>
-          <a:ext cx="6209344" cy="4086492"/>
+          <a:off x="12148110" y="32408721"/>
+          <a:ext cx="5687922" cy="4053840"/>
         </p:xfrm>
         <a:graphic>
           <a:graphicData uri="http://schemas.openxmlformats.org/drawingml/2006/table">
@@ -6555,14 +5545,14 @@
                 <a:tableStyleId>{5C22544A-7EE6-4342-B048-85BDC9FD1C3A}</a:tableStyleId>
               </a:tblPr>
               <a:tblGrid>
-                <a:gridCol w="3104672">
+                <a:gridCol w="2843961">
                   <a:extLst>
                     <a:ext uri="{9D8B030D-6E8A-4147-A177-3AD203B41FA5}">
                       <a16:colId xmlns:a16="http://schemas.microsoft.com/office/drawing/2014/main" val="3696302981"/>
                     </a:ext>
                   </a:extLst>
                 </a:gridCol>
-                <a:gridCol w="3104672">
+                <a:gridCol w="2843961">
                   <a:extLst>
                     <a:ext uri="{9D8B030D-6E8A-4147-A177-3AD203B41FA5}">
                       <a16:colId xmlns:a16="http://schemas.microsoft.com/office/drawing/2014/main" val="653202651"/>
@@ -6570,7 +5560,7 @@
                   </a:extLst>
                 </a:gridCol>
               </a:tblGrid>
-              <a:tr h="523602">
+              <a:tr h="303535">
                 <a:tc>
                   <a:txBody>
                     <a:bodyPr/>
@@ -6621,7 +5611,7 @@
                   </a:ext>
                 </a:extLst>
               </a:tr>
-              <a:tr h="523602">
+              <a:tr h="303535">
                 <a:tc>
                   <a:txBody>
                     <a:bodyPr/>
@@ -6665,7 +5655,7 @@
                   </a:ext>
                 </a:extLst>
               </a:tr>
-              <a:tr h="523602">
+              <a:tr h="303535">
                 <a:tc>
                   <a:txBody>
                     <a:bodyPr/>
@@ -6709,7 +5699,7 @@
                   </a:ext>
                 </a:extLst>
               </a:tr>
-              <a:tr h="523602">
+              <a:tr h="303535">
                 <a:tc>
                   <a:txBody>
                     <a:bodyPr/>
@@ -6753,7 +5743,7 @@
                   </a:ext>
                 </a:extLst>
               </a:tr>
-              <a:tr h="523602">
+              <a:tr h="303535">
                 <a:tc>
                   <a:txBody>
                     <a:bodyPr/>
@@ -6797,7 +5787,7 @@
                   </a:ext>
                 </a:extLst>
               </a:tr>
-              <a:tr h="523602">
+              <a:tr h="303535">
                 <a:tc>
                   <a:txBody>
                     <a:bodyPr/>
@@ -6836,7 +5826,7 @@
                   </a:ext>
                 </a:extLst>
               </a:tr>
-              <a:tr h="523602">
+              <a:tr h="547751">
                 <a:tc>
                   <a:txBody>
                     <a:bodyPr/>
@@ -6893,14 +5883,14 @@
           <p:nvPr>
             <p:extLst>
               <p:ext uri="{D42A27DB-BD31-4B8C-83A1-F6EECF244321}">
-                <p14:modId xmlns:p14="http://schemas.microsoft.com/office/powerpoint/2010/main" val="1556806670"/>
+                <p14:modId xmlns:p14="http://schemas.microsoft.com/office/powerpoint/2010/main" val="2783933315"/>
               </p:ext>
             </p:extLst>
           </p:nvPr>
         </p:nvGraphicFramePr>
         <p:xfrm>
-          <a:off x="22497320" y="18128345"/>
-          <a:ext cx="9358122" cy="5063481"/>
+          <a:off x="21987989" y="13123773"/>
+          <a:ext cx="9723936" cy="3969373"/>
         </p:xfrm>
         <a:graphic>
           <a:graphicData uri="http://schemas.openxmlformats.org/drawingml/2006/table">
@@ -6909,21 +5899,21 @@
                 <a:tableStyleId>{5C22544A-7EE6-4342-B048-85BDC9FD1C3A}</a:tableStyleId>
               </a:tblPr>
               <a:tblGrid>
-                <a:gridCol w="3119374">
+                <a:gridCol w="3241312">
                   <a:extLst>
                     <a:ext uri="{9D8B030D-6E8A-4147-A177-3AD203B41FA5}">
                       <a16:colId xmlns:a16="http://schemas.microsoft.com/office/drawing/2014/main" val="2201287827"/>
                     </a:ext>
                   </a:extLst>
                 </a:gridCol>
-                <a:gridCol w="3119374">
+                <a:gridCol w="3241312">
                   <a:extLst>
                     <a:ext uri="{9D8B030D-6E8A-4147-A177-3AD203B41FA5}">
                       <a16:colId xmlns:a16="http://schemas.microsoft.com/office/drawing/2014/main" val="1825515799"/>
                     </a:ext>
                   </a:extLst>
                 </a:gridCol>
-                <a:gridCol w="3119374">
+                <a:gridCol w="3241312">
                   <a:extLst>
                     <a:ext uri="{9D8B030D-6E8A-4147-A177-3AD203B41FA5}">
                       <a16:colId xmlns:a16="http://schemas.microsoft.com/office/drawing/2014/main" val="131161324"/>
@@ -6931,12 +5921,13 @@
                   </a:extLst>
                 </a:gridCol>
               </a:tblGrid>
-              <a:tr h="713834">
+              <a:tr h="559591">
                 <a:tc>
                   <a:txBody>
                     <a:bodyPr/>
                     <a:lstStyle/>
                     <a:p>
+                      <a:pPr algn="ctr"/>
                       <a:r>
                         <a:rPr lang="en-US" sz="2800" b="0" dirty="0" smtClean="0">
                           <a:solidFill>
@@ -6959,6 +5950,7 @@
                     <a:bodyPr/>
                     <a:lstStyle/>
                     <a:p>
+                      <a:pPr algn="ctr"/>
                       <a:r>
                         <a:rPr lang="en-US" sz="2800" b="0" dirty="0" smtClean="0">
                           <a:solidFill>
@@ -6981,6 +5973,7 @@
                     <a:bodyPr/>
                     <a:lstStyle/>
                     <a:p>
+                      <a:pPr algn="ctr"/>
                       <a:r>
                         <a:rPr lang="en-US" sz="2800" b="0" dirty="0" smtClean="0">
                           <a:solidFill>
@@ -7004,12 +5997,13 @@
                   </a:ext>
                 </a:extLst>
               </a:tr>
-              <a:tr h="762645">
+              <a:tr h="597854">
                 <a:tc>
                   <a:txBody>
                     <a:bodyPr/>
                     <a:lstStyle/>
                     <a:p>
+                      <a:pPr algn="ctr"/>
                       <a:r>
                         <a:rPr lang="en-US" sz="2800" dirty="0" err="1" smtClean="0"/>
                         <a:t>KronRLS</a:t>
@@ -7024,6 +6018,7 @@
                     <a:bodyPr/>
                     <a:lstStyle/>
                     <a:p>
+                      <a:pPr algn="ctr"/>
                       <a:r>
                         <a:rPr lang="en-US" sz="2800" b="0" i="0" u="none" strike="noStrike" kern="1200" baseline="0" dirty="0" smtClean="0">
                           <a:solidFill>
@@ -7045,6 +6040,7 @@
                     <a:bodyPr/>
                     <a:lstStyle/>
                     <a:p>
+                      <a:pPr algn="ctr"/>
                       <a:r>
                         <a:rPr lang="en-US" sz="2800" b="0" i="0" u="none" strike="noStrike" kern="1200" baseline="0" dirty="0" smtClean="0">
                           <a:solidFill>
@@ -7067,12 +6063,13 @@
                   </a:ext>
                 </a:extLst>
               </a:tr>
-              <a:tr h="773435">
+              <a:tr h="606312">
                 <a:tc>
                   <a:txBody>
                     <a:bodyPr/>
                     <a:lstStyle/>
                     <a:p>
+                      <a:pPr algn="ctr"/>
                       <a:r>
                         <a:rPr lang="en-US" sz="2800" dirty="0" err="1" smtClean="0"/>
                         <a:t>SimBoost</a:t>
@@ -7087,6 +6084,7 @@
                     <a:bodyPr/>
                     <a:lstStyle/>
                     <a:p>
+                      <a:pPr algn="ctr"/>
                       <a:r>
                         <a:rPr lang="en-US" sz="2800" b="0" i="0" u="none" strike="noStrike" kern="1200" baseline="0" dirty="0" smtClean="0">
                           <a:solidFill>
@@ -7108,6 +6106,7 @@
                     <a:bodyPr/>
                     <a:lstStyle/>
                     <a:p>
+                      <a:pPr algn="ctr"/>
                       <a:r>
                         <a:rPr lang="en-US" sz="2800" b="0" i="0" u="none" strike="noStrike" kern="1200" baseline="0" dirty="0" smtClean="0">
                           <a:solidFill>
@@ -7130,12 +6129,13 @@
                   </a:ext>
                 </a:extLst>
               </a:tr>
-              <a:tr h="762645">
+              <a:tr h="597854">
                 <a:tc>
                   <a:txBody>
                     <a:bodyPr/>
                     <a:lstStyle/>
                     <a:p>
+                      <a:pPr algn="ctr"/>
                       <a:r>
                         <a:rPr lang="en-US" sz="2800" dirty="0" err="1" smtClean="0"/>
                         <a:t>DeepDTA</a:t>
@@ -7150,6 +6150,7 @@
                     <a:bodyPr/>
                     <a:lstStyle/>
                     <a:p>
+                      <a:pPr algn="ctr"/>
                       <a:r>
                         <a:rPr lang="en-US" sz="2800" b="0" i="0" u="none" strike="noStrike" kern="1200" baseline="0" dirty="0" smtClean="0">
                           <a:solidFill>
@@ -7171,6 +6172,7 @@
                     <a:bodyPr/>
                     <a:lstStyle/>
                     <a:p>
+                      <a:pPr algn="ctr"/>
                       <a:r>
                         <a:rPr lang="en-US" sz="2800" b="0" i="0" u="none" strike="noStrike" kern="1200" baseline="0" dirty="0" smtClean="0">
                           <a:solidFill>
@@ -7193,12 +6195,13 @@
                   </a:ext>
                 </a:extLst>
               </a:tr>
-              <a:tr h="762645">
+              <a:tr h="597854">
                 <a:tc>
                   <a:txBody>
                     <a:bodyPr/>
                     <a:lstStyle/>
                     <a:p>
+                      <a:pPr algn="ctr"/>
                       <a:r>
                         <a:rPr lang="en-US" sz="2800" dirty="0" err="1" smtClean="0"/>
                         <a:t>WideDTA</a:t>
@@ -7213,6 +6216,7 @@
                     <a:bodyPr/>
                     <a:lstStyle/>
                     <a:p>
+                      <a:pPr algn="ctr"/>
                       <a:r>
                         <a:rPr lang="en-US" sz="2800" b="0" i="0" u="none" strike="noStrike" kern="1200" baseline="0" dirty="0" smtClean="0">
                           <a:solidFill>
@@ -7234,6 +6238,7 @@
                     <a:bodyPr/>
                     <a:lstStyle/>
                     <a:p>
+                      <a:pPr algn="ctr"/>
                       <a:r>
                         <a:rPr lang="en-US" sz="2800" b="0" i="0" u="none" strike="noStrike" kern="1200" baseline="0" dirty="0" smtClean="0">
                           <a:solidFill>
@@ -7256,12 +6261,13 @@
                   </a:ext>
                 </a:extLst>
               </a:tr>
-              <a:tr h="1288277">
+              <a:tr h="1009908">
                 <a:tc>
                   <a:txBody>
                     <a:bodyPr/>
                     <a:lstStyle/>
                     <a:p>
+                      <a:pPr algn="ctr"/>
                       <a:r>
                         <a:rPr lang="en-US" sz="2800" dirty="0" smtClean="0"/>
                         <a:t>Our model</a:t>
@@ -7276,6 +6282,7 @@
                     <a:bodyPr/>
                     <a:lstStyle/>
                     <a:p>
+                      <a:pPr algn="ctr"/>
                       <a:endParaRPr lang="en-US" sz="2800" dirty="0"/>
                     </a:p>
                   </a:txBody>
@@ -7286,6 +6293,7 @@
                     <a:bodyPr/>
                     <a:lstStyle/>
                     <a:p>
+                      <a:pPr algn="ctr"/>
                       <a:endParaRPr lang="en-US" sz="2800" dirty="0"/>
                     </a:p>
                   </a:txBody>

--- a/poster/poster.pptx
+++ b/poster/poster.pptx
@@ -243,7 +243,7 @@
           <a:p>
             <a:fld id="{AFE03F1E-456F-5D40-9A89-77D696A88D57}" type="datetimeFigureOut">
               <a:rPr lang="en-US" smtClean="0"/>
-              <a:t>5/23/2023</a:t>
+              <a:t>5/27/2023</a:t>
             </a:fld>
             <a:endParaRPr lang="en-US"/>
           </a:p>
@@ -479,7 +479,7 @@
           <a:p>
             <a:fld id="{AFE03F1E-456F-5D40-9A89-77D696A88D57}" type="datetimeFigureOut">
               <a:rPr lang="en-US" smtClean="0"/>
-              <a:t>5/23/2023</a:t>
+              <a:t>5/27/2023</a:t>
             </a:fld>
             <a:endParaRPr lang="en-US"/>
           </a:p>
@@ -659,7 +659,7 @@
           <a:p>
             <a:fld id="{AFE03F1E-456F-5D40-9A89-77D696A88D57}" type="datetimeFigureOut">
               <a:rPr lang="en-US" smtClean="0"/>
-              <a:t>5/23/2023</a:t>
+              <a:t>5/27/2023</a:t>
             </a:fld>
             <a:endParaRPr lang="en-US"/>
           </a:p>
@@ -829,7 +829,7 @@
           <a:p>
             <a:fld id="{AFE03F1E-456F-5D40-9A89-77D696A88D57}" type="datetimeFigureOut">
               <a:rPr lang="en-US" smtClean="0"/>
-              <a:t>5/23/2023</a:t>
+              <a:t>5/27/2023</a:t>
             </a:fld>
             <a:endParaRPr lang="en-US"/>
           </a:p>
@@ -1073,7 +1073,7 @@
           <a:p>
             <a:fld id="{AFE03F1E-456F-5D40-9A89-77D696A88D57}" type="datetimeFigureOut">
               <a:rPr lang="en-US" smtClean="0"/>
-              <a:t>5/23/2023</a:t>
+              <a:t>5/27/2023</a:t>
             </a:fld>
             <a:endParaRPr lang="en-US"/>
           </a:p>
@@ -1305,7 +1305,7 @@
           <a:p>
             <a:fld id="{AFE03F1E-456F-5D40-9A89-77D696A88D57}" type="datetimeFigureOut">
               <a:rPr lang="en-US" smtClean="0"/>
-              <a:t>5/23/2023</a:t>
+              <a:t>5/27/2023</a:t>
             </a:fld>
             <a:endParaRPr lang="en-US"/>
           </a:p>
@@ -1672,7 +1672,7 @@
           <a:p>
             <a:fld id="{AFE03F1E-456F-5D40-9A89-77D696A88D57}" type="datetimeFigureOut">
               <a:rPr lang="en-US" smtClean="0"/>
-              <a:t>5/23/2023</a:t>
+              <a:t>5/27/2023</a:t>
             </a:fld>
             <a:endParaRPr lang="en-US"/>
           </a:p>
@@ -1790,7 +1790,7 @@
           <a:p>
             <a:fld id="{AFE03F1E-456F-5D40-9A89-77D696A88D57}" type="datetimeFigureOut">
               <a:rPr lang="en-US" smtClean="0"/>
-              <a:t>5/23/2023</a:t>
+              <a:t>5/27/2023</a:t>
             </a:fld>
             <a:endParaRPr lang="en-US"/>
           </a:p>
@@ -1885,7 +1885,7 @@
           <a:p>
             <a:fld id="{AFE03F1E-456F-5D40-9A89-77D696A88D57}" type="datetimeFigureOut">
               <a:rPr lang="en-US" smtClean="0"/>
-              <a:t>5/23/2023</a:t>
+              <a:t>5/27/2023</a:t>
             </a:fld>
             <a:endParaRPr lang="en-US"/>
           </a:p>
@@ -2162,7 +2162,7 @@
           <a:p>
             <a:fld id="{AFE03F1E-456F-5D40-9A89-77D696A88D57}" type="datetimeFigureOut">
               <a:rPr lang="en-US" smtClean="0"/>
-              <a:t>5/23/2023</a:t>
+              <a:t>5/27/2023</a:t>
             </a:fld>
             <a:endParaRPr lang="en-US"/>
           </a:p>
@@ -2419,7 +2419,7 @@
           <a:p>
             <a:fld id="{AFE03F1E-456F-5D40-9A89-77D696A88D57}" type="datetimeFigureOut">
               <a:rPr lang="en-US" smtClean="0"/>
-              <a:t>5/23/2023</a:t>
+              <a:t>5/27/2023</a:t>
             </a:fld>
             <a:endParaRPr lang="en-US"/>
           </a:p>
@@ -2632,7 +2632,7 @@
           <a:p>
             <a:fld id="{AFE03F1E-456F-5D40-9A89-77D696A88D57}" type="datetimeFigureOut">
               <a:rPr lang="en-US" smtClean="0"/>
-              <a:t>5/23/2023</a:t>
+              <a:t>5/27/2023</a:t>
             </a:fld>
             <a:endParaRPr lang="en-US"/>
           </a:p>
@@ -3729,10 +3729,6 @@
               </a:rPr>
               <a:t>.</a:t>
             </a:r>
-            <a:endParaRPr lang="en-US" sz="3600" dirty="0" smtClean="0">
-              <a:ea typeface="Arial" charset="0"/>
-              <a:cs typeface="Arial" charset="0"/>
-            </a:endParaRPr>
           </a:p>
         </p:txBody>
       </p:sp>
@@ -4166,14 +4162,7 @@
                 <a:ea typeface="Arial" charset="0"/>
                 <a:cs typeface="Arial" charset="0"/>
               </a:rPr>
-              <a:t> </a:t>
-            </a:r>
-            <a:r>
-              <a:rPr lang="en-US" sz="2800" dirty="0" smtClean="0">
-                <a:ea typeface="Arial" charset="0"/>
-                <a:cs typeface="Arial" charset="0"/>
-              </a:rPr>
-              <a:t>[9]</a:t>
+              <a:t> [9]</a:t>
             </a:r>
             <a:r>
               <a:rPr lang="en-US" sz="2800" dirty="0"/>
@@ -5513,360 +5502,6 @@
                 <a:extLst>
                   <a:ext uri="{0D108BD9-81ED-4DB2-BD59-A6C34878D82A}">
                     <a16:rowId xmlns:a16="http://schemas.microsoft.com/office/drawing/2014/main" val="703032448"/>
-                  </a:ext>
-                </a:extLst>
-              </a:tr>
-            </a:tbl>
-          </a:graphicData>
-        </a:graphic>
-      </p:graphicFrame>
-      <p:graphicFrame>
-        <p:nvGraphicFramePr>
-          <p:cNvPr id="2" name="Table 1"/>
-          <p:cNvGraphicFramePr>
-            <a:graphicFrameLocks noGrp="1"/>
-          </p:cNvGraphicFramePr>
-          <p:nvPr>
-            <p:extLst>
-              <p:ext uri="{D42A27DB-BD31-4B8C-83A1-F6EECF244321}">
-                <p14:modId xmlns:p14="http://schemas.microsoft.com/office/powerpoint/2010/main" val="227990054"/>
-              </p:ext>
-            </p:extLst>
-          </p:nvPr>
-        </p:nvGraphicFramePr>
-        <p:xfrm>
-          <a:off x="12148110" y="32408721"/>
-          <a:ext cx="5687922" cy="4053840"/>
-        </p:xfrm>
-        <a:graphic>
-          <a:graphicData uri="http://schemas.openxmlformats.org/drawingml/2006/table">
-            <a:tbl>
-              <a:tblPr firstRow="1" bandRow="1">
-                <a:tableStyleId>{5C22544A-7EE6-4342-B048-85BDC9FD1C3A}</a:tableStyleId>
-              </a:tblPr>
-              <a:tblGrid>
-                <a:gridCol w="2843961">
-                  <a:extLst>
-                    <a:ext uri="{9D8B030D-6E8A-4147-A177-3AD203B41FA5}">
-                      <a16:colId xmlns:a16="http://schemas.microsoft.com/office/drawing/2014/main" val="3696302981"/>
-                    </a:ext>
-                  </a:extLst>
-                </a:gridCol>
-                <a:gridCol w="2843961">
-                  <a:extLst>
-                    <a:ext uri="{9D8B030D-6E8A-4147-A177-3AD203B41FA5}">
-                      <a16:colId xmlns:a16="http://schemas.microsoft.com/office/drawing/2014/main" val="653202651"/>
-                    </a:ext>
-                  </a:extLst>
-                </a:gridCol>
-              </a:tblGrid>
-              <a:tr h="303535">
-                <a:tc>
-                  <a:txBody>
-                    <a:bodyPr/>
-                    <a:lstStyle/>
-                    <a:p>
-                      <a:r>
-                        <a:rPr lang="en-US" sz="2800" b="0" i="0" u="none" strike="noStrike" kern="1200" baseline="0" dirty="0" err="1" smtClean="0">
-                          <a:solidFill>
-                            <a:schemeClr val="lt1"/>
-                          </a:solidFill>
-                          <a:latin typeface="+mn-lt"/>
-                          <a:ea typeface="+mn-ea"/>
-                          <a:cs typeface="+mn-cs"/>
-                        </a:rPr>
-                        <a:t>Hyperparameter</a:t>
-                      </a:r>
-                      <a:endParaRPr lang="en-US" sz="2800" dirty="0">
-                        <a:latin typeface="+mn-lt"/>
-                      </a:endParaRPr>
-                    </a:p>
-                  </a:txBody>
-                  <a:tcPr/>
-                </a:tc>
-                <a:tc>
-                  <a:txBody>
-                    <a:bodyPr/>
-                    <a:lstStyle/>
-                    <a:p>
-                      <a:r>
-                        <a:rPr lang="en-US" sz="2800" b="0" i="0" u="none" strike="noStrike" kern="1200" baseline="0" dirty="0" smtClean="0">
-                          <a:solidFill>
-                            <a:schemeClr val="lt1"/>
-                          </a:solidFill>
-                          <a:latin typeface="+mn-lt"/>
-                          <a:ea typeface="+mn-ea"/>
-                          <a:cs typeface="+mn-cs"/>
-                        </a:rPr>
-                        <a:t>Setting</a:t>
-                      </a:r>
-                      <a:endParaRPr lang="en-US" sz="2800" dirty="0"/>
-                    </a:p>
-                  </a:txBody>
-                  <a:tcPr/>
-                </a:tc>
-                <a:extLst>
-                  <a:ext uri="{0D108BD9-81ED-4DB2-BD59-A6C34878D82A}">
-                    <a16:rowId xmlns:a16="http://schemas.microsoft.com/office/drawing/2014/main" val="501285684"/>
-                  </a:ext>
-                </a:extLst>
-              </a:tr>
-              <a:tr h="303535">
-                <a:tc>
-                  <a:txBody>
-                    <a:bodyPr/>
-                    <a:lstStyle/>
-                    <a:p>
-                      <a:r>
-                        <a:rPr lang="en-US" sz="2800" b="0" i="0" u="none" strike="noStrike" kern="1200" baseline="0" dirty="0" smtClean="0">
-                          <a:solidFill>
-                            <a:schemeClr val="dk1"/>
-                          </a:solidFill>
-                          <a:latin typeface="+mn-lt"/>
-                          <a:ea typeface="+mn-ea"/>
-                          <a:cs typeface="+mn-cs"/>
-                        </a:rPr>
-                        <a:t>Epoch</a:t>
-                      </a:r>
-                      <a:endParaRPr lang="en-US" sz="2800" dirty="0">
-                        <a:latin typeface="+mn-lt"/>
-                      </a:endParaRPr>
-                    </a:p>
-                  </a:txBody>
-                  <a:tcPr/>
-                </a:tc>
-                <a:tc>
-                  <a:txBody>
-                    <a:bodyPr/>
-                    <a:lstStyle/>
-                    <a:p>
-                      <a:r>
-                        <a:rPr lang="en-US" sz="2800" dirty="0" smtClean="0"/>
-                        <a:t>1000</a:t>
-                      </a:r>
-                      <a:endParaRPr lang="en-US" sz="2800" dirty="0"/>
-                    </a:p>
-                  </a:txBody>
-                  <a:tcPr/>
-                </a:tc>
-                <a:extLst>
-                  <a:ext uri="{0D108BD9-81ED-4DB2-BD59-A6C34878D82A}">
-                    <a16:rowId xmlns:a16="http://schemas.microsoft.com/office/drawing/2014/main" val="1065181808"/>
-                  </a:ext>
-                </a:extLst>
-              </a:tr>
-              <a:tr h="303535">
-                <a:tc>
-                  <a:txBody>
-                    <a:bodyPr/>
-                    <a:lstStyle/>
-                    <a:p>
-                      <a:r>
-                        <a:rPr lang="en-US" sz="2800" b="0" i="0" u="none" strike="noStrike" kern="1200" baseline="0" dirty="0" smtClean="0">
-                          <a:solidFill>
-                            <a:schemeClr val="dk1"/>
-                          </a:solidFill>
-                          <a:latin typeface="+mn-lt"/>
-                          <a:ea typeface="+mn-ea"/>
-                          <a:cs typeface="+mn-cs"/>
-                        </a:rPr>
-                        <a:t>Batch size</a:t>
-                      </a:r>
-                      <a:endParaRPr lang="en-US" sz="2800" dirty="0">
-                        <a:latin typeface="+mn-lt"/>
-                      </a:endParaRPr>
-                    </a:p>
-                  </a:txBody>
-                  <a:tcPr/>
-                </a:tc>
-                <a:tc>
-                  <a:txBody>
-                    <a:bodyPr/>
-                    <a:lstStyle/>
-                    <a:p>
-                      <a:r>
-                        <a:rPr lang="en-US" sz="2800" dirty="0" smtClean="0"/>
-                        <a:t>512</a:t>
-                      </a:r>
-                      <a:endParaRPr lang="en-US" sz="2800" dirty="0"/>
-                    </a:p>
-                  </a:txBody>
-                  <a:tcPr/>
-                </a:tc>
-                <a:extLst>
-                  <a:ext uri="{0D108BD9-81ED-4DB2-BD59-A6C34878D82A}">
-                    <a16:rowId xmlns:a16="http://schemas.microsoft.com/office/drawing/2014/main" val="374784465"/>
-                  </a:ext>
-                </a:extLst>
-              </a:tr>
-              <a:tr h="303535">
-                <a:tc>
-                  <a:txBody>
-                    <a:bodyPr/>
-                    <a:lstStyle/>
-                    <a:p>
-                      <a:r>
-                        <a:rPr lang="en-US" sz="2800" b="0" i="0" u="none" strike="noStrike" kern="1200" baseline="0" dirty="0" smtClean="0">
-                          <a:solidFill>
-                            <a:schemeClr val="dk1"/>
-                          </a:solidFill>
-                          <a:latin typeface="+mn-lt"/>
-                          <a:ea typeface="+mn-ea"/>
-                          <a:cs typeface="+mn-cs"/>
-                        </a:rPr>
-                        <a:t>Learning rate</a:t>
-                      </a:r>
-                      <a:endParaRPr lang="en-US" sz="2800" dirty="0">
-                        <a:latin typeface="+mn-lt"/>
-                      </a:endParaRPr>
-                    </a:p>
-                  </a:txBody>
-                  <a:tcPr/>
-                </a:tc>
-                <a:tc>
-                  <a:txBody>
-                    <a:bodyPr/>
-                    <a:lstStyle/>
-                    <a:p>
-                      <a:r>
-                        <a:rPr lang="en-US" sz="2800" dirty="0" smtClean="0"/>
-                        <a:t>0.00001</a:t>
-                      </a:r>
-                      <a:endParaRPr lang="en-US" sz="2800" dirty="0"/>
-                    </a:p>
-                  </a:txBody>
-                  <a:tcPr/>
-                </a:tc>
-                <a:extLst>
-                  <a:ext uri="{0D108BD9-81ED-4DB2-BD59-A6C34878D82A}">
-                    <a16:rowId xmlns:a16="http://schemas.microsoft.com/office/drawing/2014/main" val="4097076291"/>
-                  </a:ext>
-                </a:extLst>
-              </a:tr>
-              <a:tr h="303535">
-                <a:tc>
-                  <a:txBody>
-                    <a:bodyPr/>
-                    <a:lstStyle/>
-                    <a:p>
-                      <a:r>
-                        <a:rPr lang="en-US" sz="2800" b="0" i="0" u="none" strike="noStrike" kern="1200" baseline="0" dirty="0" smtClean="0">
-                          <a:solidFill>
-                            <a:schemeClr val="dk1"/>
-                          </a:solidFill>
-                          <a:latin typeface="+mn-lt"/>
-                          <a:ea typeface="+mn-ea"/>
-                          <a:cs typeface="+mn-cs"/>
-                        </a:rPr>
-                        <a:t>Optimizer</a:t>
-                      </a:r>
-                      <a:endParaRPr lang="en-US" sz="2800" dirty="0">
-                        <a:latin typeface="+mn-lt"/>
-                      </a:endParaRPr>
-                    </a:p>
-                  </a:txBody>
-                  <a:tcPr/>
-                </a:tc>
-                <a:tc>
-                  <a:txBody>
-                    <a:bodyPr/>
-                    <a:lstStyle/>
-                    <a:p>
-                      <a:r>
-                        <a:rPr lang="en-US" sz="2800" dirty="0" smtClean="0"/>
-                        <a:t>Adam</a:t>
-                      </a:r>
-                      <a:endParaRPr lang="en-US" sz="2800" dirty="0"/>
-                    </a:p>
-                  </a:txBody>
-                  <a:tcPr/>
-                </a:tc>
-                <a:extLst>
-                  <a:ext uri="{0D108BD9-81ED-4DB2-BD59-A6C34878D82A}">
-                    <a16:rowId xmlns:a16="http://schemas.microsoft.com/office/drawing/2014/main" val="2111592531"/>
-                  </a:ext>
-                </a:extLst>
-              </a:tr>
-              <a:tr h="303535">
-                <a:tc>
-                  <a:txBody>
-                    <a:bodyPr/>
-                    <a:lstStyle/>
-                    <a:p>
-                      <a:r>
-                        <a:rPr lang="en-US" sz="2800" dirty="0" smtClean="0">
-                          <a:latin typeface="+mn-lt"/>
-                        </a:rPr>
-                        <a:t>GAT layers</a:t>
-                      </a:r>
-                      <a:endParaRPr lang="en-US" sz="2800" dirty="0">
-                        <a:latin typeface="+mn-lt"/>
-                      </a:endParaRPr>
-                    </a:p>
-                  </a:txBody>
-                  <a:tcPr/>
-                </a:tc>
-                <a:tc>
-                  <a:txBody>
-                    <a:bodyPr/>
-                    <a:lstStyle/>
-                    <a:p>
-                      <a:r>
-                        <a:rPr lang="en-US" sz="2800" dirty="0" smtClean="0"/>
-                        <a:t>3</a:t>
-                      </a:r>
-                      <a:endParaRPr lang="en-US" sz="2800" dirty="0"/>
-                    </a:p>
-                  </a:txBody>
-                  <a:tcPr/>
-                </a:tc>
-                <a:extLst>
-                  <a:ext uri="{0D108BD9-81ED-4DB2-BD59-A6C34878D82A}">
-                    <a16:rowId xmlns:a16="http://schemas.microsoft.com/office/drawing/2014/main" val="1222700928"/>
-                  </a:ext>
-                </a:extLst>
-              </a:tr>
-              <a:tr h="547751">
-                <a:tc>
-                  <a:txBody>
-                    <a:bodyPr/>
-                    <a:lstStyle/>
-                    <a:p>
-                      <a:r>
-                        <a:rPr lang="en-US" sz="2800" b="0" i="0" u="none" strike="noStrike" kern="1200" baseline="0" dirty="0" smtClean="0">
-                          <a:solidFill>
-                            <a:schemeClr val="dk1"/>
-                          </a:solidFill>
-                          <a:latin typeface="+mn-lt"/>
-                          <a:ea typeface="+mn-ea"/>
-                          <a:cs typeface="+mn-cs"/>
-                        </a:rPr>
-                        <a:t>Fully connected layers</a:t>
-                      </a:r>
-                      <a:endParaRPr lang="en-US" sz="2800" dirty="0">
-                        <a:latin typeface="+mn-lt"/>
-                      </a:endParaRPr>
-                    </a:p>
-                  </a:txBody>
-                  <a:tcPr/>
-                </a:tc>
-                <a:tc>
-                  <a:txBody>
-                    <a:bodyPr/>
-                    <a:lstStyle/>
-                    <a:p>
-                      <a:r>
-                        <a:rPr lang="en-US" sz="2800" dirty="0" smtClean="0"/>
-                        <a:t>2</a:t>
-                      </a:r>
-                      <a:endParaRPr lang="en-US" sz="2800" dirty="0"/>
-                    </a:p>
-                  </a:txBody>
-                  <a:tcPr/>
-                </a:tc>
-                <a:extLst>
-                  <a:ext uri="{0D108BD9-81ED-4DB2-BD59-A6C34878D82A}">
-                    <a16:rowId xmlns:a16="http://schemas.microsoft.com/office/drawing/2014/main" val="4109986975"/>
                   </a:ext>
                 </a:extLst>
               </a:tr>
@@ -6309,6 +5944,36 @@
           </a:graphicData>
         </a:graphic>
       </p:graphicFrame>
+      <p:pic>
+        <p:nvPicPr>
+          <p:cNvPr id="9" name="Picture 8"/>
+          <p:cNvPicPr>
+            <a:picLocks noChangeAspect="1"/>
+          </p:cNvPicPr>
+          <p:nvPr/>
+        </p:nvPicPr>
+        <p:blipFill>
+          <a:blip r:embed="rId2">
+            <a:extLst>
+              <a:ext uri="{28A0092B-C50C-407E-A947-70E740481C1C}">
+                <a14:useLocalDpi xmlns:a14="http://schemas.microsoft.com/office/drawing/2010/main" val="0"/>
+              </a:ext>
+            </a:extLst>
+          </a:blip>
+          <a:stretch>
+            <a:fillRect/>
+          </a:stretch>
+        </p:blipFill>
+        <p:spPr>
+          <a:xfrm>
+            <a:off x="11270815" y="32005210"/>
+            <a:ext cx="10625486" cy="5094508"/>
+          </a:xfrm>
+          <a:prstGeom prst="rect">
+            <a:avLst/>
+          </a:prstGeom>
+        </p:spPr>
+      </p:pic>
     </p:spTree>
     <p:extLst>
       <p:ext uri="{BB962C8B-B14F-4D97-AF65-F5344CB8AC3E}">
